--- a/Presentation/Презентация.pptx
+++ b/Presentation/Презентация.pptx
@@ -225,7 +225,7 @@
           <a:p>
             <a:fld id="{92952BA5-CA89-4125-AF4D-3D35E6E81B73}" type="datetimeFigureOut">
               <a:rPr lang="ru-RU" smtClean="0"/>
-              <a:t>28.10.2024</a:t>
+              <a:t>29.10.2024</a:t>
             </a:fld>
             <a:endParaRPr lang="ru-RU"/>
           </a:p>
@@ -1011,7 +1011,7 @@
             <a:fld id="{9010AD6D-140B-4145-9237-9AB88B2B7E5A}" type="datetimeFigureOut">
               <a:rPr lang="ru-RU" smtClean="0"/>
               <a:pPr/>
-              <a:t>28.10.2024</a:t>
+              <a:t>29.10.2024</a:t>
             </a:fld>
             <a:endParaRPr lang="ru-RU"/>
           </a:p>
@@ -1288,7 +1288,7 @@
             <a:fld id="{9010AD6D-140B-4145-9237-9AB88B2B7E5A}" type="datetimeFigureOut">
               <a:rPr lang="ru-RU" smtClean="0"/>
               <a:pPr/>
-              <a:t>28.10.2024</a:t>
+              <a:t>29.10.2024</a:t>
             </a:fld>
             <a:endParaRPr lang="ru-RU"/>
           </a:p>
@@ -1555,7 +1555,7 @@
             <a:fld id="{9010AD6D-140B-4145-9237-9AB88B2B7E5A}" type="datetimeFigureOut">
               <a:rPr lang="ru-RU" smtClean="0"/>
               <a:pPr/>
-              <a:t>28.10.2024</a:t>
+              <a:t>29.10.2024</a:t>
             </a:fld>
             <a:endParaRPr lang="ru-RU"/>
           </a:p>
@@ -1969,7 +1969,7 @@
             <a:fld id="{9010AD6D-140B-4145-9237-9AB88B2B7E5A}" type="datetimeFigureOut">
               <a:rPr lang="ru-RU" smtClean="0"/>
               <a:pPr/>
-              <a:t>28.10.2024</a:t>
+              <a:t>29.10.2024</a:t>
             </a:fld>
             <a:endParaRPr lang="ru-RU"/>
           </a:p>
@@ -2112,7 +2112,7 @@
             <a:fld id="{9010AD6D-140B-4145-9237-9AB88B2B7E5A}" type="datetimeFigureOut">
               <a:rPr lang="ru-RU" smtClean="0"/>
               <a:pPr/>
-              <a:t>28.10.2024</a:t>
+              <a:t>29.10.2024</a:t>
             </a:fld>
             <a:endParaRPr lang="ru-RU"/>
           </a:p>
@@ -2227,7 +2227,7 @@
             <a:fld id="{9010AD6D-140B-4145-9237-9AB88B2B7E5A}" type="datetimeFigureOut">
               <a:rPr lang="ru-RU" smtClean="0"/>
               <a:pPr/>
-              <a:t>28.10.2024</a:t>
+              <a:t>29.10.2024</a:t>
             </a:fld>
             <a:endParaRPr lang="ru-RU"/>
           </a:p>
@@ -2540,7 +2540,7 @@
             <a:fld id="{9010AD6D-140B-4145-9237-9AB88B2B7E5A}" type="datetimeFigureOut">
               <a:rPr lang="ru-RU" smtClean="0"/>
               <a:pPr/>
-              <a:t>28.10.2024</a:t>
+              <a:t>29.10.2024</a:t>
             </a:fld>
             <a:endParaRPr lang="ru-RU"/>
           </a:p>
@@ -2833,7 +2833,7 @@
             <a:fld id="{9010AD6D-140B-4145-9237-9AB88B2B7E5A}" type="datetimeFigureOut">
               <a:rPr lang="ru-RU" smtClean="0"/>
               <a:pPr/>
-              <a:t>28.10.2024</a:t>
+              <a:t>29.10.2024</a:t>
             </a:fld>
             <a:endParaRPr lang="ru-RU"/>
           </a:p>
@@ -3033,7 +3033,7 @@
             <a:fld id="{9010AD6D-140B-4145-9237-9AB88B2B7E5A}" type="datetimeFigureOut">
               <a:rPr lang="ru-RU" smtClean="0"/>
               <a:pPr/>
-              <a:t>28.10.2024</a:t>
+              <a:t>29.10.2024</a:t>
             </a:fld>
             <a:endParaRPr lang="ru-RU"/>
           </a:p>
@@ -3243,7 +3243,7 @@
             <a:fld id="{9010AD6D-140B-4145-9237-9AB88B2B7E5A}" type="datetimeFigureOut">
               <a:rPr lang="ru-RU" smtClean="0"/>
               <a:pPr/>
-              <a:t>28.10.2024</a:t>
+              <a:t>29.10.2024</a:t>
             </a:fld>
             <a:endParaRPr lang="ru-RU"/>
           </a:p>
@@ -7061,7 +7061,7 @@
           <a:p>
             <a:fld id="{9F2B18E7-9061-4482-B2D4-C96C146C6FAB}" type="datetimeFigureOut">
               <a:rPr lang="en-US" smtClean="0"/>
-              <a:t>10/28/2024</a:t>
+              <a:t>10/29/2024</a:t>
             </a:fld>
             <a:endParaRPr lang="en-US"/>
           </a:p>
@@ -7282,7 +7282,7 @@
             <a:fld id="{9010AD6D-140B-4145-9237-9AB88B2B7E5A}" type="datetimeFigureOut">
               <a:rPr lang="ru-RU" smtClean="0"/>
               <a:pPr/>
-              <a:t>28.10.2024</a:t>
+              <a:t>29.10.2024</a:t>
             </a:fld>
             <a:endParaRPr lang="ru-RU"/>
           </a:p>
@@ -8453,7 +8453,7 @@
             <a:fld id="{9010AD6D-140B-4145-9237-9AB88B2B7E5A}" type="datetimeFigureOut">
               <a:rPr lang="ru-RU" smtClean="0"/>
               <a:pPr/>
-              <a:t>28.10.2024</a:t>
+              <a:t>29.10.2024</a:t>
             </a:fld>
             <a:endParaRPr lang="ru-RU"/>
           </a:p>
@@ -9304,31 +9304,6 @@
       </p:sp>
       <p:sp>
         <p:nvSpPr>
-          <p:cNvPr id="4" name="Текст 3">
-            <a:extLst>
-              <a:ext uri="{FF2B5EF4-FFF2-40B4-BE49-F238E27FC236}">
-                <a16:creationId xmlns:a16="http://schemas.microsoft.com/office/drawing/2014/main" id="{942B77E7-27AE-4CC7-B80B-039F145372B0}"/>
-              </a:ext>
-            </a:extLst>
-          </p:cNvPr>
-          <p:cNvSpPr>
-            <a:spLocks noGrp="1"/>
-          </p:cNvSpPr>
-          <p:nvPr>
-            <p:ph type="body" sz="half" idx="12"/>
-          </p:nvPr>
-        </p:nvSpPr>
-        <p:spPr/>
-        <p:txBody>
-          <a:bodyPr/>
-          <a:lstStyle/>
-          <a:p>
-            <a:endParaRPr lang="ru-RU"/>
-          </a:p>
-        </p:txBody>
-      </p:sp>
-      <p:sp>
-        <p:nvSpPr>
           <p:cNvPr id="5" name="Объект 4">
             <a:extLst>
               <a:ext uri="{FF2B5EF4-FFF2-40B4-BE49-F238E27FC236}">
@@ -9964,6 +9939,62 @@
               <a:ea typeface="+mn-ea"/>
               <a:cs typeface="+mn-cs"/>
             </a:endParaRPr>
+          </a:p>
+        </p:txBody>
+      </p:sp>
+      <p:sp>
+        <p:nvSpPr>
+          <p:cNvPr id="6" name="Текст 3">
+            <a:extLst>
+              <a:ext uri="{FF2B5EF4-FFF2-40B4-BE49-F238E27FC236}">
+                <a16:creationId xmlns:a16="http://schemas.microsoft.com/office/drawing/2014/main" id="{49240A05-30CE-47C0-B9A1-6F86237838FD}"/>
+              </a:ext>
+            </a:extLst>
+          </p:cNvPr>
+          <p:cNvSpPr>
+            <a:spLocks noGrp="1"/>
+          </p:cNvSpPr>
+          <p:nvPr>
+            <p:ph type="body" sz="half" idx="12"/>
+          </p:nvPr>
+        </p:nvSpPr>
+        <p:spPr>
+          <a:xfrm>
+            <a:off x="405245" y="6461374"/>
+            <a:ext cx="2112235" cy="243976"/>
+          </a:xfrm>
+          <a:solidFill>
+            <a:schemeClr val="bg1"/>
+          </a:solidFill>
+        </p:spPr>
+        <p:txBody>
+          <a:bodyPr/>
+          <a:lstStyle/>
+          <a:p>
+            <a:r>
+              <a:rPr lang="ru-RU" dirty="0"/>
+              <a:t>12 ноября </a:t>
+            </a:r>
+            <a:r>
+              <a:rPr lang="en-US" dirty="0"/>
+              <a:t>202</a:t>
+            </a:r>
+            <a:r>
+              <a:rPr lang="ru-RU" dirty="0"/>
+              <a:t>4</a:t>
+            </a:r>
+            <a:r>
+              <a:rPr lang="en-US" dirty="0"/>
+              <a:t> </a:t>
+            </a:r>
+            <a:r>
+              <a:rPr lang="ru-RU" dirty="0"/>
+              <a:t>г</a:t>
+            </a:r>
+            <a:r>
+              <a:rPr lang="en-US" dirty="0"/>
+              <a:t>.</a:t>
+            </a:r>
           </a:p>
         </p:txBody>
       </p:sp>
@@ -10057,31 +10088,6 @@
       </p:sp>
       <p:sp>
         <p:nvSpPr>
-          <p:cNvPr id="4" name="Текст 3">
-            <a:extLst>
-              <a:ext uri="{FF2B5EF4-FFF2-40B4-BE49-F238E27FC236}">
-                <a16:creationId xmlns:a16="http://schemas.microsoft.com/office/drawing/2014/main" id="{942B77E7-27AE-4CC7-B80B-039F145372B0}"/>
-              </a:ext>
-            </a:extLst>
-          </p:cNvPr>
-          <p:cNvSpPr>
-            <a:spLocks noGrp="1"/>
-          </p:cNvSpPr>
-          <p:nvPr>
-            <p:ph type="body" sz="half" idx="12"/>
-          </p:nvPr>
-        </p:nvSpPr>
-        <p:spPr/>
-        <p:txBody>
-          <a:bodyPr/>
-          <a:lstStyle/>
-          <a:p>
-            <a:endParaRPr lang="ru-RU"/>
-          </a:p>
-        </p:txBody>
-      </p:sp>
-      <p:sp>
-        <p:nvSpPr>
           <p:cNvPr id="5" name="Объект 4">
             <a:extLst>
               <a:ext uri="{FF2B5EF4-FFF2-40B4-BE49-F238E27FC236}">
@@ -10962,6 +10968,62 @@
               <a:ea typeface="+mn-ea"/>
               <a:cs typeface="+mn-cs"/>
             </a:endParaRPr>
+          </a:p>
+        </p:txBody>
+      </p:sp>
+      <p:sp>
+        <p:nvSpPr>
+          <p:cNvPr id="6" name="Текст 3">
+            <a:extLst>
+              <a:ext uri="{FF2B5EF4-FFF2-40B4-BE49-F238E27FC236}">
+                <a16:creationId xmlns:a16="http://schemas.microsoft.com/office/drawing/2014/main" id="{FE37691C-CABF-45AF-AF62-5BAA969BA704}"/>
+              </a:ext>
+            </a:extLst>
+          </p:cNvPr>
+          <p:cNvSpPr>
+            <a:spLocks noGrp="1"/>
+          </p:cNvSpPr>
+          <p:nvPr>
+            <p:ph type="body" sz="half" idx="12"/>
+          </p:nvPr>
+        </p:nvSpPr>
+        <p:spPr>
+          <a:xfrm>
+            <a:off x="405245" y="6461374"/>
+            <a:ext cx="2112235" cy="243976"/>
+          </a:xfrm>
+          <a:solidFill>
+            <a:schemeClr val="bg1"/>
+          </a:solidFill>
+        </p:spPr>
+        <p:txBody>
+          <a:bodyPr/>
+          <a:lstStyle/>
+          <a:p>
+            <a:r>
+              <a:rPr lang="ru-RU" dirty="0"/>
+              <a:t>12 ноября </a:t>
+            </a:r>
+            <a:r>
+              <a:rPr lang="en-US" dirty="0"/>
+              <a:t>202</a:t>
+            </a:r>
+            <a:r>
+              <a:rPr lang="ru-RU" dirty="0"/>
+              <a:t>4</a:t>
+            </a:r>
+            <a:r>
+              <a:rPr lang="en-US" dirty="0"/>
+              <a:t> </a:t>
+            </a:r>
+            <a:r>
+              <a:rPr lang="ru-RU" dirty="0"/>
+              <a:t>г</a:t>
+            </a:r>
+            <a:r>
+              <a:rPr lang="en-US" dirty="0"/>
+              <a:t>.</a:t>
+            </a:r>
           </a:p>
         </p:txBody>
       </p:sp>
@@ -11055,31 +11117,6 @@
       </p:sp>
       <p:sp>
         <p:nvSpPr>
-          <p:cNvPr id="4" name="Текст 3">
-            <a:extLst>
-              <a:ext uri="{FF2B5EF4-FFF2-40B4-BE49-F238E27FC236}">
-                <a16:creationId xmlns:a16="http://schemas.microsoft.com/office/drawing/2014/main" id="{942B77E7-27AE-4CC7-B80B-039F145372B0}"/>
-              </a:ext>
-            </a:extLst>
-          </p:cNvPr>
-          <p:cNvSpPr>
-            <a:spLocks noGrp="1"/>
-          </p:cNvSpPr>
-          <p:nvPr>
-            <p:ph type="body" sz="half" idx="12"/>
-          </p:nvPr>
-        </p:nvSpPr>
-        <p:spPr/>
-        <p:txBody>
-          <a:bodyPr/>
-          <a:lstStyle/>
-          <a:p>
-            <a:endParaRPr lang="ru-RU"/>
-          </a:p>
-        </p:txBody>
-      </p:sp>
-      <p:sp>
-        <p:nvSpPr>
           <p:cNvPr id="5" name="Объект 4">
             <a:extLst>
               <a:ext uri="{FF2B5EF4-FFF2-40B4-BE49-F238E27FC236}">
@@ -12161,6 +12198,62 @@
                 <a:cs typeface="+mn-cs"/>
               </a:rPr>
               <a:t>}</a:t>
+            </a:r>
+          </a:p>
+        </p:txBody>
+      </p:sp>
+      <p:sp>
+        <p:nvSpPr>
+          <p:cNvPr id="6" name="Текст 3">
+            <a:extLst>
+              <a:ext uri="{FF2B5EF4-FFF2-40B4-BE49-F238E27FC236}">
+                <a16:creationId xmlns:a16="http://schemas.microsoft.com/office/drawing/2014/main" id="{E7DA88EB-B077-47AE-A2F1-912A3794DCC0}"/>
+              </a:ext>
+            </a:extLst>
+          </p:cNvPr>
+          <p:cNvSpPr>
+            <a:spLocks noGrp="1"/>
+          </p:cNvSpPr>
+          <p:nvPr>
+            <p:ph type="body" sz="half" idx="12"/>
+          </p:nvPr>
+        </p:nvSpPr>
+        <p:spPr>
+          <a:xfrm>
+            <a:off x="405245" y="6461374"/>
+            <a:ext cx="2112235" cy="243976"/>
+          </a:xfrm>
+          <a:solidFill>
+            <a:schemeClr val="bg1"/>
+          </a:solidFill>
+        </p:spPr>
+        <p:txBody>
+          <a:bodyPr/>
+          <a:lstStyle/>
+          <a:p>
+            <a:r>
+              <a:rPr lang="ru-RU" dirty="0"/>
+              <a:t>12 ноября </a:t>
+            </a:r>
+            <a:r>
+              <a:rPr lang="en-US" dirty="0"/>
+              <a:t>202</a:t>
+            </a:r>
+            <a:r>
+              <a:rPr lang="ru-RU" dirty="0"/>
+              <a:t>4</a:t>
+            </a:r>
+            <a:r>
+              <a:rPr lang="en-US" dirty="0"/>
+              <a:t> </a:t>
+            </a:r>
+            <a:r>
+              <a:rPr lang="ru-RU" dirty="0"/>
+              <a:t>г</a:t>
+            </a:r>
+            <a:r>
+              <a:rPr lang="en-US" dirty="0"/>
+              <a:t>.</a:t>
             </a:r>
           </a:p>
         </p:txBody>
@@ -12255,31 +12348,6 @@
       </p:sp>
       <p:sp>
         <p:nvSpPr>
-          <p:cNvPr id="4" name="Текст 3">
-            <a:extLst>
-              <a:ext uri="{FF2B5EF4-FFF2-40B4-BE49-F238E27FC236}">
-                <a16:creationId xmlns:a16="http://schemas.microsoft.com/office/drawing/2014/main" id="{942B77E7-27AE-4CC7-B80B-039F145372B0}"/>
-              </a:ext>
-            </a:extLst>
-          </p:cNvPr>
-          <p:cNvSpPr>
-            <a:spLocks noGrp="1"/>
-          </p:cNvSpPr>
-          <p:nvPr>
-            <p:ph type="body" sz="half" idx="12"/>
-          </p:nvPr>
-        </p:nvSpPr>
-        <p:spPr/>
-        <p:txBody>
-          <a:bodyPr/>
-          <a:lstStyle/>
-          <a:p>
-            <a:endParaRPr lang="ru-RU"/>
-          </a:p>
-        </p:txBody>
-      </p:sp>
-      <p:sp>
-        <p:nvSpPr>
           <p:cNvPr id="5" name="Объект 4">
             <a:extLst>
               <a:ext uri="{FF2B5EF4-FFF2-40B4-BE49-F238E27FC236}">
@@ -12297,7 +12365,7 @@
         <p:spPr/>
         <p:txBody>
           <a:bodyPr>
-            <a:normAutofit fontScale="85000" lnSpcReduction="10000"/>
+            <a:normAutofit fontScale="92500" lnSpcReduction="10000"/>
           </a:bodyPr>
           <a:lstStyle/>
           <a:p>
@@ -13288,47 +13356,7 @@
                 <a:ea typeface="+mn-ea"/>
                 <a:cs typeface="+mn-cs"/>
               </a:rPr>
-              <a:t>    }</a:t>
-            </a:r>
-          </a:p>
-          <a:p>
-            <a:pPr marL="0" marR="0" lvl="0" indent="0" algn="just" defTabSz="914400" rtl="0" eaLnBrk="1" fontAlgn="auto" latinLnBrk="0" hangingPunct="1">
-              <a:lnSpc>
-                <a:spcPct val="100000"/>
-              </a:lnSpc>
-              <a:spcBef>
-                <a:spcPct val="20000"/>
-              </a:spcBef>
-              <a:spcAft>
-                <a:spcPts val="0"/>
-              </a:spcAft>
-              <a:buClr>
-                <a:srgbClr val="002A4F"/>
-              </a:buClr>
-              <a:buSzTx/>
-              <a:buNone/>
-              <a:tabLst/>
-              <a:defRPr/>
-            </a:pPr>
-            <a:r>
-              <a:rPr kumimoji="0" lang="en-US" sz="2400" b="0" i="0" u="none" strike="noStrike" kern="1200" cap="none" spc="0" normalizeH="0" baseline="0" noProof="0" dirty="0">
-                <a:ln>
-                  <a:noFill/>
-                </a:ln>
-                <a:solidFill>
-                  <a:prstClr val="black">
-                    <a:lumMod val="75000"/>
-                    <a:lumOff val="25000"/>
-                  </a:prstClr>
-                </a:solidFill>
-                <a:effectLst/>
-                <a:uLnTx/>
-                <a:uFillTx/>
-                <a:latin typeface="Exo 2 Medium" panose="00000600000000000000" pitchFamily="2" charset="-52"/>
-                <a:ea typeface="+mn-ea"/>
-                <a:cs typeface="+mn-cs"/>
-              </a:rPr>
-              <a:t>}</a:t>
+              <a:t>}}</a:t>
             </a:r>
             <a:endParaRPr kumimoji="0" lang="ru-RU" sz="2400" b="0" i="0" u="none" strike="noStrike" kern="1200" cap="none" spc="0" normalizeH="0" baseline="0" noProof="0" dirty="0">
               <a:ln>
@@ -13347,6 +13375,62 @@
               <a:ea typeface="+mn-ea"/>
               <a:cs typeface="+mn-cs"/>
             </a:endParaRPr>
+          </a:p>
+        </p:txBody>
+      </p:sp>
+      <p:sp>
+        <p:nvSpPr>
+          <p:cNvPr id="6" name="Текст 3">
+            <a:extLst>
+              <a:ext uri="{FF2B5EF4-FFF2-40B4-BE49-F238E27FC236}">
+                <a16:creationId xmlns:a16="http://schemas.microsoft.com/office/drawing/2014/main" id="{08165B23-74DB-416B-ABC0-B0EAD4996969}"/>
+              </a:ext>
+            </a:extLst>
+          </p:cNvPr>
+          <p:cNvSpPr>
+            <a:spLocks noGrp="1"/>
+          </p:cNvSpPr>
+          <p:nvPr>
+            <p:ph type="body" sz="half" idx="12"/>
+          </p:nvPr>
+        </p:nvSpPr>
+        <p:spPr>
+          <a:xfrm>
+            <a:off x="405245" y="6461374"/>
+            <a:ext cx="2112235" cy="243976"/>
+          </a:xfrm>
+          <a:solidFill>
+            <a:schemeClr val="bg1"/>
+          </a:solidFill>
+        </p:spPr>
+        <p:txBody>
+          <a:bodyPr/>
+          <a:lstStyle/>
+          <a:p>
+            <a:r>
+              <a:rPr lang="ru-RU" dirty="0"/>
+              <a:t>12 ноября </a:t>
+            </a:r>
+            <a:r>
+              <a:rPr lang="en-US" dirty="0"/>
+              <a:t>202</a:t>
+            </a:r>
+            <a:r>
+              <a:rPr lang="ru-RU" dirty="0"/>
+              <a:t>4</a:t>
+            </a:r>
+            <a:r>
+              <a:rPr lang="en-US" dirty="0"/>
+              <a:t> </a:t>
+            </a:r>
+            <a:r>
+              <a:rPr lang="ru-RU" dirty="0"/>
+              <a:t>г</a:t>
+            </a:r>
+            <a:r>
+              <a:rPr lang="en-US" dirty="0"/>
+              <a:t>.</a:t>
+            </a:r>
           </a:p>
         </p:txBody>
       </p:sp>
@@ -13440,31 +13524,6 @@
       </p:sp>
       <p:sp>
         <p:nvSpPr>
-          <p:cNvPr id="4" name="Текст 3">
-            <a:extLst>
-              <a:ext uri="{FF2B5EF4-FFF2-40B4-BE49-F238E27FC236}">
-                <a16:creationId xmlns:a16="http://schemas.microsoft.com/office/drawing/2014/main" id="{942B77E7-27AE-4CC7-B80B-039F145372B0}"/>
-              </a:ext>
-            </a:extLst>
-          </p:cNvPr>
-          <p:cNvSpPr>
-            <a:spLocks noGrp="1"/>
-          </p:cNvSpPr>
-          <p:nvPr>
-            <p:ph type="body" sz="half" idx="12"/>
-          </p:nvPr>
-        </p:nvSpPr>
-        <p:spPr/>
-        <p:txBody>
-          <a:bodyPr/>
-          <a:lstStyle/>
-          <a:p>
-            <a:endParaRPr lang="ru-RU"/>
-          </a:p>
-        </p:txBody>
-      </p:sp>
-      <p:sp>
-        <p:nvSpPr>
           <p:cNvPr id="5" name="Объект 4">
             <a:extLst>
               <a:ext uri="{FF2B5EF4-FFF2-40B4-BE49-F238E27FC236}">
@@ -14633,6 +14692,62 @@
               <a:ea typeface="+mn-ea"/>
               <a:cs typeface="+mn-cs"/>
             </a:endParaRPr>
+          </a:p>
+        </p:txBody>
+      </p:sp>
+      <p:sp>
+        <p:nvSpPr>
+          <p:cNvPr id="6" name="Текст 3">
+            <a:extLst>
+              <a:ext uri="{FF2B5EF4-FFF2-40B4-BE49-F238E27FC236}">
+                <a16:creationId xmlns:a16="http://schemas.microsoft.com/office/drawing/2014/main" id="{CBA32AE0-DBCF-4977-B2D3-1FB78BF0C714}"/>
+              </a:ext>
+            </a:extLst>
+          </p:cNvPr>
+          <p:cNvSpPr>
+            <a:spLocks noGrp="1"/>
+          </p:cNvSpPr>
+          <p:nvPr>
+            <p:ph type="body" sz="half" idx="12"/>
+          </p:nvPr>
+        </p:nvSpPr>
+        <p:spPr>
+          <a:xfrm>
+            <a:off x="405245" y="6461374"/>
+            <a:ext cx="2112235" cy="243976"/>
+          </a:xfrm>
+          <a:solidFill>
+            <a:schemeClr val="bg1"/>
+          </a:solidFill>
+        </p:spPr>
+        <p:txBody>
+          <a:bodyPr/>
+          <a:lstStyle/>
+          <a:p>
+            <a:r>
+              <a:rPr lang="ru-RU" dirty="0"/>
+              <a:t>12 ноября </a:t>
+            </a:r>
+            <a:r>
+              <a:rPr lang="en-US" dirty="0"/>
+              <a:t>202</a:t>
+            </a:r>
+            <a:r>
+              <a:rPr lang="ru-RU" dirty="0"/>
+              <a:t>4</a:t>
+            </a:r>
+            <a:r>
+              <a:rPr lang="en-US" dirty="0"/>
+              <a:t> </a:t>
+            </a:r>
+            <a:r>
+              <a:rPr lang="ru-RU" dirty="0"/>
+              <a:t>г</a:t>
+            </a:r>
+            <a:r>
+              <a:rPr lang="en-US" dirty="0"/>
+              <a:t>.</a:t>
+            </a:r>
           </a:p>
         </p:txBody>
       </p:sp>
@@ -14726,31 +14841,6 @@
       </p:sp>
       <p:sp>
         <p:nvSpPr>
-          <p:cNvPr id="4" name="Текст 3">
-            <a:extLst>
-              <a:ext uri="{FF2B5EF4-FFF2-40B4-BE49-F238E27FC236}">
-                <a16:creationId xmlns:a16="http://schemas.microsoft.com/office/drawing/2014/main" id="{942B77E7-27AE-4CC7-B80B-039F145372B0}"/>
-              </a:ext>
-            </a:extLst>
-          </p:cNvPr>
-          <p:cNvSpPr>
-            <a:spLocks noGrp="1"/>
-          </p:cNvSpPr>
-          <p:nvPr>
-            <p:ph type="body" sz="half" idx="12"/>
-          </p:nvPr>
-        </p:nvSpPr>
-        <p:spPr/>
-        <p:txBody>
-          <a:bodyPr/>
-          <a:lstStyle/>
-          <a:p>
-            <a:endParaRPr lang="ru-RU"/>
-          </a:p>
-        </p:txBody>
-      </p:sp>
-      <p:sp>
-        <p:nvSpPr>
           <p:cNvPr id="5" name="Объект 4">
             <a:extLst>
               <a:ext uri="{FF2B5EF4-FFF2-40B4-BE49-F238E27FC236}">
@@ -14815,7 +14905,7 @@
               <a:rPr lang="ru-RU" sz="2400" dirty="0">
                 <a:latin typeface="Exo 2 Medium" panose="00000600000000000000" pitchFamily="2" charset="-52"/>
               </a:rPr>
-              <a:t>Реализует принцип открытости/закрытости</a:t>
+              <a:t>Реализует принцип открытости/закрытости (завершенные классы открыты для расширения но закрыты для изменения)</a:t>
             </a:r>
           </a:p>
           <a:p>
@@ -14823,38 +14913,82 @@
               <a:rPr lang="ru-RU" sz="2400" dirty="0">
                 <a:latin typeface="Exo 2 Medium" panose="00000600000000000000" pitchFamily="2" charset="-52"/>
               </a:rPr>
-              <a:t>Возможность изменения одного слоя без </a:t>
-            </a:r>
-            <a:r>
-              <a:rPr lang="ru-RU" sz="2400" dirty="0" err="1">
-                <a:latin typeface="Exo 2 Medium" panose="00000600000000000000" pitchFamily="2" charset="-52"/>
-              </a:rPr>
-              <a:t>обязятельных</a:t>
-            </a:r>
+              <a:t>Возможность изменения одного слоя без обязательных изменений в другом</a:t>
+            </a:r>
+          </a:p>
+          <a:p>
+            <a:pPr marL="0" indent="0">
+              <a:buNone/>
+            </a:pPr>
             <a:r>
               <a:rPr lang="ru-RU" sz="2400" dirty="0">
                 <a:latin typeface="Exo 2 Medium" panose="00000600000000000000" pitchFamily="2" charset="-52"/>
               </a:rPr>
-              <a:t> изменений в другом</a:t>
-            </a:r>
-          </a:p>
-          <a:p>
-            <a:pPr marL="0" indent="0">
-              <a:buNone/>
-            </a:pPr>
+              <a:t>Недостатки паттерна:</a:t>
+            </a:r>
+          </a:p>
+          <a:p>
             <a:r>
               <a:rPr lang="ru-RU" sz="2400" dirty="0">
                 <a:latin typeface="Exo 2 Medium" panose="00000600000000000000" pitchFamily="2" charset="-52"/>
               </a:rPr>
-              <a:t>Недостатки паттерна:</a:t>
-            </a:r>
-          </a:p>
-          <a:p>
-            <a:r>
-              <a:rPr lang="ru-RU" sz="2400" dirty="0">
-                <a:latin typeface="Exo 2 Medium" panose="00000600000000000000" pitchFamily="2" charset="-52"/>
-              </a:rPr>
               <a:t>Усложнение кода из-за введения новых интерфейсов и классов</a:t>
+            </a:r>
+          </a:p>
+        </p:txBody>
+      </p:sp>
+      <p:sp>
+        <p:nvSpPr>
+          <p:cNvPr id="6" name="Текст 3">
+            <a:extLst>
+              <a:ext uri="{FF2B5EF4-FFF2-40B4-BE49-F238E27FC236}">
+                <a16:creationId xmlns:a16="http://schemas.microsoft.com/office/drawing/2014/main" id="{32D3263B-4EBD-4F08-ABCC-F563BAA1047B}"/>
+              </a:ext>
+            </a:extLst>
+          </p:cNvPr>
+          <p:cNvSpPr>
+            <a:spLocks noGrp="1"/>
+          </p:cNvSpPr>
+          <p:nvPr>
+            <p:ph type="body" sz="half" idx="12"/>
+          </p:nvPr>
+        </p:nvSpPr>
+        <p:spPr>
+          <a:xfrm>
+            <a:off x="405245" y="6461374"/>
+            <a:ext cx="2112235" cy="243976"/>
+          </a:xfrm>
+          <a:solidFill>
+            <a:schemeClr val="bg1"/>
+          </a:solidFill>
+        </p:spPr>
+        <p:txBody>
+          <a:bodyPr/>
+          <a:lstStyle/>
+          <a:p>
+            <a:r>
+              <a:rPr lang="ru-RU" dirty="0"/>
+              <a:t>12 ноября </a:t>
+            </a:r>
+            <a:r>
+              <a:rPr lang="en-US" dirty="0"/>
+              <a:t>202</a:t>
+            </a:r>
+            <a:r>
+              <a:rPr lang="ru-RU" dirty="0"/>
+              <a:t>4</a:t>
+            </a:r>
+            <a:r>
+              <a:rPr lang="en-US" dirty="0"/>
+              <a:t> </a:t>
+            </a:r>
+            <a:r>
+              <a:rPr lang="ru-RU" dirty="0"/>
+              <a:t>г</a:t>
+            </a:r>
+            <a:r>
+              <a:rPr lang="en-US" dirty="0"/>
+              <a:t>.</a:t>
             </a:r>
           </a:p>
         </p:txBody>
@@ -14981,31 +15115,6 @@
       </p:sp>
       <p:sp>
         <p:nvSpPr>
-          <p:cNvPr id="4" name="Текст 3">
-            <a:extLst>
-              <a:ext uri="{FF2B5EF4-FFF2-40B4-BE49-F238E27FC236}">
-                <a16:creationId xmlns:a16="http://schemas.microsoft.com/office/drawing/2014/main" id="{942B77E7-27AE-4CC7-B80B-039F145372B0}"/>
-              </a:ext>
-            </a:extLst>
-          </p:cNvPr>
-          <p:cNvSpPr>
-            <a:spLocks noGrp="1"/>
-          </p:cNvSpPr>
-          <p:nvPr>
-            <p:ph type="body" sz="half" idx="12"/>
-          </p:nvPr>
-        </p:nvSpPr>
-        <p:spPr/>
-        <p:txBody>
-          <a:bodyPr/>
-          <a:lstStyle/>
-          <a:p>
-            <a:endParaRPr lang="ru-RU"/>
-          </a:p>
-        </p:txBody>
-      </p:sp>
-      <p:sp>
-        <p:nvSpPr>
           <p:cNvPr id="8" name="Объект 4">
             <a:extLst>
               <a:ext uri="{FF2B5EF4-FFF2-40B4-BE49-F238E27FC236}">
@@ -15253,6 +15362,62 @@
                 <a:latin typeface="Exo 2 Medium" panose="00000600000000000000" pitchFamily="2" charset="-52"/>
               </a:rPr>
               <a:t> – эта презентация + доклад</a:t>
+            </a:r>
+          </a:p>
+        </p:txBody>
+      </p:sp>
+      <p:sp>
+        <p:nvSpPr>
+          <p:cNvPr id="7" name="Текст 3">
+            <a:extLst>
+              <a:ext uri="{FF2B5EF4-FFF2-40B4-BE49-F238E27FC236}">
+                <a16:creationId xmlns:a16="http://schemas.microsoft.com/office/drawing/2014/main" id="{D69E0A6B-BF38-42EF-A01F-911E53B67341}"/>
+              </a:ext>
+            </a:extLst>
+          </p:cNvPr>
+          <p:cNvSpPr>
+            <a:spLocks noGrp="1"/>
+          </p:cNvSpPr>
+          <p:nvPr>
+            <p:ph type="body" sz="half" idx="12"/>
+          </p:nvPr>
+        </p:nvSpPr>
+        <p:spPr>
+          <a:xfrm>
+            <a:off x="405245" y="6461374"/>
+            <a:ext cx="2112235" cy="243976"/>
+          </a:xfrm>
+          <a:solidFill>
+            <a:schemeClr val="bg1"/>
+          </a:solidFill>
+        </p:spPr>
+        <p:txBody>
+          <a:bodyPr/>
+          <a:lstStyle/>
+          <a:p>
+            <a:r>
+              <a:rPr lang="ru-RU" dirty="0"/>
+              <a:t>12 ноября </a:t>
+            </a:r>
+            <a:r>
+              <a:rPr lang="en-US" dirty="0"/>
+              <a:t>202</a:t>
+            </a:r>
+            <a:r>
+              <a:rPr lang="ru-RU" dirty="0"/>
+              <a:t>4</a:t>
+            </a:r>
+            <a:r>
+              <a:rPr lang="en-US" dirty="0"/>
+              <a:t> </a:t>
+            </a:r>
+            <a:r>
+              <a:rPr lang="ru-RU" dirty="0"/>
+              <a:t>г</a:t>
+            </a:r>
+            <a:r>
+              <a:rPr lang="en-US" dirty="0"/>
+              <a:t>.</a:t>
             </a:r>
           </a:p>
         </p:txBody>
@@ -15382,11 +15547,19 @@
           <a:p>
             <a:r>
               <a:rPr lang="ru-RU" dirty="0"/>
-              <a:t>5 декабря </a:t>
+              <a:t>12 ноября </a:t>
             </a:r>
             <a:r>
               <a:rPr lang="en-US" dirty="0"/>
-              <a:t>2023 </a:t>
+              <a:t>202</a:t>
+            </a:r>
+            <a:r>
+              <a:rPr lang="ru-RU" dirty="0"/>
+              <a:t>4</a:t>
+            </a:r>
+            <a:r>
+              <a:rPr lang="en-US" dirty="0"/>
+              <a:t> </a:t>
             </a:r>
             <a:r>
               <a:rPr lang="ru-RU" dirty="0"/>
@@ -15897,11 +16070,19 @@
           <a:p>
             <a:r>
               <a:rPr lang="ru-RU" dirty="0"/>
-              <a:t>5 декабря </a:t>
+              <a:t>12 ноября </a:t>
             </a:r>
             <a:r>
               <a:rPr lang="en-US" dirty="0"/>
-              <a:t>2023 </a:t>
+              <a:t>202</a:t>
+            </a:r>
+            <a:r>
+              <a:rPr lang="ru-RU" dirty="0"/>
+              <a:t>4</a:t>
+            </a:r>
+            <a:r>
+              <a:rPr lang="en-US" dirty="0"/>
+              <a:t> </a:t>
             </a:r>
             <a:r>
               <a:rPr lang="ru-RU" dirty="0"/>
@@ -16136,11 +16317,19 @@
           <a:p>
             <a:r>
               <a:rPr lang="ru-RU" dirty="0"/>
-              <a:t>5 декабря </a:t>
+              <a:t>12 ноября </a:t>
             </a:r>
             <a:r>
               <a:rPr lang="en-US" dirty="0"/>
-              <a:t>2023 </a:t>
+              <a:t>202</a:t>
+            </a:r>
+            <a:r>
+              <a:rPr lang="ru-RU" dirty="0"/>
+              <a:t>4</a:t>
+            </a:r>
+            <a:r>
+              <a:rPr lang="en-US" dirty="0"/>
+              <a:t> </a:t>
             </a:r>
             <a:r>
               <a:rPr lang="ru-RU" dirty="0"/>
@@ -16243,31 +16432,6 @@
       </p:sp>
       <p:sp>
         <p:nvSpPr>
-          <p:cNvPr id="4" name="Текст 3">
-            <a:extLst>
-              <a:ext uri="{FF2B5EF4-FFF2-40B4-BE49-F238E27FC236}">
-                <a16:creationId xmlns:a16="http://schemas.microsoft.com/office/drawing/2014/main" id="{942B77E7-27AE-4CC7-B80B-039F145372B0}"/>
-              </a:ext>
-            </a:extLst>
-          </p:cNvPr>
-          <p:cNvSpPr>
-            <a:spLocks noGrp="1"/>
-          </p:cNvSpPr>
-          <p:nvPr>
-            <p:ph type="body" sz="half" idx="12"/>
-          </p:nvPr>
-        </p:nvSpPr>
-        <p:spPr/>
-        <p:txBody>
-          <a:bodyPr/>
-          <a:lstStyle/>
-          <a:p>
-            <a:endParaRPr lang="ru-RU"/>
-          </a:p>
-        </p:txBody>
-      </p:sp>
-      <p:sp>
-        <p:nvSpPr>
           <p:cNvPr id="5" name="Объект 4">
             <a:extLst>
               <a:ext uri="{FF2B5EF4-FFF2-40B4-BE49-F238E27FC236}">
@@ -16342,6 +16506,62 @@
             <a:endParaRPr lang="ru-RU" sz="2400" dirty="0">
               <a:latin typeface="Exo 2 Medium" panose="00000600000000000000" pitchFamily="2" charset="-52"/>
             </a:endParaRPr>
+          </a:p>
+        </p:txBody>
+      </p:sp>
+      <p:sp>
+        <p:nvSpPr>
+          <p:cNvPr id="6" name="Текст 3">
+            <a:extLst>
+              <a:ext uri="{FF2B5EF4-FFF2-40B4-BE49-F238E27FC236}">
+                <a16:creationId xmlns:a16="http://schemas.microsoft.com/office/drawing/2014/main" id="{55F0FFAC-EF8A-420B-81AD-9941C06AC588}"/>
+              </a:ext>
+            </a:extLst>
+          </p:cNvPr>
+          <p:cNvSpPr>
+            <a:spLocks noGrp="1"/>
+          </p:cNvSpPr>
+          <p:nvPr>
+            <p:ph type="body" sz="half" idx="12"/>
+          </p:nvPr>
+        </p:nvSpPr>
+        <p:spPr>
+          <a:xfrm>
+            <a:off x="405245" y="6461374"/>
+            <a:ext cx="2112235" cy="243976"/>
+          </a:xfrm>
+          <a:solidFill>
+            <a:schemeClr val="bg1"/>
+          </a:solidFill>
+        </p:spPr>
+        <p:txBody>
+          <a:bodyPr/>
+          <a:lstStyle/>
+          <a:p>
+            <a:r>
+              <a:rPr lang="ru-RU" dirty="0"/>
+              <a:t>12 ноября </a:t>
+            </a:r>
+            <a:r>
+              <a:rPr lang="en-US" dirty="0"/>
+              <a:t>202</a:t>
+            </a:r>
+            <a:r>
+              <a:rPr lang="ru-RU" dirty="0"/>
+              <a:t>4</a:t>
+            </a:r>
+            <a:r>
+              <a:rPr lang="en-US" dirty="0"/>
+              <a:t> </a:t>
+            </a:r>
+            <a:r>
+              <a:rPr lang="ru-RU" dirty="0"/>
+              <a:t>г</a:t>
+            </a:r>
+            <a:r>
+              <a:rPr lang="en-US" dirty="0"/>
+              <a:t>.</a:t>
+            </a:r>
           </a:p>
         </p:txBody>
       </p:sp>
@@ -16435,31 +16655,6 @@
       </p:sp>
       <p:sp>
         <p:nvSpPr>
-          <p:cNvPr id="4" name="Текст 3">
-            <a:extLst>
-              <a:ext uri="{FF2B5EF4-FFF2-40B4-BE49-F238E27FC236}">
-                <a16:creationId xmlns:a16="http://schemas.microsoft.com/office/drawing/2014/main" id="{942B77E7-27AE-4CC7-B80B-039F145372B0}"/>
-              </a:ext>
-            </a:extLst>
-          </p:cNvPr>
-          <p:cNvSpPr>
-            <a:spLocks noGrp="1"/>
-          </p:cNvSpPr>
-          <p:nvPr>
-            <p:ph type="body" sz="half" idx="12"/>
-          </p:nvPr>
-        </p:nvSpPr>
-        <p:spPr/>
-        <p:txBody>
-          <a:bodyPr/>
-          <a:lstStyle/>
-          <a:p>
-            <a:endParaRPr lang="ru-RU"/>
-          </a:p>
-        </p:txBody>
-      </p:sp>
-      <p:sp>
-        <p:nvSpPr>
           <p:cNvPr id="5" name="Объект 4">
             <a:extLst>
               <a:ext uri="{FF2B5EF4-FFF2-40B4-BE49-F238E27FC236}">
@@ -16511,6 +16706,62 @@
             <a:endParaRPr lang="ru-RU" sz="2400" dirty="0">
               <a:latin typeface="Exo 2 Medium" panose="00000600000000000000" pitchFamily="2" charset="-52"/>
             </a:endParaRPr>
+          </a:p>
+        </p:txBody>
+      </p:sp>
+      <p:sp>
+        <p:nvSpPr>
+          <p:cNvPr id="6" name="Текст 3">
+            <a:extLst>
+              <a:ext uri="{FF2B5EF4-FFF2-40B4-BE49-F238E27FC236}">
+                <a16:creationId xmlns:a16="http://schemas.microsoft.com/office/drawing/2014/main" id="{F1B5F995-659A-4706-8D52-1E28D6E4992A}"/>
+              </a:ext>
+            </a:extLst>
+          </p:cNvPr>
+          <p:cNvSpPr>
+            <a:spLocks noGrp="1"/>
+          </p:cNvSpPr>
+          <p:nvPr>
+            <p:ph type="body" sz="half" idx="12"/>
+          </p:nvPr>
+        </p:nvSpPr>
+        <p:spPr>
+          <a:xfrm>
+            <a:off x="405245" y="6461374"/>
+            <a:ext cx="2112235" cy="243976"/>
+          </a:xfrm>
+          <a:solidFill>
+            <a:schemeClr val="bg1"/>
+          </a:solidFill>
+        </p:spPr>
+        <p:txBody>
+          <a:bodyPr/>
+          <a:lstStyle/>
+          <a:p>
+            <a:r>
+              <a:rPr lang="ru-RU" dirty="0"/>
+              <a:t>12 ноября </a:t>
+            </a:r>
+            <a:r>
+              <a:rPr lang="en-US" dirty="0"/>
+              <a:t>202</a:t>
+            </a:r>
+            <a:r>
+              <a:rPr lang="ru-RU" dirty="0"/>
+              <a:t>4</a:t>
+            </a:r>
+            <a:r>
+              <a:rPr lang="en-US" dirty="0"/>
+              <a:t> </a:t>
+            </a:r>
+            <a:r>
+              <a:rPr lang="ru-RU" dirty="0"/>
+              <a:t>г</a:t>
+            </a:r>
+            <a:r>
+              <a:rPr lang="en-US" dirty="0"/>
+              <a:t>.</a:t>
+            </a:r>
           </a:p>
         </p:txBody>
       </p:sp>
@@ -16604,31 +16855,6 @@
       </p:sp>
       <p:sp>
         <p:nvSpPr>
-          <p:cNvPr id="4" name="Текст 3">
-            <a:extLst>
-              <a:ext uri="{FF2B5EF4-FFF2-40B4-BE49-F238E27FC236}">
-                <a16:creationId xmlns:a16="http://schemas.microsoft.com/office/drawing/2014/main" id="{942B77E7-27AE-4CC7-B80B-039F145372B0}"/>
-              </a:ext>
-            </a:extLst>
-          </p:cNvPr>
-          <p:cNvSpPr>
-            <a:spLocks noGrp="1"/>
-          </p:cNvSpPr>
-          <p:nvPr>
-            <p:ph type="body" sz="half" idx="12"/>
-          </p:nvPr>
-        </p:nvSpPr>
-        <p:spPr/>
-        <p:txBody>
-          <a:bodyPr/>
-          <a:lstStyle/>
-          <a:p>
-            <a:endParaRPr lang="ru-RU"/>
-          </a:p>
-        </p:txBody>
-      </p:sp>
-      <p:sp>
-        <p:nvSpPr>
           <p:cNvPr id="5" name="Объект 4">
             <a:extLst>
               <a:ext uri="{FF2B5EF4-FFF2-40B4-BE49-F238E27FC236}">
@@ -16735,6 +16961,62 @@
               <a:ea typeface="+mn-ea"/>
               <a:cs typeface="+mn-cs"/>
             </a:endParaRPr>
+          </a:p>
+        </p:txBody>
+      </p:sp>
+      <p:sp>
+        <p:nvSpPr>
+          <p:cNvPr id="6" name="Текст 3">
+            <a:extLst>
+              <a:ext uri="{FF2B5EF4-FFF2-40B4-BE49-F238E27FC236}">
+                <a16:creationId xmlns:a16="http://schemas.microsoft.com/office/drawing/2014/main" id="{B6BDDC8B-04AF-4ECB-B06C-189816CBCDA7}"/>
+              </a:ext>
+            </a:extLst>
+          </p:cNvPr>
+          <p:cNvSpPr>
+            <a:spLocks noGrp="1"/>
+          </p:cNvSpPr>
+          <p:nvPr>
+            <p:ph type="body" sz="half" idx="12"/>
+          </p:nvPr>
+        </p:nvSpPr>
+        <p:spPr>
+          <a:xfrm>
+            <a:off x="405245" y="6461374"/>
+            <a:ext cx="2112235" cy="243976"/>
+          </a:xfrm>
+          <a:solidFill>
+            <a:schemeClr val="bg1"/>
+          </a:solidFill>
+        </p:spPr>
+        <p:txBody>
+          <a:bodyPr/>
+          <a:lstStyle/>
+          <a:p>
+            <a:r>
+              <a:rPr lang="ru-RU" dirty="0"/>
+              <a:t>12 ноября </a:t>
+            </a:r>
+            <a:r>
+              <a:rPr lang="en-US" dirty="0"/>
+              <a:t>202</a:t>
+            </a:r>
+            <a:r>
+              <a:rPr lang="ru-RU" dirty="0"/>
+              <a:t>4</a:t>
+            </a:r>
+            <a:r>
+              <a:rPr lang="en-US" dirty="0"/>
+              <a:t> </a:t>
+            </a:r>
+            <a:r>
+              <a:rPr lang="ru-RU" dirty="0"/>
+              <a:t>г</a:t>
+            </a:r>
+            <a:r>
+              <a:rPr lang="en-US" dirty="0"/>
+              <a:t>.</a:t>
+            </a:r>
           </a:p>
         </p:txBody>
       </p:sp>
@@ -16828,31 +17110,6 @@
       </p:sp>
       <p:sp>
         <p:nvSpPr>
-          <p:cNvPr id="4" name="Текст 3">
-            <a:extLst>
-              <a:ext uri="{FF2B5EF4-FFF2-40B4-BE49-F238E27FC236}">
-                <a16:creationId xmlns:a16="http://schemas.microsoft.com/office/drawing/2014/main" id="{942B77E7-27AE-4CC7-B80B-039F145372B0}"/>
-              </a:ext>
-            </a:extLst>
-          </p:cNvPr>
-          <p:cNvSpPr>
-            <a:spLocks noGrp="1"/>
-          </p:cNvSpPr>
-          <p:nvPr>
-            <p:ph type="body" sz="half" idx="12"/>
-          </p:nvPr>
-        </p:nvSpPr>
-        <p:spPr/>
-        <p:txBody>
-          <a:bodyPr/>
-          <a:lstStyle/>
-          <a:p>
-            <a:endParaRPr lang="ru-RU"/>
-          </a:p>
-        </p:txBody>
-      </p:sp>
-      <p:sp>
-        <p:nvSpPr>
           <p:cNvPr id="11" name="Объект 10">
             <a:extLst>
               <a:ext uri="{FF2B5EF4-FFF2-40B4-BE49-F238E27FC236}">
@@ -17219,6 +17476,62 @@
           </a:prstGeom>
         </p:spPr>
       </p:pic>
+      <p:sp>
+        <p:nvSpPr>
+          <p:cNvPr id="7" name="Текст 3">
+            <a:extLst>
+              <a:ext uri="{FF2B5EF4-FFF2-40B4-BE49-F238E27FC236}">
+                <a16:creationId xmlns:a16="http://schemas.microsoft.com/office/drawing/2014/main" id="{501185B0-F0AF-42A2-A523-F0ED399AA872}"/>
+              </a:ext>
+            </a:extLst>
+          </p:cNvPr>
+          <p:cNvSpPr>
+            <a:spLocks noGrp="1"/>
+          </p:cNvSpPr>
+          <p:nvPr>
+            <p:ph type="body" sz="half" idx="12"/>
+          </p:nvPr>
+        </p:nvSpPr>
+        <p:spPr>
+          <a:xfrm>
+            <a:off x="405245" y="6461374"/>
+            <a:ext cx="2112235" cy="243976"/>
+          </a:xfrm>
+          <a:solidFill>
+            <a:schemeClr val="bg1"/>
+          </a:solidFill>
+        </p:spPr>
+        <p:txBody>
+          <a:bodyPr/>
+          <a:lstStyle/>
+          <a:p>
+            <a:r>
+              <a:rPr lang="ru-RU" dirty="0"/>
+              <a:t>12 ноября </a:t>
+            </a:r>
+            <a:r>
+              <a:rPr lang="en-US" dirty="0"/>
+              <a:t>202</a:t>
+            </a:r>
+            <a:r>
+              <a:rPr lang="ru-RU" dirty="0"/>
+              <a:t>4</a:t>
+            </a:r>
+            <a:r>
+              <a:rPr lang="en-US" dirty="0"/>
+              <a:t> </a:t>
+            </a:r>
+            <a:r>
+              <a:rPr lang="ru-RU" dirty="0"/>
+              <a:t>г</a:t>
+            </a:r>
+            <a:r>
+              <a:rPr lang="en-US" dirty="0"/>
+              <a:t>.</a:t>
+            </a:r>
+          </a:p>
+        </p:txBody>
+      </p:sp>
     </p:spTree>
     <p:extLst>
       <p:ext uri="{BB962C8B-B14F-4D97-AF65-F5344CB8AC3E}">
@@ -17309,31 +17622,6 @@
       </p:sp>
       <p:sp>
         <p:nvSpPr>
-          <p:cNvPr id="4" name="Текст 3">
-            <a:extLst>
-              <a:ext uri="{FF2B5EF4-FFF2-40B4-BE49-F238E27FC236}">
-                <a16:creationId xmlns:a16="http://schemas.microsoft.com/office/drawing/2014/main" id="{942B77E7-27AE-4CC7-B80B-039F145372B0}"/>
-              </a:ext>
-            </a:extLst>
-          </p:cNvPr>
-          <p:cNvSpPr>
-            <a:spLocks noGrp="1"/>
-          </p:cNvSpPr>
-          <p:nvPr>
-            <p:ph type="body" sz="half" idx="12"/>
-          </p:nvPr>
-        </p:nvSpPr>
-        <p:spPr/>
-        <p:txBody>
-          <a:bodyPr/>
-          <a:lstStyle/>
-          <a:p>
-            <a:endParaRPr lang="ru-RU"/>
-          </a:p>
-        </p:txBody>
-      </p:sp>
-      <p:sp>
-        <p:nvSpPr>
           <p:cNvPr id="5" name="Объект 4">
             <a:extLst>
               <a:ext uri="{FF2B5EF4-FFF2-40B4-BE49-F238E27FC236}">
@@ -17965,6 +18253,62 @@
               <a:uFillTx/>
               <a:latin typeface="Exo 2 Medium" panose="00000600000000000000" pitchFamily="2" charset="-52"/>
             </a:endParaRPr>
+          </a:p>
+        </p:txBody>
+      </p:sp>
+      <p:sp>
+        <p:nvSpPr>
+          <p:cNvPr id="6" name="Текст 3">
+            <a:extLst>
+              <a:ext uri="{FF2B5EF4-FFF2-40B4-BE49-F238E27FC236}">
+                <a16:creationId xmlns:a16="http://schemas.microsoft.com/office/drawing/2014/main" id="{49C3786B-DB12-47E1-B1D1-0359E8E4971B}"/>
+              </a:ext>
+            </a:extLst>
+          </p:cNvPr>
+          <p:cNvSpPr>
+            <a:spLocks noGrp="1"/>
+          </p:cNvSpPr>
+          <p:nvPr>
+            <p:ph type="body" sz="half" idx="12"/>
+          </p:nvPr>
+        </p:nvSpPr>
+        <p:spPr>
+          <a:xfrm>
+            <a:off x="405245" y="6461374"/>
+            <a:ext cx="2112235" cy="243976"/>
+          </a:xfrm>
+          <a:solidFill>
+            <a:schemeClr val="bg1"/>
+          </a:solidFill>
+        </p:spPr>
+        <p:txBody>
+          <a:bodyPr/>
+          <a:lstStyle/>
+          <a:p>
+            <a:r>
+              <a:rPr lang="ru-RU" dirty="0"/>
+              <a:t>12 ноября </a:t>
+            </a:r>
+            <a:r>
+              <a:rPr lang="en-US" dirty="0"/>
+              <a:t>202</a:t>
+            </a:r>
+            <a:r>
+              <a:rPr lang="ru-RU" dirty="0"/>
+              <a:t>4</a:t>
+            </a:r>
+            <a:r>
+              <a:rPr lang="en-US" dirty="0"/>
+              <a:t> </a:t>
+            </a:r>
+            <a:r>
+              <a:rPr lang="ru-RU" dirty="0"/>
+              <a:t>г</a:t>
+            </a:r>
+            <a:r>
+              <a:rPr lang="en-US" dirty="0"/>
+              <a:t>.</a:t>
+            </a:r>
           </a:p>
         </p:txBody>
       </p:sp>

--- a/Presentation/Презентация.pptx
+++ b/Presentation/Презентация.pptx
@@ -6,7 +6,7 @@
     <p:sldMasterId id="2147483669" r:id="rId2"/>
   </p:sldMasterIdLst>
   <p:notesMasterIdLst>
-    <p:notesMasterId r:id="rId19"/>
+    <p:notesMasterId r:id="rId18"/>
   </p:notesMasterIdLst>
   <p:sldIdLst>
     <p:sldId id="257" r:id="rId3"/>
@@ -20,11 +20,10 @@
     <p:sldId id="281" r:id="rId11"/>
     <p:sldId id="282" r:id="rId12"/>
     <p:sldId id="283" r:id="rId13"/>
-    <p:sldId id="286" r:id="rId14"/>
-    <p:sldId id="284" r:id="rId15"/>
-    <p:sldId id="285" r:id="rId16"/>
-    <p:sldId id="274" r:id="rId17"/>
-    <p:sldId id="277" r:id="rId18"/>
+    <p:sldId id="284" r:id="rId14"/>
+    <p:sldId id="285" r:id="rId15"/>
+    <p:sldId id="274" r:id="rId16"/>
+    <p:sldId id="277" r:id="rId17"/>
   </p:sldIdLst>
   <p:sldSz cx="12192000" cy="6858000"/>
   <p:notesSz cx="6858000" cy="9144000"/>
@@ -225,7 +224,7 @@
           <a:p>
             <a:fld id="{92952BA5-CA89-4125-AF4D-3D35E6E81B73}" type="datetimeFigureOut">
               <a:rPr lang="ru-RU" smtClean="0"/>
-              <a:t>29.10.2024</a:t>
+              <a:t>09.11.2024</a:t>
             </a:fld>
             <a:endParaRPr lang="ru-RU"/>
           </a:p>
@@ -1011,7 +1010,7 @@
             <a:fld id="{9010AD6D-140B-4145-9237-9AB88B2B7E5A}" type="datetimeFigureOut">
               <a:rPr lang="ru-RU" smtClean="0"/>
               <a:pPr/>
-              <a:t>29.10.2024</a:t>
+              <a:t>09.11.2024</a:t>
             </a:fld>
             <a:endParaRPr lang="ru-RU"/>
           </a:p>
@@ -1288,7 +1287,7 @@
             <a:fld id="{9010AD6D-140B-4145-9237-9AB88B2B7E5A}" type="datetimeFigureOut">
               <a:rPr lang="ru-RU" smtClean="0"/>
               <a:pPr/>
-              <a:t>29.10.2024</a:t>
+              <a:t>09.11.2024</a:t>
             </a:fld>
             <a:endParaRPr lang="ru-RU"/>
           </a:p>
@@ -1555,7 +1554,7 @@
             <a:fld id="{9010AD6D-140B-4145-9237-9AB88B2B7E5A}" type="datetimeFigureOut">
               <a:rPr lang="ru-RU" smtClean="0"/>
               <a:pPr/>
-              <a:t>29.10.2024</a:t>
+              <a:t>09.11.2024</a:t>
             </a:fld>
             <a:endParaRPr lang="ru-RU"/>
           </a:p>
@@ -1969,7 +1968,7 @@
             <a:fld id="{9010AD6D-140B-4145-9237-9AB88B2B7E5A}" type="datetimeFigureOut">
               <a:rPr lang="ru-RU" smtClean="0"/>
               <a:pPr/>
-              <a:t>29.10.2024</a:t>
+              <a:t>09.11.2024</a:t>
             </a:fld>
             <a:endParaRPr lang="ru-RU"/>
           </a:p>
@@ -2112,7 +2111,7 @@
             <a:fld id="{9010AD6D-140B-4145-9237-9AB88B2B7E5A}" type="datetimeFigureOut">
               <a:rPr lang="ru-RU" smtClean="0"/>
               <a:pPr/>
-              <a:t>29.10.2024</a:t>
+              <a:t>09.11.2024</a:t>
             </a:fld>
             <a:endParaRPr lang="ru-RU"/>
           </a:p>
@@ -2227,7 +2226,7 @@
             <a:fld id="{9010AD6D-140B-4145-9237-9AB88B2B7E5A}" type="datetimeFigureOut">
               <a:rPr lang="ru-RU" smtClean="0"/>
               <a:pPr/>
-              <a:t>29.10.2024</a:t>
+              <a:t>09.11.2024</a:t>
             </a:fld>
             <a:endParaRPr lang="ru-RU"/>
           </a:p>
@@ -2540,7 +2539,7 @@
             <a:fld id="{9010AD6D-140B-4145-9237-9AB88B2B7E5A}" type="datetimeFigureOut">
               <a:rPr lang="ru-RU" smtClean="0"/>
               <a:pPr/>
-              <a:t>29.10.2024</a:t>
+              <a:t>09.11.2024</a:t>
             </a:fld>
             <a:endParaRPr lang="ru-RU"/>
           </a:p>
@@ -2833,7 +2832,7 @@
             <a:fld id="{9010AD6D-140B-4145-9237-9AB88B2B7E5A}" type="datetimeFigureOut">
               <a:rPr lang="ru-RU" smtClean="0"/>
               <a:pPr/>
-              <a:t>29.10.2024</a:t>
+              <a:t>09.11.2024</a:t>
             </a:fld>
             <a:endParaRPr lang="ru-RU"/>
           </a:p>
@@ -3033,7 +3032,7 @@
             <a:fld id="{9010AD6D-140B-4145-9237-9AB88B2B7E5A}" type="datetimeFigureOut">
               <a:rPr lang="ru-RU" smtClean="0"/>
               <a:pPr/>
-              <a:t>29.10.2024</a:t>
+              <a:t>09.11.2024</a:t>
             </a:fld>
             <a:endParaRPr lang="ru-RU"/>
           </a:p>
@@ -3243,7 +3242,7 @@
             <a:fld id="{9010AD6D-140B-4145-9237-9AB88B2B7E5A}" type="datetimeFigureOut">
               <a:rPr lang="ru-RU" smtClean="0"/>
               <a:pPr/>
-              <a:t>29.10.2024</a:t>
+              <a:t>09.11.2024</a:t>
             </a:fld>
             <a:endParaRPr lang="ru-RU"/>
           </a:p>
@@ -7061,7 +7060,7 @@
           <a:p>
             <a:fld id="{9F2B18E7-9061-4482-B2D4-C96C146C6FAB}" type="datetimeFigureOut">
               <a:rPr lang="en-US" smtClean="0"/>
-              <a:t>10/29/2024</a:t>
+              <a:t>11/9/2024</a:t>
             </a:fld>
             <a:endParaRPr lang="en-US"/>
           </a:p>
@@ -7282,7 +7281,7 @@
             <a:fld id="{9010AD6D-140B-4145-9237-9AB88B2B7E5A}" type="datetimeFigureOut">
               <a:rPr lang="ru-RU" smtClean="0"/>
               <a:pPr/>
-              <a:t>29.10.2024</a:t>
+              <a:t>09.11.2024</a:t>
             </a:fld>
             <a:endParaRPr lang="ru-RU"/>
           </a:p>
@@ -8453,7 +8452,7 @@
             <a:fld id="{9010AD6D-140B-4145-9237-9AB88B2B7E5A}" type="datetimeFigureOut">
               <a:rPr lang="ru-RU" smtClean="0"/>
               <a:pPr/>
-              <a:t>29.10.2024</a:t>
+              <a:t>09.11.2024</a:t>
             </a:fld>
             <a:endParaRPr lang="ru-RU"/>
           </a:p>
@@ -9353,7 +9352,19 @@
                 </a:solidFill>
                 <a:latin typeface="Exo 2 Medium" panose="00000600000000000000" pitchFamily="2" charset="-52"/>
               </a:rPr>
-              <a:t>class </a:t>
+              <a:t>class YouTube:</a:t>
+            </a:r>
+            <a:r>
+              <a:rPr lang="ru-RU" sz="2600" dirty="0">
+                <a:solidFill>
+                  <a:prstClr val="black">
+                    <a:lumMod val="75000"/>
+                    <a:lumOff val="25000"/>
+                  </a:prstClr>
+                </a:solidFill>
+                <a:latin typeface="Exo 2 Medium" panose="00000600000000000000" pitchFamily="2" charset="-52"/>
+              </a:rPr>
+              <a:t> </a:t>
             </a:r>
             <a:r>
               <a:rPr lang="en-US" sz="2600" dirty="0" err="1">
@@ -9365,7 +9376,7 @@
                 </a:solidFill>
                 <a:latin typeface="Exo 2 Medium" panose="00000600000000000000" pitchFamily="2" charset="-52"/>
               </a:rPr>
-              <a:t>YouTube:IPlatform</a:t>
+              <a:t>IPlatform</a:t>
             </a:r>
             <a:r>
               <a:rPr lang="en-US" sz="2600" dirty="0">
@@ -10105,7 +10116,7 @@
         <p:spPr/>
         <p:txBody>
           <a:bodyPr>
-            <a:normAutofit/>
+            <a:normAutofit fontScale="85000" lnSpcReduction="10000"/>
           </a:bodyPr>
           <a:lstStyle/>
           <a:p>
@@ -10206,22 +10217,8 @@
             </a:endParaRPr>
           </a:p>
           <a:p>
-            <a:pPr marL="0" marR="0" lvl="0" indent="0" algn="just" defTabSz="914400" rtl="0" eaLnBrk="1" fontAlgn="auto" latinLnBrk="0" hangingPunct="1">
-              <a:lnSpc>
-                <a:spcPct val="100000"/>
-              </a:lnSpc>
-              <a:spcBef>
-                <a:spcPct val="20000"/>
-              </a:spcBef>
-              <a:spcAft>
-                <a:spcPts val="0"/>
-              </a:spcAft>
-              <a:buClr>
-                <a:srgbClr val="002A4F"/>
-              </a:buClr>
-              <a:buSzTx/>
-              <a:buNone/>
-              <a:tabLst/>
+            <a:pPr marL="0" indent="0" algn="just">
+              <a:buNone/>
               <a:defRPr/>
             </a:pPr>
             <a:r>
@@ -10262,7 +10259,7 @@
                 <a:ea typeface="+mn-ea"/>
                 <a:cs typeface="+mn-cs"/>
               </a:rPr>
-              <a:t>// </a:t>
+              <a:t>//</a:t>
             </a:r>
             <a:r>
               <a:rPr kumimoji="0" lang="ru-RU" sz="2400" b="0" i="0" u="none" strike="noStrike" kern="1200" cap="none" spc="0" normalizeH="0" baseline="0" noProof="0" dirty="0">
@@ -10282,39 +10279,27 @@
                 <a:ea typeface="+mn-ea"/>
                 <a:cs typeface="+mn-cs"/>
               </a:rPr>
-              <a:t>Ссылка на объект реализации </a:t>
-            </a:r>
-          </a:p>
-          <a:p>
-            <a:pPr marL="0" marR="0" lvl="0" indent="0" algn="just" defTabSz="914400" rtl="0" eaLnBrk="1" fontAlgn="auto" latinLnBrk="0" hangingPunct="1">
-              <a:lnSpc>
-                <a:spcPct val="100000"/>
-              </a:lnSpc>
-              <a:spcBef>
-                <a:spcPct val="20000"/>
-              </a:spcBef>
-              <a:spcAft>
-                <a:spcPts val="0"/>
-              </a:spcAft>
-              <a:buClr>
-                <a:srgbClr val="002A4F"/>
-              </a:buClr>
-              <a:buSzTx/>
-              <a:buNone/>
-              <a:tabLst/>
-              <a:defRPr/>
-            </a:pPr>
-            <a:r>
-              <a:rPr lang="ru-RU" sz="2400" dirty="0">
-                <a:solidFill>
-                  <a:prstClr val="black">
-                    <a:lumMod val="75000"/>
-                    <a:lumOff val="25000"/>
-                  </a:prstClr>
-                </a:solidFill>
-                <a:latin typeface="Exo 2 Medium" panose="00000600000000000000" pitchFamily="2" charset="-52"/>
-              </a:rPr>
-              <a:t>	// </a:t>
+              <a:t>/</a:t>
+            </a:r>
+            <a:r>
+              <a:rPr kumimoji="0" lang="en-US" sz="2400" b="0" i="0" u="none" strike="noStrike" kern="1200" cap="none" spc="0" normalizeH="0" baseline="0" noProof="0" dirty="0">
+                <a:ln>
+                  <a:noFill/>
+                </a:ln>
+                <a:solidFill>
+                  <a:prstClr val="black">
+                    <a:lumMod val="75000"/>
+                    <a:lumOff val="25000"/>
+                  </a:prstClr>
+                </a:solidFill>
+                <a:effectLst/>
+                <a:uLnTx/>
+                <a:uFillTx/>
+                <a:latin typeface="Exo 2 Medium" panose="00000600000000000000" pitchFamily="2" charset="-52"/>
+                <a:ea typeface="+mn-ea"/>
+                <a:cs typeface="+mn-cs"/>
+              </a:rPr>
+              <a:t> </a:t>
             </a:r>
             <a:r>
               <a:rPr kumimoji="0" lang="ru-RU" sz="2400" b="0" i="0" u="none" strike="noStrike" kern="1200" cap="none" spc="0" normalizeH="0" baseline="0" noProof="0" dirty="0">
@@ -10334,47 +10319,7 @@
                 <a:ea typeface="+mn-ea"/>
                 <a:cs typeface="+mn-cs"/>
               </a:rPr>
-              <a:t>(вместо класса </a:t>
-            </a:r>
-            <a:r>
-              <a:rPr kumimoji="0" lang="ru-RU" sz="2400" b="0" i="0" u="none" strike="noStrike" kern="1200" cap="none" spc="0" normalizeH="0" baseline="0" noProof="0" dirty="0" err="1">
-                <a:ln>
-                  <a:noFill/>
-                </a:ln>
-                <a:solidFill>
-                  <a:prstClr val="black">
-                    <a:lumMod val="75000"/>
-                    <a:lumOff val="25000"/>
-                  </a:prstClr>
-                </a:solidFill>
-                <a:effectLst/>
-                <a:uLnTx/>
-                <a:uFillTx/>
-                <a:latin typeface="Exo 2 Medium" panose="00000600000000000000" pitchFamily="2" charset="-52"/>
-                <a:ea typeface="+mn-ea"/>
-                <a:cs typeface="+mn-cs"/>
-              </a:rPr>
-              <a:t>BaseUser</a:t>
-            </a:r>
-            <a:r>
-              <a:rPr kumimoji="0" lang="ru-RU" sz="2400" b="0" i="0" u="none" strike="noStrike" kern="1200" cap="none" spc="0" normalizeH="0" baseline="0" noProof="0" dirty="0">
-                <a:ln>
-                  <a:noFill/>
-                </a:ln>
-                <a:solidFill>
-                  <a:prstClr val="black">
-                    <a:lumMod val="75000"/>
-                    <a:lumOff val="25000"/>
-                  </a:prstClr>
-                </a:solidFill>
-                <a:effectLst/>
-                <a:uLnTx/>
-                <a:uFillTx/>
-                <a:latin typeface="Exo 2 Medium" panose="00000600000000000000" pitchFamily="2" charset="-52"/>
-                <a:ea typeface="+mn-ea"/>
-                <a:cs typeface="+mn-cs"/>
-              </a:rPr>
-              <a:t> работать будет он)</a:t>
+              <a:t>Ссылка на объект реализации (вместо класса работать будет он)</a:t>
             </a:r>
           </a:p>
           <a:p>
@@ -10514,7 +10459,19 @@
               <a:defRPr/>
             </a:pPr>
             <a:r>
-              <a:rPr kumimoji="0" lang="en-US" sz="2400" b="0" i="0" u="none" strike="noStrike" kern="1200" cap="none" spc="0" normalizeH="0" baseline="0" noProof="0" dirty="0">
+              <a:rPr lang="ru-RU" sz="2400" dirty="0">
+                <a:solidFill>
+                  <a:prstClr val="black">
+                    <a:lumMod val="75000"/>
+                    <a:lumOff val="25000"/>
+                  </a:prstClr>
+                </a:solidFill>
+                <a:latin typeface="Exo 2 Medium" panose="00000600000000000000" pitchFamily="2" charset="-52"/>
+              </a:rPr>
+              <a:t>	/// Конструктор класса. В нем получаем </a:t>
+            </a:r>
+            <a:r>
+              <a:rPr kumimoji="0" lang="ru-RU" sz="2400" b="0" i="0" u="none" strike="noStrike" kern="1200" cap="none" spc="0" normalizeH="0" baseline="0" noProof="0" dirty="0">
                 <a:ln>
                   <a:noFill/>
                 </a:ln>
@@ -10531,7 +10488,7 @@
                 <a:ea typeface="+mn-ea"/>
                 <a:cs typeface="+mn-cs"/>
               </a:rPr>
-              <a:t> </a:t>
+              <a:t>объект реализации </a:t>
             </a:r>
             <a:endParaRPr lang="ru-RU" sz="2400" dirty="0">
               <a:solidFill>
@@ -10682,6 +10639,78 @@
               </a:rPr>
               <a:t> platform){</a:t>
             </a:r>
+            <a:r>
+              <a:rPr kumimoji="0" lang="ru-RU" sz="2400" b="0" i="0" u="none" strike="noStrike" kern="1200" cap="none" spc="0" normalizeH="0" baseline="0" noProof="0" dirty="0">
+                <a:ln>
+                  <a:noFill/>
+                </a:ln>
+                <a:solidFill>
+                  <a:prstClr val="black">
+                    <a:lumMod val="75000"/>
+                    <a:lumOff val="25000"/>
+                  </a:prstClr>
+                </a:solidFill>
+                <a:effectLst/>
+                <a:uLnTx/>
+                <a:uFillTx/>
+                <a:latin typeface="Exo 2 Medium" panose="00000600000000000000" pitchFamily="2" charset="-52"/>
+                <a:ea typeface="+mn-ea"/>
+                <a:cs typeface="+mn-cs"/>
+              </a:rPr>
+              <a:t> </a:t>
+            </a:r>
+            <a:r>
+              <a:rPr kumimoji="0" lang="en-US" sz="2400" b="0" i="0" u="none" strike="noStrike" kern="1200" cap="none" spc="0" normalizeH="0" baseline="0" noProof="0" dirty="0" err="1">
+                <a:ln>
+                  <a:noFill/>
+                </a:ln>
+                <a:solidFill>
+                  <a:prstClr val="black">
+                    <a:lumMod val="75000"/>
+                    <a:lumOff val="25000"/>
+                  </a:prstClr>
+                </a:solidFill>
+                <a:effectLst/>
+                <a:uLnTx/>
+                <a:uFillTx/>
+                <a:latin typeface="Exo 2 Medium" panose="00000600000000000000" pitchFamily="2" charset="-52"/>
+                <a:ea typeface="+mn-ea"/>
+                <a:cs typeface="+mn-cs"/>
+              </a:rPr>
+              <a:t>this.platform</a:t>
+            </a:r>
+            <a:r>
+              <a:rPr kumimoji="0" lang="en-US" sz="2400" b="0" i="0" u="none" strike="noStrike" kern="1200" cap="none" spc="0" normalizeH="0" baseline="0" noProof="0" dirty="0">
+                <a:ln>
+                  <a:noFill/>
+                </a:ln>
+                <a:solidFill>
+                  <a:prstClr val="black">
+                    <a:lumMod val="75000"/>
+                    <a:lumOff val="25000"/>
+                  </a:prstClr>
+                </a:solidFill>
+                <a:effectLst/>
+                <a:uLnTx/>
+                <a:uFillTx/>
+                <a:latin typeface="Exo 2 Medium" panose="00000600000000000000" pitchFamily="2" charset="-52"/>
+                <a:ea typeface="+mn-ea"/>
+                <a:cs typeface="+mn-cs"/>
+              </a:rPr>
+              <a:t> = platform; }</a:t>
+            </a:r>
+            <a:r>
+              <a:rPr lang="ru-RU" sz="2400" dirty="0">
+                <a:solidFill>
+                  <a:prstClr val="black">
+                    <a:lumMod val="75000"/>
+                    <a:lumOff val="25000"/>
+                  </a:prstClr>
+                </a:solidFill>
+                <a:latin typeface="Exo 2 Medium" panose="00000600000000000000" pitchFamily="2" charset="-52"/>
+              </a:rPr>
+              <a:t>	</a:t>
+            </a:r>
           </a:p>
           <a:p>
             <a:pPr marL="0" marR="0" lvl="0" indent="0" algn="just" defTabSz="914400" rtl="0" eaLnBrk="1" fontAlgn="auto" latinLnBrk="0" hangingPunct="1">
@@ -10703,6 +10732,26 @@
               <a:defRPr/>
             </a:pPr>
             <a:r>
+              <a:rPr kumimoji="0" lang="ru-RU" sz="2400" b="0" i="0" u="none" strike="noStrike" kern="1200" cap="none" spc="0" normalizeH="0" baseline="0" noProof="0" dirty="0">
+                <a:ln>
+                  <a:noFill/>
+                </a:ln>
+                <a:solidFill>
+                  <a:prstClr val="black">
+                    <a:lumMod val="75000"/>
+                    <a:lumOff val="25000"/>
+                  </a:prstClr>
+                </a:solidFill>
+                <a:effectLst/>
+                <a:uLnTx/>
+                <a:uFillTx/>
+                <a:latin typeface="Exo 2 Medium" panose="00000600000000000000" pitchFamily="2" charset="-52"/>
+                <a:ea typeface="+mn-ea"/>
+                <a:cs typeface="+mn-cs"/>
+              </a:rPr>
+              <a:t>	</a:t>
+            </a:r>
+            <a:r>
               <a:rPr kumimoji="0" lang="en-US" sz="2400" b="0" i="0" u="none" strike="noStrike" kern="1200" cap="none" spc="0" normalizeH="0" baseline="0" noProof="0" dirty="0">
                 <a:ln>
                   <a:noFill/>
@@ -10720,7 +10769,7 @@
                 <a:ea typeface="+mn-ea"/>
                 <a:cs typeface="+mn-cs"/>
               </a:rPr>
-              <a:t>        </a:t>
+              <a:t>///</a:t>
             </a:r>
             <a:r>
               <a:rPr kumimoji="0" lang="ru-RU" sz="2400" b="0" i="0" u="none" strike="noStrike" kern="1200" cap="none" spc="0" normalizeH="0" baseline="0" noProof="0" dirty="0">
@@ -10740,7 +10789,7 @@
                 <a:ea typeface="+mn-ea"/>
                 <a:cs typeface="+mn-cs"/>
               </a:rPr>
-              <a:t>		</a:t>
+              <a:t> Скачиваем видео</a:t>
             </a:r>
             <a:r>
               <a:rPr kumimoji="0" lang="en-US" sz="2400" b="0" i="0" u="none" strike="noStrike" kern="1200" cap="none" spc="0" normalizeH="0" baseline="0" noProof="0" dirty="0">
@@ -10760,107 +10809,7 @@
                 <a:ea typeface="+mn-ea"/>
                 <a:cs typeface="+mn-cs"/>
               </a:rPr>
-              <a:t>// </a:t>
-            </a:r>
-            <a:r>
-              <a:rPr kumimoji="0" lang="ru-RU" sz="2400" b="0" i="0" u="none" strike="noStrike" kern="1200" cap="none" spc="0" normalizeH="0" baseline="0" noProof="0" dirty="0">
-                <a:ln>
-                  <a:noFill/>
-                </a:ln>
-                <a:solidFill>
-                  <a:prstClr val="black">
-                    <a:lumMod val="75000"/>
-                    <a:lumOff val="25000"/>
-                  </a:prstClr>
-                </a:solidFill>
-                <a:effectLst/>
-                <a:uLnTx/>
-                <a:uFillTx/>
-                <a:latin typeface="Exo 2 Medium" panose="00000600000000000000" pitchFamily="2" charset="-52"/>
-                <a:ea typeface="+mn-ea"/>
-                <a:cs typeface="+mn-cs"/>
-              </a:rPr>
-              <a:t>Устанавливаем объект реализации </a:t>
-            </a:r>
-          </a:p>
-          <a:p>
-            <a:pPr marL="0" marR="0" lvl="0" indent="0" algn="just" defTabSz="914400" rtl="0" eaLnBrk="1" fontAlgn="auto" latinLnBrk="0" hangingPunct="1">
-              <a:lnSpc>
-                <a:spcPct val="100000"/>
-              </a:lnSpc>
-              <a:spcBef>
-                <a:spcPct val="20000"/>
-              </a:spcBef>
-              <a:spcAft>
-                <a:spcPts val="0"/>
-              </a:spcAft>
-              <a:buClr>
-                <a:srgbClr val="002A4F"/>
-              </a:buClr>
-              <a:buSzTx/>
-              <a:buNone/>
-              <a:tabLst/>
-              <a:defRPr/>
-            </a:pPr>
-            <a:r>
-              <a:rPr kumimoji="0" lang="ru-RU" sz="2400" b="0" i="0" u="none" strike="noStrike" kern="1200" cap="none" spc="0" normalizeH="0" baseline="0" noProof="0" dirty="0">
-                <a:ln>
-                  <a:noFill/>
-                </a:ln>
-                <a:solidFill>
-                  <a:prstClr val="black">
-                    <a:lumMod val="75000"/>
-                    <a:lumOff val="25000"/>
-                  </a:prstClr>
-                </a:solidFill>
-                <a:effectLst/>
-                <a:uLnTx/>
-                <a:uFillTx/>
-                <a:latin typeface="Exo 2 Medium" panose="00000600000000000000" pitchFamily="2" charset="-52"/>
-                <a:ea typeface="+mn-ea"/>
-                <a:cs typeface="+mn-cs"/>
-              </a:rPr>
-              <a:t>        		</a:t>
-            </a:r>
-            <a:r>
-              <a:rPr kumimoji="0" lang="en-US" sz="2400" b="0" i="0" u="none" strike="noStrike" kern="1200" cap="none" spc="0" normalizeH="0" baseline="0" noProof="0" dirty="0" err="1">
-                <a:ln>
-                  <a:noFill/>
-                </a:ln>
-                <a:solidFill>
-                  <a:prstClr val="black">
-                    <a:lumMod val="75000"/>
-                    <a:lumOff val="25000"/>
-                  </a:prstClr>
-                </a:solidFill>
-                <a:effectLst/>
-                <a:uLnTx/>
-                <a:uFillTx/>
-                <a:latin typeface="Exo 2 Medium" panose="00000600000000000000" pitchFamily="2" charset="-52"/>
-                <a:ea typeface="+mn-ea"/>
-                <a:cs typeface="+mn-cs"/>
-              </a:rPr>
-              <a:t>this.platform</a:t>
-            </a:r>
-            <a:r>
-              <a:rPr kumimoji="0" lang="en-US" sz="2400" b="0" i="0" u="none" strike="noStrike" kern="1200" cap="none" spc="0" normalizeH="0" baseline="0" noProof="0" dirty="0">
-                <a:ln>
-                  <a:noFill/>
-                </a:ln>
-                <a:solidFill>
-                  <a:prstClr val="black">
-                    <a:lumMod val="75000"/>
-                    <a:lumOff val="25000"/>
-                  </a:prstClr>
-                </a:solidFill>
-                <a:effectLst/>
-                <a:uLnTx/>
-                <a:uFillTx/>
-                <a:latin typeface="Exo 2 Medium" panose="00000600000000000000" pitchFamily="2" charset="-52"/>
-                <a:ea typeface="+mn-ea"/>
-                <a:cs typeface="+mn-cs"/>
-              </a:rPr>
-              <a:t> = platform; </a:t>
+              <a:t> </a:t>
             </a:r>
             <a:endParaRPr kumimoji="0" lang="ru-RU" sz="2400" b="0" i="0" u="none" strike="noStrike" kern="1200" cap="none" spc="0" normalizeH="0" baseline="0" noProof="0" dirty="0">
               <a:ln>
@@ -10900,14 +10849,22 @@
               <a:defRPr/>
             </a:pPr>
             <a:r>
-              <a:rPr lang="ru-RU" sz="2400" dirty="0">
-                <a:solidFill>
-                  <a:prstClr val="black">
-                    <a:lumMod val="75000"/>
-                    <a:lumOff val="25000"/>
-                  </a:prstClr>
-                </a:solidFill>
-                <a:latin typeface="Exo 2 Medium" panose="00000600000000000000" pitchFamily="2" charset="-52"/>
+              <a:rPr kumimoji="0" lang="ru-RU" sz="2400" b="0" i="0" u="none" strike="noStrike" kern="1200" cap="none" spc="0" normalizeH="0" baseline="0" noProof="0" dirty="0">
+                <a:ln>
+                  <a:noFill/>
+                </a:ln>
+                <a:solidFill>
+                  <a:prstClr val="black">
+                    <a:lumMod val="75000"/>
+                    <a:lumOff val="25000"/>
+                  </a:prstClr>
+                </a:solidFill>
+                <a:effectLst/>
+                <a:uLnTx/>
+                <a:uFillTx/>
+                <a:latin typeface="Exo 2 Medium" panose="00000600000000000000" pitchFamily="2" charset="-52"/>
+                <a:ea typeface="+mn-ea"/>
+                <a:cs typeface="+mn-cs"/>
               </a:rPr>
               <a:t>	</a:t>
             </a:r>
@@ -10929,8 +10886,736 @@
                 <a:ea typeface="+mn-ea"/>
                 <a:cs typeface="+mn-cs"/>
               </a:rPr>
+              <a:t>public string video(string </a:t>
+            </a:r>
+            <a:r>
+              <a:rPr kumimoji="0" lang="en-US" sz="2400" b="0" i="0" u="none" strike="noStrike" kern="1200" cap="none" spc="0" normalizeH="0" baseline="0" noProof="0" dirty="0" err="1">
+                <a:ln>
+                  <a:noFill/>
+                </a:ln>
+                <a:solidFill>
+                  <a:prstClr val="black">
+                    <a:lumMod val="75000"/>
+                    <a:lumOff val="25000"/>
+                  </a:prstClr>
+                </a:solidFill>
+                <a:effectLst/>
+                <a:uLnTx/>
+                <a:uFillTx/>
+                <a:latin typeface="Exo 2 Medium" panose="00000600000000000000" pitchFamily="2" charset="-52"/>
+                <a:ea typeface="+mn-ea"/>
+                <a:cs typeface="+mn-cs"/>
+              </a:rPr>
+              <a:t>linck</a:t>
+            </a:r>
+            <a:r>
+              <a:rPr kumimoji="0" lang="en-US" sz="2400" b="0" i="0" u="none" strike="noStrike" kern="1200" cap="none" spc="0" normalizeH="0" baseline="0" noProof="0" dirty="0">
+                <a:ln>
+                  <a:noFill/>
+                </a:ln>
+                <a:solidFill>
+                  <a:prstClr val="black">
+                    <a:lumMod val="75000"/>
+                    <a:lumOff val="25000"/>
+                  </a:prstClr>
+                </a:solidFill>
+                <a:effectLst/>
+                <a:uLnTx/>
+                <a:uFillTx/>
+                <a:latin typeface="Exo 2 Medium" panose="00000600000000000000" pitchFamily="2" charset="-52"/>
+                <a:ea typeface="+mn-ea"/>
+                <a:cs typeface="+mn-cs"/>
+              </a:rPr>
+              <a:t>){</a:t>
+            </a:r>
+          </a:p>
+          <a:p>
+            <a:pPr marL="0" marR="0" lvl="0" indent="0" algn="just" defTabSz="914400" rtl="0" eaLnBrk="1" fontAlgn="auto" latinLnBrk="0" hangingPunct="1">
+              <a:lnSpc>
+                <a:spcPct val="100000"/>
+              </a:lnSpc>
+              <a:spcBef>
+                <a:spcPct val="20000"/>
+              </a:spcBef>
+              <a:spcAft>
+                <a:spcPts val="0"/>
+              </a:spcAft>
+              <a:buClr>
+                <a:srgbClr val="002A4F"/>
+              </a:buClr>
+              <a:buSzTx/>
+              <a:buNone/>
+              <a:tabLst/>
+              <a:defRPr/>
+            </a:pPr>
+            <a:r>
+              <a:rPr kumimoji="0" lang="ru-RU" sz="2400" b="0" i="0" u="none" strike="noStrike" kern="1200" cap="none" spc="0" normalizeH="0" baseline="0" noProof="0" dirty="0">
+                <a:ln>
+                  <a:noFill/>
+                </a:ln>
+                <a:solidFill>
+                  <a:prstClr val="black">
+                    <a:lumMod val="75000"/>
+                    <a:lumOff val="25000"/>
+                  </a:prstClr>
+                </a:solidFill>
+                <a:effectLst/>
+                <a:uLnTx/>
+                <a:uFillTx/>
+                <a:latin typeface="Exo 2 Medium" panose="00000600000000000000" pitchFamily="2" charset="-52"/>
+                <a:ea typeface="+mn-ea"/>
+                <a:cs typeface="+mn-cs"/>
+              </a:rPr>
+              <a:t>		// Делегирование работы объекту реализации</a:t>
+            </a:r>
+          </a:p>
+          <a:p>
+            <a:pPr marL="0" marR="0" lvl="0" indent="0" algn="just" defTabSz="914400" rtl="0" eaLnBrk="1" fontAlgn="auto" latinLnBrk="0" hangingPunct="1">
+              <a:lnSpc>
+                <a:spcPct val="100000"/>
+              </a:lnSpc>
+              <a:spcBef>
+                <a:spcPct val="20000"/>
+              </a:spcBef>
+              <a:spcAft>
+                <a:spcPts val="0"/>
+              </a:spcAft>
+              <a:buClr>
+                <a:srgbClr val="002A4F"/>
+              </a:buClr>
+              <a:buSzTx/>
+              <a:buNone/>
+              <a:tabLst/>
+              <a:defRPr/>
+            </a:pPr>
+            <a:r>
+              <a:rPr kumimoji="0" lang="ru-RU" sz="2400" b="0" i="0" u="none" strike="noStrike" kern="1200" cap="none" spc="0" normalizeH="0" baseline="0" noProof="0" dirty="0">
+                <a:ln>
+                  <a:noFill/>
+                </a:ln>
+                <a:solidFill>
+                  <a:prstClr val="black">
+                    <a:lumMod val="75000"/>
+                    <a:lumOff val="25000"/>
+                  </a:prstClr>
+                </a:solidFill>
+                <a:effectLst/>
+                <a:uLnTx/>
+                <a:uFillTx/>
+                <a:latin typeface="Exo 2 Medium" panose="00000600000000000000" pitchFamily="2" charset="-52"/>
+                <a:ea typeface="+mn-ea"/>
+                <a:cs typeface="+mn-cs"/>
+              </a:rPr>
+              <a:t>        		</a:t>
+            </a:r>
+            <a:r>
+              <a:rPr kumimoji="0" lang="en-US" sz="2400" b="0" i="0" u="none" strike="noStrike" kern="1200" cap="none" spc="0" normalizeH="0" baseline="0" noProof="0" dirty="0">
+                <a:ln>
+                  <a:noFill/>
+                </a:ln>
+                <a:solidFill>
+                  <a:prstClr val="black">
+                    <a:lumMod val="75000"/>
+                    <a:lumOff val="25000"/>
+                  </a:prstClr>
+                </a:solidFill>
+                <a:effectLst/>
+                <a:uLnTx/>
+                <a:uFillTx/>
+                <a:latin typeface="Exo 2 Medium" panose="00000600000000000000" pitchFamily="2" charset="-52"/>
+                <a:ea typeface="+mn-ea"/>
+                <a:cs typeface="+mn-cs"/>
+              </a:rPr>
+              <a:t>return </a:t>
+            </a:r>
+            <a:r>
+              <a:rPr kumimoji="0" lang="en-US" sz="2400" b="0" i="0" u="none" strike="noStrike" kern="1200" cap="none" spc="0" normalizeH="0" baseline="0" noProof="0" dirty="0" err="1">
+                <a:ln>
+                  <a:noFill/>
+                </a:ln>
+                <a:solidFill>
+                  <a:prstClr val="black">
+                    <a:lumMod val="75000"/>
+                    <a:lumOff val="25000"/>
+                  </a:prstClr>
+                </a:solidFill>
+                <a:effectLst/>
+                <a:uLnTx/>
+                <a:uFillTx/>
+                <a:latin typeface="Exo 2 Medium" panose="00000600000000000000" pitchFamily="2" charset="-52"/>
+                <a:ea typeface="+mn-ea"/>
+                <a:cs typeface="+mn-cs"/>
+              </a:rPr>
+              <a:t>platform.download_video</a:t>
+            </a:r>
+            <a:r>
+              <a:rPr kumimoji="0" lang="en-US" sz="2400" b="0" i="0" u="none" strike="noStrike" kern="1200" cap="none" spc="0" normalizeH="0" baseline="0" noProof="0" dirty="0">
+                <a:ln>
+                  <a:noFill/>
+                </a:ln>
+                <a:solidFill>
+                  <a:prstClr val="black">
+                    <a:lumMod val="75000"/>
+                    <a:lumOff val="25000"/>
+                  </a:prstClr>
+                </a:solidFill>
+                <a:effectLst/>
+                <a:uLnTx/>
+                <a:uFillTx/>
+                <a:latin typeface="Exo 2 Medium" panose="00000600000000000000" pitchFamily="2" charset="-52"/>
+                <a:ea typeface="+mn-ea"/>
+                <a:cs typeface="+mn-cs"/>
+              </a:rPr>
+              <a:t>(</a:t>
+            </a:r>
+            <a:r>
+              <a:rPr kumimoji="0" lang="en-US" sz="2400" b="0" i="0" u="none" strike="noStrike" kern="1200" cap="none" spc="0" normalizeH="0" baseline="0" noProof="0" dirty="0" err="1">
+                <a:ln>
+                  <a:noFill/>
+                </a:ln>
+                <a:solidFill>
+                  <a:prstClr val="black">
+                    <a:lumMod val="75000"/>
+                    <a:lumOff val="25000"/>
+                  </a:prstClr>
+                </a:solidFill>
+                <a:effectLst/>
+                <a:uLnTx/>
+                <a:uFillTx/>
+                <a:latin typeface="Exo 2 Medium" panose="00000600000000000000" pitchFamily="2" charset="-52"/>
+                <a:ea typeface="+mn-ea"/>
+                <a:cs typeface="+mn-cs"/>
+              </a:rPr>
+              <a:t>linck</a:t>
+            </a:r>
+            <a:r>
+              <a:rPr kumimoji="0" lang="en-US" sz="2400" b="0" i="0" u="none" strike="noStrike" kern="1200" cap="none" spc="0" normalizeH="0" baseline="0" noProof="0" dirty="0">
+                <a:ln>
+                  <a:noFill/>
+                </a:ln>
+                <a:solidFill>
+                  <a:prstClr val="black">
+                    <a:lumMod val="75000"/>
+                    <a:lumOff val="25000"/>
+                  </a:prstClr>
+                </a:solidFill>
+                <a:effectLst/>
+                <a:uLnTx/>
+                <a:uFillTx/>
+                <a:latin typeface="Exo 2 Medium" panose="00000600000000000000" pitchFamily="2" charset="-52"/>
+                <a:ea typeface="+mn-ea"/>
+                <a:cs typeface="+mn-cs"/>
+              </a:rPr>
+              <a:t>); </a:t>
+            </a:r>
+            <a:endParaRPr kumimoji="0" lang="ru-RU" sz="2400" b="0" i="0" u="none" strike="noStrike" kern="1200" cap="none" spc="0" normalizeH="0" baseline="0" noProof="0" dirty="0">
+              <a:ln>
+                <a:noFill/>
+              </a:ln>
+              <a:solidFill>
+                <a:prstClr val="black">
+                  <a:lumMod val="75000"/>
+                  <a:lumOff val="25000"/>
+                </a:prstClr>
+              </a:solidFill>
+              <a:effectLst/>
+              <a:uLnTx/>
+              <a:uFillTx/>
+              <a:latin typeface="Exo 2 Medium" panose="00000600000000000000" pitchFamily="2" charset="-52"/>
+              <a:ea typeface="+mn-ea"/>
+              <a:cs typeface="+mn-cs"/>
+            </a:endParaRPr>
+          </a:p>
+          <a:p>
+            <a:pPr marL="0" marR="0" lvl="0" indent="0" algn="just" defTabSz="914400" rtl="0" eaLnBrk="1" fontAlgn="auto" latinLnBrk="0" hangingPunct="1">
+              <a:lnSpc>
+                <a:spcPct val="100000"/>
+              </a:lnSpc>
+              <a:spcBef>
+                <a:spcPct val="20000"/>
+              </a:spcBef>
+              <a:spcAft>
+                <a:spcPts val="0"/>
+              </a:spcAft>
+              <a:buClr>
+                <a:srgbClr val="002A4F"/>
+              </a:buClr>
+              <a:buSzTx/>
+              <a:buNone/>
+              <a:tabLst/>
+              <a:defRPr/>
+            </a:pPr>
+            <a:r>
+              <a:rPr kumimoji="0" lang="ru-RU" sz="2400" b="0" i="0" u="none" strike="noStrike" kern="1200" cap="none" spc="0" normalizeH="0" baseline="0" noProof="0" dirty="0">
+                <a:ln>
+                  <a:noFill/>
+                </a:ln>
+                <a:solidFill>
+                  <a:prstClr val="black">
+                    <a:lumMod val="75000"/>
+                    <a:lumOff val="25000"/>
+                  </a:prstClr>
+                </a:solidFill>
+                <a:effectLst/>
+                <a:uLnTx/>
+                <a:uFillTx/>
+                <a:latin typeface="Exo 2 Medium" panose="00000600000000000000" pitchFamily="2" charset="-52"/>
+                <a:ea typeface="+mn-ea"/>
+                <a:cs typeface="+mn-cs"/>
+              </a:rPr>
+              <a:t>	</a:t>
+            </a:r>
+            <a:r>
+              <a:rPr kumimoji="0" lang="en-US" sz="2400" b="0" i="0" u="none" strike="noStrike" kern="1200" cap="none" spc="0" normalizeH="0" baseline="0" noProof="0" dirty="0">
+                <a:ln>
+                  <a:noFill/>
+                </a:ln>
+                <a:solidFill>
+                  <a:prstClr val="black">
+                    <a:lumMod val="75000"/>
+                    <a:lumOff val="25000"/>
+                  </a:prstClr>
+                </a:solidFill>
+                <a:effectLst/>
+                <a:uLnTx/>
+                <a:uFillTx/>
+                <a:latin typeface="Exo 2 Medium" panose="00000600000000000000" pitchFamily="2" charset="-52"/>
+                <a:ea typeface="+mn-ea"/>
+                <a:cs typeface="+mn-cs"/>
+              </a:rPr>
               <a:t>}</a:t>
             </a:r>
+            <a:endParaRPr kumimoji="0" lang="ru-RU" sz="2400" b="0" i="0" u="none" strike="noStrike" kern="1200" cap="none" spc="0" normalizeH="0" baseline="0" noProof="0" dirty="0">
+              <a:ln>
+                <a:noFill/>
+              </a:ln>
+              <a:solidFill>
+                <a:prstClr val="black">
+                  <a:lumMod val="75000"/>
+                  <a:lumOff val="25000"/>
+                </a:prstClr>
+              </a:solidFill>
+              <a:effectLst/>
+              <a:uLnTx/>
+              <a:uFillTx/>
+              <a:latin typeface="Exo 2 Medium" panose="00000600000000000000" pitchFamily="2" charset="-52"/>
+              <a:ea typeface="+mn-ea"/>
+              <a:cs typeface="+mn-cs"/>
+            </a:endParaRPr>
+          </a:p>
+          <a:p>
+            <a:pPr marL="0" marR="0" lvl="0" indent="0" algn="just" defTabSz="914400" rtl="0" eaLnBrk="1" fontAlgn="auto" latinLnBrk="0" hangingPunct="1">
+              <a:lnSpc>
+                <a:spcPct val="100000"/>
+              </a:lnSpc>
+              <a:spcBef>
+                <a:spcPct val="20000"/>
+              </a:spcBef>
+              <a:spcAft>
+                <a:spcPts val="0"/>
+              </a:spcAft>
+              <a:buClr>
+                <a:srgbClr val="002A4F"/>
+              </a:buClr>
+              <a:buSzTx/>
+              <a:buNone/>
+              <a:tabLst/>
+              <a:defRPr/>
+            </a:pPr>
+            <a:r>
+              <a:rPr kumimoji="0" lang="ru-RU" sz="2400" b="0" i="0" u="none" strike="noStrike" kern="1200" cap="none" spc="0" normalizeH="0" baseline="0" noProof="0" dirty="0">
+                <a:ln>
+                  <a:noFill/>
+                </a:ln>
+                <a:solidFill>
+                  <a:prstClr val="black">
+                    <a:lumMod val="75000"/>
+                    <a:lumOff val="25000"/>
+                  </a:prstClr>
+                </a:solidFill>
+                <a:effectLst/>
+                <a:uLnTx/>
+                <a:uFillTx/>
+                <a:latin typeface="Exo 2 Medium" panose="00000600000000000000" pitchFamily="2" charset="-52"/>
+                <a:ea typeface="+mn-ea"/>
+                <a:cs typeface="+mn-cs"/>
+              </a:rPr>
+              <a:t>	</a:t>
+            </a:r>
+            <a:r>
+              <a:rPr kumimoji="0" lang="en-US" sz="2400" b="0" i="0" u="none" strike="noStrike" kern="1200" cap="none" spc="0" normalizeH="0" baseline="0" noProof="0" dirty="0">
+                <a:ln>
+                  <a:noFill/>
+                </a:ln>
+                <a:solidFill>
+                  <a:prstClr val="black">
+                    <a:lumMod val="75000"/>
+                    <a:lumOff val="25000"/>
+                  </a:prstClr>
+                </a:solidFill>
+                <a:effectLst/>
+                <a:uLnTx/>
+                <a:uFillTx/>
+                <a:latin typeface="Exo 2 Medium" panose="00000600000000000000" pitchFamily="2" charset="-52"/>
+                <a:ea typeface="+mn-ea"/>
+                <a:cs typeface="+mn-cs"/>
+              </a:rPr>
+              <a:t>/// </a:t>
+            </a:r>
+            <a:r>
+              <a:rPr kumimoji="0" lang="ru-RU" sz="2400" b="0" i="0" u="none" strike="noStrike" kern="1200" cap="none" spc="0" normalizeH="0" baseline="0" noProof="0" dirty="0">
+                <a:ln>
+                  <a:noFill/>
+                </a:ln>
+                <a:solidFill>
+                  <a:prstClr val="black">
+                    <a:lumMod val="75000"/>
+                    <a:lumOff val="25000"/>
+                  </a:prstClr>
+                </a:solidFill>
+                <a:effectLst/>
+                <a:uLnTx/>
+                <a:uFillTx/>
+                <a:latin typeface="Exo 2 Medium" panose="00000600000000000000" pitchFamily="2" charset="-52"/>
+                <a:ea typeface="+mn-ea"/>
+                <a:cs typeface="+mn-cs"/>
+              </a:rPr>
+              <a:t>Скачиваем описание</a:t>
+            </a:r>
+          </a:p>
+          <a:p>
+            <a:pPr marL="0" marR="0" lvl="0" indent="0" algn="just" defTabSz="914400" rtl="0" eaLnBrk="1" fontAlgn="auto" latinLnBrk="0" hangingPunct="1">
+              <a:lnSpc>
+                <a:spcPct val="100000"/>
+              </a:lnSpc>
+              <a:spcBef>
+                <a:spcPct val="20000"/>
+              </a:spcBef>
+              <a:spcAft>
+                <a:spcPts val="0"/>
+              </a:spcAft>
+              <a:buClr>
+                <a:srgbClr val="002A4F"/>
+              </a:buClr>
+              <a:buSzTx/>
+              <a:buNone/>
+              <a:tabLst/>
+              <a:defRPr/>
+            </a:pPr>
+            <a:r>
+              <a:rPr kumimoji="0" lang="ru-RU" sz="2400" b="0" i="0" u="none" strike="noStrike" kern="1200" cap="none" spc="0" normalizeH="0" baseline="0" noProof="0" dirty="0">
+                <a:ln>
+                  <a:noFill/>
+                </a:ln>
+                <a:solidFill>
+                  <a:prstClr val="black">
+                    <a:lumMod val="75000"/>
+                    <a:lumOff val="25000"/>
+                  </a:prstClr>
+                </a:solidFill>
+                <a:effectLst/>
+                <a:uLnTx/>
+                <a:uFillTx/>
+                <a:latin typeface="Exo 2 Medium" panose="00000600000000000000" pitchFamily="2" charset="-52"/>
+                <a:ea typeface="+mn-ea"/>
+                <a:cs typeface="+mn-cs"/>
+              </a:rPr>
+              <a:t>	</a:t>
+            </a:r>
+            <a:r>
+              <a:rPr kumimoji="0" lang="en-US" sz="2400" b="0" i="0" u="none" strike="noStrike" kern="1200" cap="none" spc="0" normalizeH="0" baseline="0" noProof="0" dirty="0">
+                <a:ln>
+                  <a:noFill/>
+                </a:ln>
+                <a:solidFill>
+                  <a:prstClr val="black">
+                    <a:lumMod val="75000"/>
+                    <a:lumOff val="25000"/>
+                  </a:prstClr>
+                </a:solidFill>
+                <a:effectLst/>
+                <a:uLnTx/>
+                <a:uFillTx/>
+                <a:latin typeface="Exo 2 Medium" panose="00000600000000000000" pitchFamily="2" charset="-52"/>
+                <a:ea typeface="+mn-ea"/>
+                <a:cs typeface="+mn-cs"/>
+              </a:rPr>
+              <a:t>public string description(string </a:t>
+            </a:r>
+            <a:r>
+              <a:rPr kumimoji="0" lang="en-US" sz="2400" b="0" i="0" u="none" strike="noStrike" kern="1200" cap="none" spc="0" normalizeH="0" baseline="0" noProof="0" dirty="0" err="1">
+                <a:ln>
+                  <a:noFill/>
+                </a:ln>
+                <a:solidFill>
+                  <a:prstClr val="black">
+                    <a:lumMod val="75000"/>
+                    <a:lumOff val="25000"/>
+                  </a:prstClr>
+                </a:solidFill>
+                <a:effectLst/>
+                <a:uLnTx/>
+                <a:uFillTx/>
+                <a:latin typeface="Exo 2 Medium" panose="00000600000000000000" pitchFamily="2" charset="-52"/>
+                <a:ea typeface="+mn-ea"/>
+                <a:cs typeface="+mn-cs"/>
+              </a:rPr>
+              <a:t>linck</a:t>
+            </a:r>
+            <a:r>
+              <a:rPr kumimoji="0" lang="en-US" sz="2400" b="0" i="0" u="none" strike="noStrike" kern="1200" cap="none" spc="0" normalizeH="0" baseline="0" noProof="0" dirty="0">
+                <a:ln>
+                  <a:noFill/>
+                </a:ln>
+                <a:solidFill>
+                  <a:prstClr val="black">
+                    <a:lumMod val="75000"/>
+                    <a:lumOff val="25000"/>
+                  </a:prstClr>
+                </a:solidFill>
+                <a:effectLst/>
+                <a:uLnTx/>
+                <a:uFillTx/>
+                <a:latin typeface="Exo 2 Medium" panose="00000600000000000000" pitchFamily="2" charset="-52"/>
+                <a:ea typeface="+mn-ea"/>
+                <a:cs typeface="+mn-cs"/>
+              </a:rPr>
+              <a:t>){</a:t>
+            </a:r>
+            <a:r>
+              <a:rPr kumimoji="0" lang="ru-RU" sz="2400" b="0" i="0" u="none" strike="noStrike" kern="1200" cap="none" spc="0" normalizeH="0" baseline="0" noProof="0" dirty="0">
+                <a:ln>
+                  <a:noFill/>
+                </a:ln>
+                <a:solidFill>
+                  <a:prstClr val="black">
+                    <a:lumMod val="75000"/>
+                    <a:lumOff val="25000"/>
+                  </a:prstClr>
+                </a:solidFill>
+                <a:effectLst/>
+                <a:uLnTx/>
+                <a:uFillTx/>
+                <a:latin typeface="Exo 2 Medium" panose="00000600000000000000" pitchFamily="2" charset="-52"/>
+                <a:ea typeface="+mn-ea"/>
+                <a:cs typeface="+mn-cs"/>
+              </a:rPr>
+              <a:t> </a:t>
+            </a:r>
+            <a:r>
+              <a:rPr kumimoji="0" lang="en-US" sz="2400" b="0" i="0" u="none" strike="noStrike" kern="1200" cap="none" spc="0" normalizeH="0" baseline="0" noProof="0" dirty="0">
+                <a:ln>
+                  <a:noFill/>
+                </a:ln>
+                <a:solidFill>
+                  <a:prstClr val="black">
+                    <a:lumMod val="75000"/>
+                    <a:lumOff val="25000"/>
+                  </a:prstClr>
+                </a:solidFill>
+                <a:effectLst/>
+                <a:uLnTx/>
+                <a:uFillTx/>
+                <a:latin typeface="Exo 2 Medium" panose="00000600000000000000" pitchFamily="2" charset="-52"/>
+                <a:ea typeface="+mn-ea"/>
+                <a:cs typeface="+mn-cs"/>
+              </a:rPr>
+              <a:t>return </a:t>
+            </a:r>
+            <a:r>
+              <a:rPr kumimoji="0" lang="en-US" sz="2400" b="0" i="0" u="none" strike="noStrike" kern="1200" cap="none" spc="0" normalizeH="0" baseline="0" noProof="0" dirty="0" err="1">
+                <a:ln>
+                  <a:noFill/>
+                </a:ln>
+                <a:solidFill>
+                  <a:prstClr val="black">
+                    <a:lumMod val="75000"/>
+                    <a:lumOff val="25000"/>
+                  </a:prstClr>
+                </a:solidFill>
+                <a:effectLst/>
+                <a:uLnTx/>
+                <a:uFillTx/>
+                <a:latin typeface="Exo 2 Medium" panose="00000600000000000000" pitchFamily="2" charset="-52"/>
+                <a:ea typeface="+mn-ea"/>
+                <a:cs typeface="+mn-cs"/>
+              </a:rPr>
+              <a:t>platform.get_description</a:t>
+            </a:r>
+            <a:r>
+              <a:rPr kumimoji="0" lang="en-US" sz="2400" b="0" i="0" u="none" strike="noStrike" kern="1200" cap="none" spc="0" normalizeH="0" baseline="0" noProof="0" dirty="0">
+                <a:ln>
+                  <a:noFill/>
+                </a:ln>
+                <a:solidFill>
+                  <a:prstClr val="black">
+                    <a:lumMod val="75000"/>
+                    <a:lumOff val="25000"/>
+                  </a:prstClr>
+                </a:solidFill>
+                <a:effectLst/>
+                <a:uLnTx/>
+                <a:uFillTx/>
+                <a:latin typeface="Exo 2 Medium" panose="00000600000000000000" pitchFamily="2" charset="-52"/>
+                <a:ea typeface="+mn-ea"/>
+                <a:cs typeface="+mn-cs"/>
+              </a:rPr>
+              <a:t>(</a:t>
+            </a:r>
+            <a:r>
+              <a:rPr kumimoji="0" lang="en-US" sz="2400" b="0" i="0" u="none" strike="noStrike" kern="1200" cap="none" spc="0" normalizeH="0" baseline="0" noProof="0" dirty="0" err="1">
+                <a:ln>
+                  <a:noFill/>
+                </a:ln>
+                <a:solidFill>
+                  <a:prstClr val="black">
+                    <a:lumMod val="75000"/>
+                    <a:lumOff val="25000"/>
+                  </a:prstClr>
+                </a:solidFill>
+                <a:effectLst/>
+                <a:uLnTx/>
+                <a:uFillTx/>
+                <a:latin typeface="Exo 2 Medium" panose="00000600000000000000" pitchFamily="2" charset="-52"/>
+                <a:ea typeface="+mn-ea"/>
+                <a:cs typeface="+mn-cs"/>
+              </a:rPr>
+              <a:t>linck</a:t>
+            </a:r>
+            <a:r>
+              <a:rPr kumimoji="0" lang="en-US" sz="2400" b="0" i="0" u="none" strike="noStrike" kern="1200" cap="none" spc="0" normalizeH="0" baseline="0" noProof="0" dirty="0">
+                <a:ln>
+                  <a:noFill/>
+                </a:ln>
+                <a:solidFill>
+                  <a:prstClr val="black">
+                    <a:lumMod val="75000"/>
+                    <a:lumOff val="25000"/>
+                  </a:prstClr>
+                </a:solidFill>
+                <a:effectLst/>
+                <a:uLnTx/>
+                <a:uFillTx/>
+                <a:latin typeface="Exo 2 Medium" panose="00000600000000000000" pitchFamily="2" charset="-52"/>
+                <a:ea typeface="+mn-ea"/>
+                <a:cs typeface="+mn-cs"/>
+              </a:rPr>
+              <a:t>); }</a:t>
+            </a:r>
+          </a:p>
+          <a:p>
+            <a:pPr marL="0" marR="0" lvl="0" indent="0" algn="just" defTabSz="914400" rtl="0" eaLnBrk="1" fontAlgn="auto" latinLnBrk="0" hangingPunct="1">
+              <a:lnSpc>
+                <a:spcPct val="100000"/>
+              </a:lnSpc>
+              <a:spcBef>
+                <a:spcPct val="20000"/>
+              </a:spcBef>
+              <a:spcAft>
+                <a:spcPts val="0"/>
+              </a:spcAft>
+              <a:buClr>
+                <a:srgbClr val="002A4F"/>
+              </a:buClr>
+              <a:buSzTx/>
+              <a:buNone/>
+              <a:tabLst/>
+              <a:defRPr/>
+            </a:pPr>
+            <a:r>
+              <a:rPr kumimoji="0" lang="en-US" sz="2400" b="0" i="0" u="none" strike="noStrike" kern="1200" cap="none" spc="0" normalizeH="0" baseline="0" noProof="0" dirty="0">
+                <a:ln>
+                  <a:noFill/>
+                </a:ln>
+                <a:solidFill>
+                  <a:prstClr val="black">
+                    <a:lumMod val="75000"/>
+                    <a:lumOff val="25000"/>
+                  </a:prstClr>
+                </a:solidFill>
+                <a:effectLst/>
+                <a:uLnTx/>
+                <a:uFillTx/>
+                <a:latin typeface="Exo 2 Medium" panose="00000600000000000000" pitchFamily="2" charset="-52"/>
+                <a:ea typeface="+mn-ea"/>
+                <a:cs typeface="+mn-cs"/>
+              </a:rPr>
+              <a:t>}</a:t>
+            </a:r>
+          </a:p>
+          <a:p>
+            <a:pPr marL="0" marR="0" lvl="0" indent="0" algn="just" defTabSz="914400" rtl="0" eaLnBrk="1" fontAlgn="auto" latinLnBrk="0" hangingPunct="1">
+              <a:lnSpc>
+                <a:spcPct val="100000"/>
+              </a:lnSpc>
+              <a:spcBef>
+                <a:spcPct val="20000"/>
+              </a:spcBef>
+              <a:spcAft>
+                <a:spcPts val="0"/>
+              </a:spcAft>
+              <a:buClr>
+                <a:srgbClr val="002A4F"/>
+              </a:buClr>
+              <a:buSzTx/>
+              <a:buNone/>
+              <a:tabLst/>
+              <a:defRPr/>
+            </a:pPr>
+            <a:endParaRPr kumimoji="0" lang="en-US" sz="2400" b="0" i="0" u="none" strike="noStrike" kern="1200" cap="none" spc="0" normalizeH="0" baseline="0" noProof="0" dirty="0">
+              <a:ln>
+                <a:noFill/>
+              </a:ln>
+              <a:solidFill>
+                <a:prstClr val="black">
+                  <a:lumMod val="75000"/>
+                  <a:lumOff val="25000"/>
+                </a:prstClr>
+              </a:solidFill>
+              <a:effectLst/>
+              <a:uLnTx/>
+              <a:uFillTx/>
+              <a:latin typeface="Exo 2 Medium" panose="00000600000000000000" pitchFamily="2" charset="-52"/>
+              <a:ea typeface="+mn-ea"/>
+              <a:cs typeface="+mn-cs"/>
+            </a:endParaRPr>
+          </a:p>
+          <a:p>
+            <a:pPr marL="0" marR="0" lvl="0" indent="0" algn="just" defTabSz="914400" rtl="0" eaLnBrk="1" fontAlgn="auto" latinLnBrk="0" hangingPunct="1">
+              <a:lnSpc>
+                <a:spcPct val="100000"/>
+              </a:lnSpc>
+              <a:spcBef>
+                <a:spcPct val="20000"/>
+              </a:spcBef>
+              <a:spcAft>
+                <a:spcPts val="0"/>
+              </a:spcAft>
+              <a:buClr>
+                <a:srgbClr val="002A4F"/>
+              </a:buClr>
+              <a:buSzTx/>
+              <a:buNone/>
+              <a:tabLst/>
+              <a:defRPr/>
+            </a:pPr>
+            <a:endParaRPr kumimoji="0" lang="en-US" sz="2400" b="0" i="0" u="none" strike="noStrike" kern="1200" cap="none" spc="0" normalizeH="0" baseline="0" noProof="0" dirty="0">
+              <a:ln>
+                <a:noFill/>
+              </a:ln>
+              <a:solidFill>
+                <a:prstClr val="black">
+                  <a:lumMod val="75000"/>
+                  <a:lumOff val="25000"/>
+                </a:prstClr>
+              </a:solidFill>
+              <a:effectLst/>
+              <a:uLnTx/>
+              <a:uFillTx/>
+              <a:latin typeface="Exo 2 Medium" panose="00000600000000000000" pitchFamily="2" charset="-52"/>
+              <a:ea typeface="+mn-ea"/>
+              <a:cs typeface="+mn-cs"/>
+            </a:endParaRPr>
           </a:p>
           <a:p>
             <a:pPr marL="0" marR="0" lvl="0" indent="0" algn="just" defTabSz="914400" rtl="0" eaLnBrk="1" fontAlgn="auto" latinLnBrk="0" hangingPunct="1">
@@ -11110,7 +11795,7 @@
           <a:p>
             <a:r>
               <a:rPr lang="ru-RU" dirty="0"/>
-              <a:t>10</a:t>
+              <a:t>11</a:t>
             </a:r>
           </a:p>
         </p:txBody>
@@ -11134,7 +11819,7 @@
         <p:spPr/>
         <p:txBody>
           <a:bodyPr>
-            <a:normAutofit lnSpcReduction="10000"/>
+            <a:normAutofit fontScale="92500" lnSpcReduction="10000"/>
           </a:bodyPr>
           <a:lstStyle/>
           <a:p>
@@ -11157,18 +11842,6 @@
               <a:defRPr/>
             </a:pPr>
             <a:r>
-              <a:rPr lang="ru-RU" sz="2400" dirty="0">
-                <a:solidFill>
-                  <a:prstClr val="black">
-                    <a:lumMod val="75000"/>
-                    <a:lumOff val="25000"/>
-                  </a:prstClr>
-                </a:solidFill>
-                <a:latin typeface="Exo 2 Medium" panose="00000600000000000000" pitchFamily="2" charset="-52"/>
-              </a:rPr>
-              <a:t>	</a:t>
-            </a:r>
-            <a:r>
               <a:rPr kumimoji="0" lang="en-US" sz="2400" b="0" i="0" u="none" strike="noStrike" kern="1200" cap="none" spc="0" normalizeH="0" baseline="0" noProof="0" dirty="0">
                 <a:ln>
                   <a:noFill/>
@@ -11186,28 +11859,28 @@
                 <a:ea typeface="+mn-ea"/>
                 <a:cs typeface="+mn-cs"/>
               </a:rPr>
-              <a:t>///</a:t>
-            </a:r>
-            <a:r>
-              <a:rPr kumimoji="0" lang="ru-RU" sz="2400" b="0" i="0" u="none" strike="noStrike" kern="1200" cap="none" spc="0" normalizeH="0" baseline="0" noProof="0" dirty="0">
-                <a:ln>
-                  <a:noFill/>
-                </a:ln>
-                <a:solidFill>
-                  <a:prstClr val="black">
-                    <a:lumMod val="75000"/>
-                    <a:lumOff val="25000"/>
-                  </a:prstClr>
-                </a:solidFill>
-                <a:effectLst/>
-                <a:uLnTx/>
-                <a:uFillTx/>
-                <a:latin typeface="Exo 2 Medium" panose="00000600000000000000" pitchFamily="2" charset="-52"/>
-                <a:ea typeface="+mn-ea"/>
-                <a:cs typeface="+mn-cs"/>
-              </a:rPr>
-              <a:t> Скачиваем видео</a:t>
-            </a:r>
+              <a:t>class Program{</a:t>
+            </a:r>
+          </a:p>
+          <a:p>
+            <a:pPr marL="0" marR="0" lvl="0" indent="0" algn="just" defTabSz="914400" rtl="0" eaLnBrk="1" fontAlgn="auto" latinLnBrk="0" hangingPunct="1">
+              <a:lnSpc>
+                <a:spcPct val="100000"/>
+              </a:lnSpc>
+              <a:spcBef>
+                <a:spcPct val="20000"/>
+              </a:spcBef>
+              <a:spcAft>
+                <a:spcPts val="0"/>
+              </a:spcAft>
+              <a:buClr>
+                <a:srgbClr val="002A4F"/>
+              </a:buClr>
+              <a:buSzTx/>
+              <a:buNone/>
+              <a:tabLst/>
+              <a:defRPr/>
+            </a:pPr>
             <a:r>
               <a:rPr kumimoji="0" lang="en-US" sz="2400" b="0" i="0" u="none" strike="noStrike" kern="1200" cap="none" spc="0" normalizeH="0" baseline="0" noProof="0" dirty="0">
                 <a:ln>
@@ -11226,7 +11899,7 @@
                 <a:ea typeface="+mn-ea"/>
                 <a:cs typeface="+mn-cs"/>
               </a:rPr>
-              <a:t>    </a:t>
+              <a:t>static void Main(){</a:t>
             </a:r>
             <a:endParaRPr kumimoji="0" lang="ru-RU" sz="2400" b="0" i="0" u="none" strike="noStrike" kern="1200" cap="none" spc="0" normalizeH="0" baseline="0" noProof="0" dirty="0">
               <a:ln>
@@ -11283,7 +11956,7 @@
                 <a:ea typeface="+mn-ea"/>
                 <a:cs typeface="+mn-cs"/>
               </a:rPr>
-              <a:t>	</a:t>
+              <a:t>        </a:t>
             </a:r>
             <a:r>
               <a:rPr kumimoji="0" lang="en-US" sz="2400" b="0" i="0" u="none" strike="noStrike" kern="1200" cap="none" spc="0" normalizeH="0" baseline="0" noProof="0" dirty="0">
@@ -11303,10 +11976,10 @@
                 <a:ea typeface="+mn-ea"/>
                 <a:cs typeface="+mn-cs"/>
               </a:rPr>
-              <a:t>public string video(string </a:t>
-            </a:r>
-            <a:r>
-              <a:rPr kumimoji="0" lang="en-US" sz="2400" b="0" i="0" u="none" strike="noStrike" kern="1200" cap="none" spc="0" normalizeH="0" baseline="0" noProof="0" dirty="0" err="1">
+              <a:t>	YouTube platform = new YouTube(); // </a:t>
+            </a:r>
+            <a:r>
+              <a:rPr kumimoji="0" lang="ru-RU" sz="2400" b="0" i="0" u="none" strike="noStrike" kern="1200" cap="none" spc="0" normalizeH="0" baseline="0" noProof="0" dirty="0">
                 <a:ln>
                   <a:noFill/>
                 </a:ln>
@@ -11323,28 +11996,25 @@
                 <a:ea typeface="+mn-ea"/>
                 <a:cs typeface="+mn-cs"/>
               </a:rPr>
-              <a:t>linck</a:t>
-            </a:r>
-            <a:r>
-              <a:rPr kumimoji="0" lang="en-US" sz="2400" b="0" i="0" u="none" strike="noStrike" kern="1200" cap="none" spc="0" normalizeH="0" baseline="0" noProof="0" dirty="0">
-                <a:ln>
-                  <a:noFill/>
-                </a:ln>
-                <a:solidFill>
-                  <a:prstClr val="black">
-                    <a:lumMod val="75000"/>
-                    <a:lumOff val="25000"/>
-                  </a:prstClr>
-                </a:solidFill>
-                <a:effectLst/>
-                <a:uLnTx/>
-                <a:uFillTx/>
-                <a:latin typeface="Exo 2 Medium" panose="00000600000000000000" pitchFamily="2" charset="-52"/>
-                <a:ea typeface="+mn-ea"/>
-                <a:cs typeface="+mn-cs"/>
-              </a:rPr>
-              <a:t>){</a:t>
-            </a:r>
+              <a:t>Создаем объект-платформу</a:t>
+            </a:r>
+            <a:endParaRPr kumimoji="0" lang="en-US" sz="2400" b="0" i="0" u="none" strike="noStrike" kern="1200" cap="none" spc="0" normalizeH="0" baseline="0" noProof="0" dirty="0">
+              <a:ln>
+                <a:noFill/>
+              </a:ln>
+              <a:solidFill>
+                <a:prstClr val="black">
+                  <a:lumMod val="75000"/>
+                  <a:lumOff val="25000"/>
+                </a:prstClr>
+              </a:solidFill>
+              <a:effectLst/>
+              <a:uLnTx/>
+              <a:uFillTx/>
+              <a:latin typeface="Exo 2 Medium" panose="00000600000000000000" pitchFamily="2" charset="-52"/>
+              <a:ea typeface="+mn-ea"/>
+              <a:cs typeface="+mn-cs"/>
+            </a:endParaRPr>
           </a:p>
           <a:p>
             <a:pPr marL="0" marR="0" lvl="0" indent="0" algn="just" defTabSz="914400" rtl="0" eaLnBrk="1" fontAlgn="auto" latinLnBrk="0" hangingPunct="1">
@@ -11383,7 +12053,7 @@
                 <a:ea typeface="+mn-ea"/>
                 <a:cs typeface="+mn-cs"/>
               </a:rPr>
-              <a:t>        </a:t>
+              <a:t>        	// </a:t>
             </a:r>
             <a:r>
               <a:rPr kumimoji="0" lang="ru-RU" sz="2400" b="0" i="0" u="none" strike="noStrike" kern="1200" cap="none" spc="0" normalizeH="0" baseline="0" noProof="0" dirty="0">
@@ -11403,47 +12073,7 @@
                 <a:ea typeface="+mn-ea"/>
                 <a:cs typeface="+mn-cs"/>
               </a:rPr>
-              <a:t>		</a:t>
-            </a:r>
-            <a:r>
-              <a:rPr kumimoji="0" lang="en-US" sz="2400" b="0" i="0" u="none" strike="noStrike" kern="1200" cap="none" spc="0" normalizeH="0" baseline="0" noProof="0" dirty="0">
-                <a:ln>
-                  <a:noFill/>
-                </a:ln>
-                <a:solidFill>
-                  <a:prstClr val="black">
-                    <a:lumMod val="75000"/>
-                    <a:lumOff val="25000"/>
-                  </a:prstClr>
-                </a:solidFill>
-                <a:effectLst/>
-                <a:uLnTx/>
-                <a:uFillTx/>
-                <a:latin typeface="Exo 2 Medium" panose="00000600000000000000" pitchFamily="2" charset="-52"/>
-                <a:ea typeface="+mn-ea"/>
-                <a:cs typeface="+mn-cs"/>
-              </a:rPr>
-              <a:t>// </a:t>
-            </a:r>
-            <a:r>
-              <a:rPr kumimoji="0" lang="ru-RU" sz="2400" b="0" i="0" u="none" strike="noStrike" kern="1200" cap="none" spc="0" normalizeH="0" baseline="0" noProof="0" dirty="0">
-                <a:ln>
-                  <a:noFill/>
-                </a:ln>
-                <a:solidFill>
-                  <a:prstClr val="black">
-                    <a:lumMod val="75000"/>
-                    <a:lumOff val="25000"/>
-                  </a:prstClr>
-                </a:solidFill>
-                <a:effectLst/>
-                <a:uLnTx/>
-                <a:uFillTx/>
-                <a:latin typeface="Exo 2 Medium" panose="00000600000000000000" pitchFamily="2" charset="-52"/>
-                <a:ea typeface="+mn-ea"/>
-                <a:cs typeface="+mn-cs"/>
-              </a:rPr>
-              <a:t>Какой-нибудь код который нужен для работы метода</a:t>
+              <a:t>Создаем объект-интерфейс  и передаем ему платформу</a:t>
             </a:r>
           </a:p>
           <a:p>
@@ -11483,8 +12113,145 @@
                 <a:ea typeface="+mn-ea"/>
                 <a:cs typeface="+mn-cs"/>
               </a:rPr>
-              <a:t>        		// Делегирование работы объекту реализации</a:t>
-            </a:r>
+              <a:t>        </a:t>
+            </a:r>
+            <a:r>
+              <a:rPr kumimoji="0" lang="en-US" sz="2400" b="0" i="0" u="none" strike="noStrike" kern="1200" cap="none" spc="0" normalizeH="0" baseline="0" noProof="0" dirty="0">
+                <a:ln>
+                  <a:noFill/>
+                </a:ln>
+                <a:solidFill>
+                  <a:prstClr val="black">
+                    <a:lumMod val="75000"/>
+                    <a:lumOff val="25000"/>
+                  </a:prstClr>
+                </a:solidFill>
+                <a:effectLst/>
+                <a:uLnTx/>
+                <a:uFillTx/>
+                <a:latin typeface="Exo 2 Medium" panose="00000600000000000000" pitchFamily="2" charset="-52"/>
+                <a:ea typeface="+mn-ea"/>
+                <a:cs typeface="+mn-cs"/>
+              </a:rPr>
+              <a:t>	</a:t>
+            </a:r>
+            <a:r>
+              <a:rPr kumimoji="0" lang="en-US" sz="2400" b="0" i="0" u="none" strike="noStrike" kern="1200" cap="none" spc="0" normalizeH="0" baseline="0" noProof="0" dirty="0" err="1">
+                <a:ln>
+                  <a:noFill/>
+                </a:ln>
+                <a:solidFill>
+                  <a:prstClr val="black">
+                    <a:lumMod val="75000"/>
+                    <a:lumOff val="25000"/>
+                  </a:prstClr>
+                </a:solidFill>
+                <a:effectLst/>
+                <a:uLnTx/>
+                <a:uFillTx/>
+                <a:latin typeface="Exo 2 Medium" panose="00000600000000000000" pitchFamily="2" charset="-52"/>
+                <a:ea typeface="+mn-ea"/>
+                <a:cs typeface="+mn-cs"/>
+              </a:rPr>
+              <a:t>BaseUser</a:t>
+            </a:r>
+            <a:r>
+              <a:rPr kumimoji="0" lang="en-US" sz="2400" b="0" i="0" u="none" strike="noStrike" kern="1200" cap="none" spc="0" normalizeH="0" baseline="0" noProof="0" dirty="0">
+                <a:ln>
+                  <a:noFill/>
+                </a:ln>
+                <a:solidFill>
+                  <a:prstClr val="black">
+                    <a:lumMod val="75000"/>
+                    <a:lumOff val="25000"/>
+                  </a:prstClr>
+                </a:solidFill>
+                <a:effectLst/>
+                <a:uLnTx/>
+                <a:uFillTx/>
+                <a:latin typeface="Exo 2 Medium" panose="00000600000000000000" pitchFamily="2" charset="-52"/>
+                <a:ea typeface="+mn-ea"/>
+                <a:cs typeface="+mn-cs"/>
+              </a:rPr>
+              <a:t> inter = new </a:t>
+            </a:r>
+            <a:r>
+              <a:rPr kumimoji="0" lang="en-US" sz="2400" b="0" i="0" u="none" strike="noStrike" kern="1200" cap="none" spc="0" normalizeH="0" baseline="0" noProof="0" dirty="0" err="1">
+                <a:ln>
+                  <a:noFill/>
+                </a:ln>
+                <a:solidFill>
+                  <a:prstClr val="black">
+                    <a:lumMod val="75000"/>
+                    <a:lumOff val="25000"/>
+                  </a:prstClr>
+                </a:solidFill>
+                <a:effectLst/>
+                <a:uLnTx/>
+                <a:uFillTx/>
+                <a:latin typeface="Exo 2 Medium" panose="00000600000000000000" pitchFamily="2" charset="-52"/>
+                <a:ea typeface="+mn-ea"/>
+                <a:cs typeface="+mn-cs"/>
+              </a:rPr>
+              <a:t>BaseUser</a:t>
+            </a:r>
+            <a:r>
+              <a:rPr kumimoji="0" lang="en-US" sz="2400" b="0" i="0" u="none" strike="noStrike" kern="1200" cap="none" spc="0" normalizeH="0" baseline="0" noProof="0" dirty="0">
+                <a:ln>
+                  <a:noFill/>
+                </a:ln>
+                <a:solidFill>
+                  <a:prstClr val="black">
+                    <a:lumMod val="75000"/>
+                    <a:lumOff val="25000"/>
+                  </a:prstClr>
+                </a:solidFill>
+                <a:effectLst/>
+                <a:uLnTx/>
+                <a:uFillTx/>
+                <a:latin typeface="Exo 2 Medium" panose="00000600000000000000" pitchFamily="2" charset="-52"/>
+                <a:ea typeface="+mn-ea"/>
+                <a:cs typeface="+mn-cs"/>
+              </a:rPr>
+              <a:t>(platform);</a:t>
+            </a:r>
+            <a:r>
+              <a:rPr kumimoji="0" lang="ru-RU" sz="2400" b="0" i="0" u="none" strike="noStrike" kern="1200" cap="none" spc="0" normalizeH="0" baseline="0" noProof="0" dirty="0">
+                <a:ln>
+                  <a:noFill/>
+                </a:ln>
+                <a:solidFill>
+                  <a:prstClr val="black">
+                    <a:lumMod val="75000"/>
+                    <a:lumOff val="25000"/>
+                  </a:prstClr>
+                </a:solidFill>
+                <a:effectLst/>
+                <a:uLnTx/>
+                <a:uFillTx/>
+                <a:latin typeface="Exo 2 Medium" panose="00000600000000000000" pitchFamily="2" charset="-52"/>
+                <a:ea typeface="+mn-ea"/>
+                <a:cs typeface="+mn-cs"/>
+              </a:rPr>
+              <a:t> </a:t>
+            </a:r>
+            <a:endParaRPr kumimoji="0" lang="en-US" sz="2400" b="0" i="0" u="none" strike="noStrike" kern="1200" cap="none" spc="0" normalizeH="0" baseline="0" noProof="0" dirty="0">
+              <a:ln>
+                <a:noFill/>
+              </a:ln>
+              <a:solidFill>
+                <a:prstClr val="black">
+                  <a:lumMod val="75000"/>
+                  <a:lumOff val="25000"/>
+                </a:prstClr>
+              </a:solidFill>
+              <a:effectLst/>
+              <a:uLnTx/>
+              <a:uFillTx/>
+              <a:latin typeface="Exo 2 Medium" panose="00000600000000000000" pitchFamily="2" charset="-52"/>
+              <a:ea typeface="+mn-ea"/>
+              <a:cs typeface="+mn-cs"/>
+            </a:endParaRPr>
           </a:p>
           <a:p>
             <a:pPr marL="0" marR="0" lvl="0" indent="0" algn="just" defTabSz="914400" rtl="0" eaLnBrk="1" fontAlgn="auto" latinLnBrk="0" hangingPunct="1">
@@ -11506,6 +12273,26 @@
               <a:defRPr/>
             </a:pPr>
             <a:r>
+              <a:rPr kumimoji="0" lang="en-US" sz="2400" b="0" i="0" u="none" strike="noStrike" kern="1200" cap="none" spc="0" normalizeH="0" baseline="0" noProof="0" dirty="0">
+                <a:ln>
+                  <a:noFill/>
+                </a:ln>
+                <a:solidFill>
+                  <a:prstClr val="black">
+                    <a:lumMod val="75000"/>
+                    <a:lumOff val="25000"/>
+                  </a:prstClr>
+                </a:solidFill>
+                <a:effectLst/>
+                <a:uLnTx/>
+                <a:uFillTx/>
+                <a:latin typeface="Exo 2 Medium" panose="00000600000000000000" pitchFamily="2" charset="-52"/>
+                <a:ea typeface="+mn-ea"/>
+                <a:cs typeface="+mn-cs"/>
+              </a:rPr>
+              <a:t>        	// </a:t>
+            </a:r>
+            <a:r>
               <a:rPr kumimoji="0" lang="ru-RU" sz="2400" b="0" i="0" u="none" strike="noStrike" kern="1200" cap="none" spc="0" normalizeH="0" baseline="0" noProof="0" dirty="0">
                 <a:ln>
                   <a:noFill/>
@@ -11523,7 +12310,47 @@
                 <a:ea typeface="+mn-ea"/>
                 <a:cs typeface="+mn-cs"/>
               </a:rPr>
-              <a:t>        		</a:t>
+              <a:t>Работаем с платформой через интерфейс</a:t>
+            </a:r>
+          </a:p>
+          <a:p>
+            <a:pPr marL="0" marR="0" lvl="0" indent="0" algn="just" defTabSz="914400" rtl="0" eaLnBrk="1" fontAlgn="auto" latinLnBrk="0" hangingPunct="1">
+              <a:lnSpc>
+                <a:spcPct val="100000"/>
+              </a:lnSpc>
+              <a:spcBef>
+                <a:spcPct val="20000"/>
+              </a:spcBef>
+              <a:spcAft>
+                <a:spcPts val="0"/>
+              </a:spcAft>
+              <a:buClr>
+                <a:srgbClr val="002A4F"/>
+              </a:buClr>
+              <a:buSzTx/>
+              <a:buNone/>
+              <a:tabLst/>
+              <a:defRPr/>
+            </a:pPr>
+            <a:r>
+              <a:rPr kumimoji="0" lang="ru-RU" sz="2400" b="0" i="0" u="none" strike="noStrike" kern="1200" cap="none" spc="0" normalizeH="0" baseline="0" noProof="0" dirty="0">
+                <a:ln>
+                  <a:noFill/>
+                </a:ln>
+                <a:solidFill>
+                  <a:prstClr val="black">
+                    <a:lumMod val="75000"/>
+                    <a:lumOff val="25000"/>
+                  </a:prstClr>
+                </a:solidFill>
+                <a:effectLst/>
+                <a:uLnTx/>
+                <a:uFillTx/>
+                <a:latin typeface="Exo 2 Medium" panose="00000600000000000000" pitchFamily="2" charset="-52"/>
+                <a:ea typeface="+mn-ea"/>
+                <a:cs typeface="+mn-cs"/>
+              </a:rPr>
+              <a:t>        </a:t>
             </a:r>
             <a:r>
               <a:rPr kumimoji="0" lang="en-US" sz="2400" b="0" i="0" u="none" strike="noStrike" kern="1200" cap="none" spc="0" normalizeH="0" baseline="0" noProof="0" dirty="0">
@@ -11543,7 +12370,47 @@
                 <a:ea typeface="+mn-ea"/>
                 <a:cs typeface="+mn-cs"/>
               </a:rPr>
-              <a:t>return </a:t>
+              <a:t>	string res;</a:t>
+            </a:r>
+          </a:p>
+          <a:p>
+            <a:pPr marL="0" marR="0" lvl="0" indent="0" algn="just" defTabSz="914400" rtl="0" eaLnBrk="1" fontAlgn="auto" latinLnBrk="0" hangingPunct="1">
+              <a:lnSpc>
+                <a:spcPct val="100000"/>
+              </a:lnSpc>
+              <a:spcBef>
+                <a:spcPct val="20000"/>
+              </a:spcBef>
+              <a:spcAft>
+                <a:spcPts val="0"/>
+              </a:spcAft>
+              <a:buClr>
+                <a:srgbClr val="002A4F"/>
+              </a:buClr>
+              <a:buSzTx/>
+              <a:buNone/>
+              <a:tabLst/>
+              <a:defRPr/>
+            </a:pPr>
+            <a:r>
+              <a:rPr kumimoji="0" lang="en-US" sz="2400" b="0" i="0" u="none" strike="noStrike" kern="1200" cap="none" spc="0" normalizeH="0" baseline="0" noProof="0" dirty="0">
+                <a:ln>
+                  <a:noFill/>
+                </a:ln>
+                <a:solidFill>
+                  <a:prstClr val="black">
+                    <a:lumMod val="75000"/>
+                    <a:lumOff val="25000"/>
+                  </a:prstClr>
+                </a:solidFill>
+                <a:effectLst/>
+                <a:uLnTx/>
+                <a:uFillTx/>
+                <a:latin typeface="Exo 2 Medium" panose="00000600000000000000" pitchFamily="2" charset="-52"/>
+                <a:ea typeface="+mn-ea"/>
+                <a:cs typeface="+mn-cs"/>
+              </a:rPr>
+              <a:t>        	res = </a:t>
             </a:r>
             <a:r>
               <a:rPr kumimoji="0" lang="en-US" sz="2400" b="0" i="0" u="none" strike="noStrike" kern="1200" cap="none" spc="0" normalizeH="0" baseline="0" noProof="0" dirty="0" err="1">
@@ -11563,7 +12430,7 @@
                 <a:ea typeface="+mn-ea"/>
                 <a:cs typeface="+mn-cs"/>
               </a:rPr>
-              <a:t>platform.download_video</a:t>
+              <a:t>inter.description</a:t>
             </a:r>
             <a:r>
               <a:rPr kumimoji="0" lang="en-US" sz="2400" b="0" i="0" u="none" strike="noStrike" kern="1200" cap="none" spc="0" normalizeH="0" baseline="0" noProof="0" dirty="0">
@@ -11583,7 +12450,87 @@
                 <a:ea typeface="+mn-ea"/>
                 <a:cs typeface="+mn-cs"/>
               </a:rPr>
-              <a:t>(</a:t>
+              <a:t>("https..."); // </a:t>
+            </a:r>
+            <a:r>
+              <a:rPr kumimoji="0" lang="ru-RU" sz="2400" b="0" i="0" u="none" strike="noStrike" kern="1200" cap="none" spc="0" normalizeH="0" baseline="0" noProof="0" dirty="0">
+                <a:ln>
+                  <a:noFill/>
+                </a:ln>
+                <a:solidFill>
+                  <a:prstClr val="black">
+                    <a:lumMod val="75000"/>
+                    <a:lumOff val="25000"/>
+                  </a:prstClr>
+                </a:solidFill>
+                <a:effectLst/>
+                <a:uLnTx/>
+                <a:uFillTx/>
+                <a:latin typeface="Exo 2 Medium" panose="00000600000000000000" pitchFamily="2" charset="-52"/>
+                <a:ea typeface="+mn-ea"/>
+                <a:cs typeface="+mn-cs"/>
+              </a:rPr>
+              <a:t>Получаем описание каково-то видео</a:t>
+            </a:r>
+          </a:p>
+          <a:p>
+            <a:pPr marL="0" marR="0" lvl="0" indent="0" algn="just" defTabSz="914400" rtl="0" eaLnBrk="1" fontAlgn="auto" latinLnBrk="0" hangingPunct="1">
+              <a:lnSpc>
+                <a:spcPct val="100000"/>
+              </a:lnSpc>
+              <a:spcBef>
+                <a:spcPct val="20000"/>
+              </a:spcBef>
+              <a:spcAft>
+                <a:spcPts val="0"/>
+              </a:spcAft>
+              <a:buClr>
+                <a:srgbClr val="002A4F"/>
+              </a:buClr>
+              <a:buSzTx/>
+              <a:buNone/>
+              <a:tabLst/>
+              <a:defRPr/>
+            </a:pPr>
+            <a:r>
+              <a:rPr kumimoji="0" lang="ru-RU" sz="2400" b="0" i="0" u="none" strike="noStrike" kern="1200" cap="none" spc="0" normalizeH="0" baseline="0" noProof="0" dirty="0">
+                <a:ln>
+                  <a:noFill/>
+                </a:ln>
+                <a:solidFill>
+                  <a:prstClr val="black">
+                    <a:lumMod val="75000"/>
+                    <a:lumOff val="25000"/>
+                  </a:prstClr>
+                </a:solidFill>
+                <a:effectLst/>
+                <a:uLnTx/>
+                <a:uFillTx/>
+                <a:latin typeface="Exo 2 Medium" panose="00000600000000000000" pitchFamily="2" charset="-52"/>
+                <a:ea typeface="+mn-ea"/>
+                <a:cs typeface="+mn-cs"/>
+              </a:rPr>
+              <a:t>        </a:t>
+            </a:r>
+            <a:r>
+              <a:rPr kumimoji="0" lang="en-US" sz="2400" b="0" i="0" u="none" strike="noStrike" kern="1200" cap="none" spc="0" normalizeH="0" baseline="0" noProof="0" dirty="0">
+                <a:ln>
+                  <a:noFill/>
+                </a:ln>
+                <a:solidFill>
+                  <a:prstClr val="black">
+                    <a:lumMod val="75000"/>
+                    <a:lumOff val="25000"/>
+                  </a:prstClr>
+                </a:solidFill>
+                <a:effectLst/>
+                <a:uLnTx/>
+                <a:uFillTx/>
+                <a:latin typeface="Exo 2 Medium" panose="00000600000000000000" pitchFamily="2" charset="-52"/>
+                <a:ea typeface="+mn-ea"/>
+                <a:cs typeface="+mn-cs"/>
+              </a:rPr>
+              <a:t>	</a:t>
             </a:r>
             <a:r>
               <a:rPr kumimoji="0" lang="en-US" sz="2400" b="0" i="0" u="none" strike="noStrike" kern="1200" cap="none" spc="0" normalizeH="0" baseline="0" noProof="0" dirty="0" err="1">
@@ -11603,7 +12550,7 @@
                 <a:ea typeface="+mn-ea"/>
                 <a:cs typeface="+mn-cs"/>
               </a:rPr>
-              <a:t>linck</a:t>
+              <a:t>Console.WriteLine</a:t>
             </a:r>
             <a:r>
               <a:rPr kumimoji="0" lang="en-US" sz="2400" b="0" i="0" u="none" strike="noStrike" kern="1200" cap="none" spc="0" normalizeH="0" baseline="0" noProof="0" dirty="0">
@@ -11623,7 +12570,247 @@
                 <a:ea typeface="+mn-ea"/>
                 <a:cs typeface="+mn-cs"/>
               </a:rPr>
-              <a:t>); </a:t>
+              <a:t>($"Description: {res}");</a:t>
+            </a:r>
+          </a:p>
+          <a:p>
+            <a:pPr marL="0" marR="0" lvl="0" indent="0" algn="just" defTabSz="914400" rtl="0" eaLnBrk="1" fontAlgn="auto" latinLnBrk="0" hangingPunct="1">
+              <a:lnSpc>
+                <a:spcPct val="100000"/>
+              </a:lnSpc>
+              <a:spcBef>
+                <a:spcPct val="20000"/>
+              </a:spcBef>
+              <a:spcAft>
+                <a:spcPts val="0"/>
+              </a:spcAft>
+              <a:buClr>
+                <a:srgbClr val="002A4F"/>
+              </a:buClr>
+              <a:buSzTx/>
+              <a:buNone/>
+              <a:tabLst/>
+              <a:defRPr/>
+            </a:pPr>
+            <a:r>
+              <a:rPr kumimoji="0" lang="en-US" sz="2400" b="0" i="0" u="none" strike="noStrike" kern="1200" cap="none" spc="0" normalizeH="0" baseline="0" noProof="0" dirty="0">
+                <a:ln>
+                  <a:noFill/>
+                </a:ln>
+                <a:solidFill>
+                  <a:prstClr val="black">
+                    <a:lumMod val="75000"/>
+                    <a:lumOff val="25000"/>
+                  </a:prstClr>
+                </a:solidFill>
+                <a:effectLst/>
+                <a:uLnTx/>
+                <a:uFillTx/>
+                <a:latin typeface="Exo 2 Medium" panose="00000600000000000000" pitchFamily="2" charset="-52"/>
+                <a:ea typeface="+mn-ea"/>
+                <a:cs typeface="+mn-cs"/>
+              </a:rPr>
+              <a:t>        	res = </a:t>
+            </a:r>
+            <a:r>
+              <a:rPr kumimoji="0" lang="en-US" sz="2400" b="0" i="0" u="none" strike="noStrike" kern="1200" cap="none" spc="0" normalizeH="0" baseline="0" noProof="0" dirty="0" err="1">
+                <a:ln>
+                  <a:noFill/>
+                </a:ln>
+                <a:solidFill>
+                  <a:prstClr val="black">
+                    <a:lumMod val="75000"/>
+                    <a:lumOff val="25000"/>
+                  </a:prstClr>
+                </a:solidFill>
+                <a:effectLst/>
+                <a:uLnTx/>
+                <a:uFillTx/>
+                <a:latin typeface="Exo 2 Medium" panose="00000600000000000000" pitchFamily="2" charset="-52"/>
+                <a:ea typeface="+mn-ea"/>
+                <a:cs typeface="+mn-cs"/>
+              </a:rPr>
+              <a:t>inter.video</a:t>
+            </a:r>
+            <a:r>
+              <a:rPr kumimoji="0" lang="en-US" sz="2400" b="0" i="0" u="none" strike="noStrike" kern="1200" cap="none" spc="0" normalizeH="0" baseline="0" noProof="0" dirty="0">
+                <a:ln>
+                  <a:noFill/>
+                </a:ln>
+                <a:solidFill>
+                  <a:prstClr val="black">
+                    <a:lumMod val="75000"/>
+                    <a:lumOff val="25000"/>
+                  </a:prstClr>
+                </a:solidFill>
+                <a:effectLst/>
+                <a:uLnTx/>
+                <a:uFillTx/>
+                <a:latin typeface="Exo 2 Medium" panose="00000600000000000000" pitchFamily="2" charset="-52"/>
+                <a:ea typeface="+mn-ea"/>
+                <a:cs typeface="+mn-cs"/>
+              </a:rPr>
+              <a:t>("https...");// </a:t>
+            </a:r>
+            <a:r>
+              <a:rPr kumimoji="0" lang="ru-RU" sz="2400" b="0" i="0" u="none" strike="noStrike" kern="1200" cap="none" spc="0" normalizeH="0" baseline="0" noProof="0" dirty="0">
+                <a:ln>
+                  <a:noFill/>
+                </a:ln>
+                <a:solidFill>
+                  <a:prstClr val="black">
+                    <a:lumMod val="75000"/>
+                    <a:lumOff val="25000"/>
+                  </a:prstClr>
+                </a:solidFill>
+                <a:effectLst/>
+                <a:uLnTx/>
+                <a:uFillTx/>
+                <a:latin typeface="Exo 2 Medium" panose="00000600000000000000" pitchFamily="2" charset="-52"/>
+                <a:ea typeface="+mn-ea"/>
+                <a:cs typeface="+mn-cs"/>
+              </a:rPr>
+              <a:t>Скачиваем какое-то видео</a:t>
+            </a:r>
+          </a:p>
+          <a:p>
+            <a:pPr marL="0" marR="0" lvl="0" indent="0" algn="just" defTabSz="914400" rtl="0" eaLnBrk="1" fontAlgn="auto" latinLnBrk="0" hangingPunct="1">
+              <a:lnSpc>
+                <a:spcPct val="100000"/>
+              </a:lnSpc>
+              <a:spcBef>
+                <a:spcPct val="20000"/>
+              </a:spcBef>
+              <a:spcAft>
+                <a:spcPts val="0"/>
+              </a:spcAft>
+              <a:buClr>
+                <a:srgbClr val="002A4F"/>
+              </a:buClr>
+              <a:buSzTx/>
+              <a:buNone/>
+              <a:tabLst/>
+              <a:defRPr/>
+            </a:pPr>
+            <a:r>
+              <a:rPr kumimoji="0" lang="ru-RU" sz="2400" b="0" i="0" u="none" strike="noStrike" kern="1200" cap="none" spc="0" normalizeH="0" baseline="0" noProof="0" dirty="0">
+                <a:ln>
+                  <a:noFill/>
+                </a:ln>
+                <a:solidFill>
+                  <a:prstClr val="black">
+                    <a:lumMod val="75000"/>
+                    <a:lumOff val="25000"/>
+                  </a:prstClr>
+                </a:solidFill>
+                <a:effectLst/>
+                <a:uLnTx/>
+                <a:uFillTx/>
+                <a:latin typeface="Exo 2 Medium" panose="00000600000000000000" pitchFamily="2" charset="-52"/>
+                <a:ea typeface="+mn-ea"/>
+                <a:cs typeface="+mn-cs"/>
+              </a:rPr>
+              <a:t>        </a:t>
+            </a:r>
+            <a:r>
+              <a:rPr kumimoji="0" lang="en-US" sz="2400" b="0" i="0" u="none" strike="noStrike" kern="1200" cap="none" spc="0" normalizeH="0" baseline="0" noProof="0" dirty="0">
+                <a:ln>
+                  <a:noFill/>
+                </a:ln>
+                <a:solidFill>
+                  <a:prstClr val="black">
+                    <a:lumMod val="75000"/>
+                    <a:lumOff val="25000"/>
+                  </a:prstClr>
+                </a:solidFill>
+                <a:effectLst/>
+                <a:uLnTx/>
+                <a:uFillTx/>
+                <a:latin typeface="Exo 2 Medium" panose="00000600000000000000" pitchFamily="2" charset="-52"/>
+                <a:ea typeface="+mn-ea"/>
+                <a:cs typeface="+mn-cs"/>
+              </a:rPr>
+              <a:t>	</a:t>
+            </a:r>
+            <a:r>
+              <a:rPr kumimoji="0" lang="en-US" sz="2400" b="0" i="0" u="none" strike="noStrike" kern="1200" cap="none" spc="0" normalizeH="0" baseline="0" noProof="0" dirty="0" err="1">
+                <a:ln>
+                  <a:noFill/>
+                </a:ln>
+                <a:solidFill>
+                  <a:prstClr val="black">
+                    <a:lumMod val="75000"/>
+                    <a:lumOff val="25000"/>
+                  </a:prstClr>
+                </a:solidFill>
+                <a:effectLst/>
+                <a:uLnTx/>
+                <a:uFillTx/>
+                <a:latin typeface="Exo 2 Medium" panose="00000600000000000000" pitchFamily="2" charset="-52"/>
+                <a:ea typeface="+mn-ea"/>
+                <a:cs typeface="+mn-cs"/>
+              </a:rPr>
+              <a:t>Console.WriteLine</a:t>
+            </a:r>
+            <a:r>
+              <a:rPr kumimoji="0" lang="en-US" sz="2400" b="0" i="0" u="none" strike="noStrike" kern="1200" cap="none" spc="0" normalizeH="0" baseline="0" noProof="0" dirty="0">
+                <a:ln>
+                  <a:noFill/>
+                </a:ln>
+                <a:solidFill>
+                  <a:prstClr val="black">
+                    <a:lumMod val="75000"/>
+                    <a:lumOff val="25000"/>
+                  </a:prstClr>
+                </a:solidFill>
+                <a:effectLst/>
+                <a:uLnTx/>
+                <a:uFillTx/>
+                <a:latin typeface="Exo 2 Medium" panose="00000600000000000000" pitchFamily="2" charset="-52"/>
+                <a:ea typeface="+mn-ea"/>
+                <a:cs typeface="+mn-cs"/>
+              </a:rPr>
+              <a:t>($"Downloaded video: {res}");</a:t>
+            </a:r>
+          </a:p>
+          <a:p>
+            <a:pPr marL="0" marR="0" lvl="0" indent="0" algn="just" defTabSz="914400" rtl="0" eaLnBrk="1" fontAlgn="auto" latinLnBrk="0" hangingPunct="1">
+              <a:lnSpc>
+                <a:spcPct val="100000"/>
+              </a:lnSpc>
+              <a:spcBef>
+                <a:spcPct val="20000"/>
+              </a:spcBef>
+              <a:spcAft>
+                <a:spcPts val="0"/>
+              </a:spcAft>
+              <a:buClr>
+                <a:srgbClr val="002A4F"/>
+              </a:buClr>
+              <a:buSzTx/>
+              <a:buNone/>
+              <a:tabLst/>
+              <a:defRPr/>
+            </a:pPr>
+            <a:r>
+              <a:rPr kumimoji="0" lang="en-US" sz="2400" b="0" i="0" u="none" strike="noStrike" kern="1200" cap="none" spc="0" normalizeH="0" baseline="0" noProof="0" dirty="0">
+                <a:ln>
+                  <a:noFill/>
+                </a:ln>
+                <a:solidFill>
+                  <a:prstClr val="black">
+                    <a:lumMod val="75000"/>
+                    <a:lumOff val="25000"/>
+                  </a:prstClr>
+                </a:solidFill>
+                <a:effectLst/>
+                <a:uLnTx/>
+                <a:uFillTx/>
+                <a:latin typeface="Exo 2 Medium" panose="00000600000000000000" pitchFamily="2" charset="-52"/>
+                <a:ea typeface="+mn-ea"/>
+                <a:cs typeface="+mn-cs"/>
+              </a:rPr>
+              <a:t>}}</a:t>
             </a:r>
             <a:endParaRPr kumimoji="0" lang="ru-RU" sz="2400" b="0" i="0" u="none" strike="noStrike" kern="1200" cap="none" spc="0" normalizeH="0" baseline="0" noProof="0" dirty="0">
               <a:ln>
@@ -11643,563 +12830,6 @@
               <a:cs typeface="+mn-cs"/>
             </a:endParaRPr>
           </a:p>
-          <a:p>
-            <a:pPr marL="0" marR="0" lvl="0" indent="0" algn="just" defTabSz="914400" rtl="0" eaLnBrk="1" fontAlgn="auto" latinLnBrk="0" hangingPunct="1">
-              <a:lnSpc>
-                <a:spcPct val="100000"/>
-              </a:lnSpc>
-              <a:spcBef>
-                <a:spcPct val="20000"/>
-              </a:spcBef>
-              <a:spcAft>
-                <a:spcPts val="0"/>
-              </a:spcAft>
-              <a:buClr>
-                <a:srgbClr val="002A4F"/>
-              </a:buClr>
-              <a:buSzTx/>
-              <a:buNone/>
-              <a:tabLst/>
-              <a:defRPr/>
-            </a:pPr>
-            <a:r>
-              <a:rPr kumimoji="0" lang="ru-RU" sz="2400" b="0" i="0" u="none" strike="noStrike" kern="1200" cap="none" spc="0" normalizeH="0" baseline="0" noProof="0" dirty="0">
-                <a:ln>
-                  <a:noFill/>
-                </a:ln>
-                <a:solidFill>
-                  <a:prstClr val="black">
-                    <a:lumMod val="75000"/>
-                    <a:lumOff val="25000"/>
-                  </a:prstClr>
-                </a:solidFill>
-                <a:effectLst/>
-                <a:uLnTx/>
-                <a:uFillTx/>
-                <a:latin typeface="Exo 2 Medium" panose="00000600000000000000" pitchFamily="2" charset="-52"/>
-                <a:ea typeface="+mn-ea"/>
-                <a:cs typeface="+mn-cs"/>
-              </a:rPr>
-              <a:t>	</a:t>
-            </a:r>
-            <a:r>
-              <a:rPr kumimoji="0" lang="en-US" sz="2400" b="0" i="0" u="none" strike="noStrike" kern="1200" cap="none" spc="0" normalizeH="0" baseline="0" noProof="0" dirty="0">
-                <a:ln>
-                  <a:noFill/>
-                </a:ln>
-                <a:solidFill>
-                  <a:prstClr val="black">
-                    <a:lumMod val="75000"/>
-                    <a:lumOff val="25000"/>
-                  </a:prstClr>
-                </a:solidFill>
-                <a:effectLst/>
-                <a:uLnTx/>
-                <a:uFillTx/>
-                <a:latin typeface="Exo 2 Medium" panose="00000600000000000000" pitchFamily="2" charset="-52"/>
-                <a:ea typeface="+mn-ea"/>
-                <a:cs typeface="+mn-cs"/>
-              </a:rPr>
-              <a:t>}</a:t>
-            </a:r>
-          </a:p>
-          <a:p>
-            <a:pPr marL="0" marR="0" lvl="0" indent="0" algn="just" defTabSz="914400" rtl="0" eaLnBrk="1" fontAlgn="auto" latinLnBrk="0" hangingPunct="1">
-              <a:lnSpc>
-                <a:spcPct val="100000"/>
-              </a:lnSpc>
-              <a:spcBef>
-                <a:spcPct val="20000"/>
-              </a:spcBef>
-              <a:spcAft>
-                <a:spcPts val="0"/>
-              </a:spcAft>
-              <a:buClr>
-                <a:srgbClr val="002A4F"/>
-              </a:buClr>
-              <a:buSzTx/>
-              <a:buNone/>
-              <a:tabLst/>
-              <a:defRPr/>
-            </a:pPr>
-            <a:r>
-              <a:rPr kumimoji="0" lang="en-US" sz="2400" b="0" i="0" u="none" strike="noStrike" kern="1200" cap="none" spc="0" normalizeH="0" baseline="0" noProof="0" dirty="0">
-                <a:ln>
-                  <a:noFill/>
-                </a:ln>
-                <a:solidFill>
-                  <a:prstClr val="black">
-                    <a:lumMod val="75000"/>
-                    <a:lumOff val="25000"/>
-                  </a:prstClr>
-                </a:solidFill>
-                <a:effectLst/>
-                <a:uLnTx/>
-                <a:uFillTx/>
-                <a:latin typeface="Exo 2 Medium" panose="00000600000000000000" pitchFamily="2" charset="-52"/>
-                <a:ea typeface="+mn-ea"/>
-                <a:cs typeface="+mn-cs"/>
-              </a:rPr>
-              <a:t>    </a:t>
-            </a:r>
-            <a:r>
-              <a:rPr kumimoji="0" lang="ru-RU" sz="2400" b="0" i="0" u="none" strike="noStrike" kern="1200" cap="none" spc="0" normalizeH="0" baseline="0" noProof="0" dirty="0">
-                <a:ln>
-                  <a:noFill/>
-                </a:ln>
-                <a:solidFill>
-                  <a:prstClr val="black">
-                    <a:lumMod val="75000"/>
-                    <a:lumOff val="25000"/>
-                  </a:prstClr>
-                </a:solidFill>
-                <a:effectLst/>
-                <a:uLnTx/>
-                <a:uFillTx/>
-                <a:latin typeface="Exo 2 Medium" panose="00000600000000000000" pitchFamily="2" charset="-52"/>
-                <a:ea typeface="+mn-ea"/>
-                <a:cs typeface="+mn-cs"/>
-              </a:rPr>
-              <a:t>	</a:t>
-            </a:r>
-            <a:r>
-              <a:rPr kumimoji="0" lang="en-US" sz="2400" b="0" i="0" u="none" strike="noStrike" kern="1200" cap="none" spc="0" normalizeH="0" baseline="0" noProof="0" dirty="0">
-                <a:ln>
-                  <a:noFill/>
-                </a:ln>
-                <a:solidFill>
-                  <a:prstClr val="black">
-                    <a:lumMod val="75000"/>
-                    <a:lumOff val="25000"/>
-                  </a:prstClr>
-                </a:solidFill>
-                <a:effectLst/>
-                <a:uLnTx/>
-                <a:uFillTx/>
-                <a:latin typeface="Exo 2 Medium" panose="00000600000000000000" pitchFamily="2" charset="-52"/>
-                <a:ea typeface="+mn-ea"/>
-                <a:cs typeface="+mn-cs"/>
-              </a:rPr>
-              <a:t>/// </a:t>
-            </a:r>
-            <a:r>
-              <a:rPr kumimoji="0" lang="ru-RU" sz="2400" b="0" i="0" u="none" strike="noStrike" kern="1200" cap="none" spc="0" normalizeH="0" baseline="0" noProof="0" dirty="0">
-                <a:ln>
-                  <a:noFill/>
-                </a:ln>
-                <a:solidFill>
-                  <a:prstClr val="black">
-                    <a:lumMod val="75000"/>
-                    <a:lumOff val="25000"/>
-                  </a:prstClr>
-                </a:solidFill>
-                <a:effectLst/>
-                <a:uLnTx/>
-                <a:uFillTx/>
-                <a:latin typeface="Exo 2 Medium" panose="00000600000000000000" pitchFamily="2" charset="-52"/>
-                <a:ea typeface="+mn-ea"/>
-                <a:cs typeface="+mn-cs"/>
-              </a:rPr>
-              <a:t>Скачиваем видео</a:t>
-            </a:r>
-            <a:r>
-              <a:rPr kumimoji="0" lang="en-US" sz="2400" b="0" i="0" u="none" strike="noStrike" kern="1200" cap="none" spc="0" normalizeH="0" baseline="0" noProof="0" dirty="0">
-                <a:ln>
-                  <a:noFill/>
-                </a:ln>
-                <a:solidFill>
-                  <a:prstClr val="black">
-                    <a:lumMod val="75000"/>
-                    <a:lumOff val="25000"/>
-                  </a:prstClr>
-                </a:solidFill>
-                <a:effectLst/>
-                <a:uLnTx/>
-                <a:uFillTx/>
-                <a:latin typeface="Exo 2 Medium" panose="00000600000000000000" pitchFamily="2" charset="-52"/>
-                <a:ea typeface="+mn-ea"/>
-                <a:cs typeface="+mn-cs"/>
-              </a:rPr>
-              <a:t>    </a:t>
-            </a:r>
-            <a:endParaRPr kumimoji="0" lang="ru-RU" sz="2400" b="0" i="0" u="none" strike="noStrike" kern="1200" cap="none" spc="0" normalizeH="0" baseline="0" noProof="0" dirty="0">
-              <a:ln>
-                <a:noFill/>
-              </a:ln>
-              <a:solidFill>
-                <a:prstClr val="black">
-                  <a:lumMod val="75000"/>
-                  <a:lumOff val="25000"/>
-                </a:prstClr>
-              </a:solidFill>
-              <a:effectLst/>
-              <a:uLnTx/>
-              <a:uFillTx/>
-              <a:latin typeface="Exo 2 Medium" panose="00000600000000000000" pitchFamily="2" charset="-52"/>
-              <a:ea typeface="+mn-ea"/>
-              <a:cs typeface="+mn-cs"/>
-            </a:endParaRPr>
-          </a:p>
-          <a:p>
-            <a:pPr marL="0" marR="0" lvl="0" indent="0" algn="just" defTabSz="914400" rtl="0" eaLnBrk="1" fontAlgn="auto" latinLnBrk="0" hangingPunct="1">
-              <a:lnSpc>
-                <a:spcPct val="100000"/>
-              </a:lnSpc>
-              <a:spcBef>
-                <a:spcPct val="20000"/>
-              </a:spcBef>
-              <a:spcAft>
-                <a:spcPts val="0"/>
-              </a:spcAft>
-              <a:buClr>
-                <a:srgbClr val="002A4F"/>
-              </a:buClr>
-              <a:buSzTx/>
-              <a:buNone/>
-              <a:tabLst/>
-              <a:defRPr/>
-            </a:pPr>
-            <a:r>
-              <a:rPr kumimoji="0" lang="ru-RU" sz="2400" b="0" i="0" u="none" strike="noStrike" kern="1200" cap="none" spc="0" normalizeH="0" baseline="0" noProof="0" dirty="0">
-                <a:ln>
-                  <a:noFill/>
-                </a:ln>
-                <a:solidFill>
-                  <a:prstClr val="black">
-                    <a:lumMod val="75000"/>
-                    <a:lumOff val="25000"/>
-                  </a:prstClr>
-                </a:solidFill>
-                <a:effectLst/>
-                <a:uLnTx/>
-                <a:uFillTx/>
-                <a:latin typeface="Exo 2 Medium" panose="00000600000000000000" pitchFamily="2" charset="-52"/>
-                <a:ea typeface="+mn-ea"/>
-                <a:cs typeface="+mn-cs"/>
-              </a:rPr>
-              <a:t>	</a:t>
-            </a:r>
-            <a:r>
-              <a:rPr kumimoji="0" lang="en-US" sz="2400" b="0" i="0" u="none" strike="noStrike" kern="1200" cap="none" spc="0" normalizeH="0" baseline="0" noProof="0" dirty="0">
-                <a:ln>
-                  <a:noFill/>
-                </a:ln>
-                <a:solidFill>
-                  <a:prstClr val="black">
-                    <a:lumMod val="75000"/>
-                    <a:lumOff val="25000"/>
-                  </a:prstClr>
-                </a:solidFill>
-                <a:effectLst/>
-                <a:uLnTx/>
-                <a:uFillTx/>
-                <a:latin typeface="Exo 2 Medium" panose="00000600000000000000" pitchFamily="2" charset="-52"/>
-                <a:ea typeface="+mn-ea"/>
-                <a:cs typeface="+mn-cs"/>
-              </a:rPr>
-              <a:t>public string description(string </a:t>
-            </a:r>
-            <a:r>
-              <a:rPr kumimoji="0" lang="en-US" sz="2400" b="0" i="0" u="none" strike="noStrike" kern="1200" cap="none" spc="0" normalizeH="0" baseline="0" noProof="0" dirty="0" err="1">
-                <a:ln>
-                  <a:noFill/>
-                </a:ln>
-                <a:solidFill>
-                  <a:prstClr val="black">
-                    <a:lumMod val="75000"/>
-                    <a:lumOff val="25000"/>
-                  </a:prstClr>
-                </a:solidFill>
-                <a:effectLst/>
-                <a:uLnTx/>
-                <a:uFillTx/>
-                <a:latin typeface="Exo 2 Medium" panose="00000600000000000000" pitchFamily="2" charset="-52"/>
-                <a:ea typeface="+mn-ea"/>
-                <a:cs typeface="+mn-cs"/>
-              </a:rPr>
-              <a:t>linck</a:t>
-            </a:r>
-            <a:r>
-              <a:rPr kumimoji="0" lang="en-US" sz="2400" b="0" i="0" u="none" strike="noStrike" kern="1200" cap="none" spc="0" normalizeH="0" baseline="0" noProof="0" dirty="0">
-                <a:ln>
-                  <a:noFill/>
-                </a:ln>
-                <a:solidFill>
-                  <a:prstClr val="black">
-                    <a:lumMod val="75000"/>
-                    <a:lumOff val="25000"/>
-                  </a:prstClr>
-                </a:solidFill>
-                <a:effectLst/>
-                <a:uLnTx/>
-                <a:uFillTx/>
-                <a:latin typeface="Exo 2 Medium" panose="00000600000000000000" pitchFamily="2" charset="-52"/>
-                <a:ea typeface="+mn-ea"/>
-                <a:cs typeface="+mn-cs"/>
-              </a:rPr>
-              <a:t>){</a:t>
-            </a:r>
-          </a:p>
-          <a:p>
-            <a:pPr marL="0" marR="0" lvl="0" indent="0" algn="just" defTabSz="914400" rtl="0" eaLnBrk="1" fontAlgn="auto" latinLnBrk="0" hangingPunct="1">
-              <a:lnSpc>
-                <a:spcPct val="100000"/>
-              </a:lnSpc>
-              <a:spcBef>
-                <a:spcPct val="20000"/>
-              </a:spcBef>
-              <a:spcAft>
-                <a:spcPts val="0"/>
-              </a:spcAft>
-              <a:buClr>
-                <a:srgbClr val="002A4F"/>
-              </a:buClr>
-              <a:buSzTx/>
-              <a:buNone/>
-              <a:tabLst/>
-              <a:defRPr/>
-            </a:pPr>
-            <a:r>
-              <a:rPr kumimoji="0" lang="ru-RU" sz="2400" b="0" i="0" u="none" strike="noStrike" kern="1200" cap="none" spc="0" normalizeH="0" baseline="0" noProof="0" dirty="0">
-                <a:ln>
-                  <a:noFill/>
-                </a:ln>
-                <a:solidFill>
-                  <a:prstClr val="black">
-                    <a:lumMod val="75000"/>
-                    <a:lumOff val="25000"/>
-                  </a:prstClr>
-                </a:solidFill>
-                <a:effectLst/>
-                <a:uLnTx/>
-                <a:uFillTx/>
-                <a:latin typeface="Exo 2 Medium" panose="00000600000000000000" pitchFamily="2" charset="-52"/>
-                <a:ea typeface="+mn-ea"/>
-                <a:cs typeface="+mn-cs"/>
-              </a:rPr>
-              <a:t>		</a:t>
-            </a:r>
-            <a:r>
-              <a:rPr kumimoji="0" lang="en-US" sz="2400" b="0" i="0" u="none" strike="noStrike" kern="1200" cap="none" spc="0" normalizeH="0" baseline="0" noProof="0" dirty="0">
-                <a:ln>
-                  <a:noFill/>
-                </a:ln>
-                <a:solidFill>
-                  <a:prstClr val="black">
-                    <a:lumMod val="75000"/>
-                    <a:lumOff val="25000"/>
-                  </a:prstClr>
-                </a:solidFill>
-                <a:effectLst/>
-                <a:uLnTx/>
-                <a:uFillTx/>
-                <a:latin typeface="Exo 2 Medium" panose="00000600000000000000" pitchFamily="2" charset="-52"/>
-                <a:ea typeface="+mn-ea"/>
-                <a:cs typeface="+mn-cs"/>
-              </a:rPr>
-              <a:t>return </a:t>
-            </a:r>
-            <a:r>
-              <a:rPr kumimoji="0" lang="en-US" sz="2400" b="0" i="0" u="none" strike="noStrike" kern="1200" cap="none" spc="0" normalizeH="0" baseline="0" noProof="0" dirty="0" err="1">
-                <a:ln>
-                  <a:noFill/>
-                </a:ln>
-                <a:solidFill>
-                  <a:prstClr val="black">
-                    <a:lumMod val="75000"/>
-                    <a:lumOff val="25000"/>
-                  </a:prstClr>
-                </a:solidFill>
-                <a:effectLst/>
-                <a:uLnTx/>
-                <a:uFillTx/>
-                <a:latin typeface="Exo 2 Medium" panose="00000600000000000000" pitchFamily="2" charset="-52"/>
-                <a:ea typeface="+mn-ea"/>
-                <a:cs typeface="+mn-cs"/>
-              </a:rPr>
-              <a:t>platform.get_description</a:t>
-            </a:r>
-            <a:r>
-              <a:rPr kumimoji="0" lang="en-US" sz="2400" b="0" i="0" u="none" strike="noStrike" kern="1200" cap="none" spc="0" normalizeH="0" baseline="0" noProof="0" dirty="0">
-                <a:ln>
-                  <a:noFill/>
-                </a:ln>
-                <a:solidFill>
-                  <a:prstClr val="black">
-                    <a:lumMod val="75000"/>
-                    <a:lumOff val="25000"/>
-                  </a:prstClr>
-                </a:solidFill>
-                <a:effectLst/>
-                <a:uLnTx/>
-                <a:uFillTx/>
-                <a:latin typeface="Exo 2 Medium" panose="00000600000000000000" pitchFamily="2" charset="-52"/>
-                <a:ea typeface="+mn-ea"/>
-                <a:cs typeface="+mn-cs"/>
-              </a:rPr>
-              <a:t>(</a:t>
-            </a:r>
-            <a:r>
-              <a:rPr kumimoji="0" lang="en-US" sz="2400" b="0" i="0" u="none" strike="noStrike" kern="1200" cap="none" spc="0" normalizeH="0" baseline="0" noProof="0" dirty="0" err="1">
-                <a:ln>
-                  <a:noFill/>
-                </a:ln>
-                <a:solidFill>
-                  <a:prstClr val="black">
-                    <a:lumMod val="75000"/>
-                    <a:lumOff val="25000"/>
-                  </a:prstClr>
-                </a:solidFill>
-                <a:effectLst/>
-                <a:uLnTx/>
-                <a:uFillTx/>
-                <a:latin typeface="Exo 2 Medium" panose="00000600000000000000" pitchFamily="2" charset="-52"/>
-                <a:ea typeface="+mn-ea"/>
-                <a:cs typeface="+mn-cs"/>
-              </a:rPr>
-              <a:t>linck</a:t>
-            </a:r>
-            <a:r>
-              <a:rPr kumimoji="0" lang="en-US" sz="2400" b="0" i="0" u="none" strike="noStrike" kern="1200" cap="none" spc="0" normalizeH="0" baseline="0" noProof="0" dirty="0">
-                <a:ln>
-                  <a:noFill/>
-                </a:ln>
-                <a:solidFill>
-                  <a:prstClr val="black">
-                    <a:lumMod val="75000"/>
-                    <a:lumOff val="25000"/>
-                  </a:prstClr>
-                </a:solidFill>
-                <a:effectLst/>
-                <a:uLnTx/>
-                <a:uFillTx/>
-                <a:latin typeface="Exo 2 Medium" panose="00000600000000000000" pitchFamily="2" charset="-52"/>
-                <a:ea typeface="+mn-ea"/>
-                <a:cs typeface="+mn-cs"/>
-              </a:rPr>
-              <a:t>); </a:t>
-            </a:r>
-          </a:p>
-          <a:p>
-            <a:pPr marL="0" marR="0" lvl="0" indent="0" algn="just" defTabSz="914400" rtl="0" eaLnBrk="1" fontAlgn="auto" latinLnBrk="0" hangingPunct="1">
-              <a:lnSpc>
-                <a:spcPct val="100000"/>
-              </a:lnSpc>
-              <a:spcBef>
-                <a:spcPct val="20000"/>
-              </a:spcBef>
-              <a:spcAft>
-                <a:spcPts val="0"/>
-              </a:spcAft>
-              <a:buClr>
-                <a:srgbClr val="002A4F"/>
-              </a:buClr>
-              <a:buSzTx/>
-              <a:buNone/>
-              <a:tabLst/>
-              <a:defRPr/>
-            </a:pPr>
-            <a:r>
-              <a:rPr kumimoji="0" lang="en-US" sz="2400" b="0" i="0" u="none" strike="noStrike" kern="1200" cap="none" spc="0" normalizeH="0" baseline="0" noProof="0" dirty="0">
-                <a:ln>
-                  <a:noFill/>
-                </a:ln>
-                <a:solidFill>
-                  <a:prstClr val="black">
-                    <a:lumMod val="75000"/>
-                    <a:lumOff val="25000"/>
-                  </a:prstClr>
-                </a:solidFill>
-                <a:effectLst/>
-                <a:uLnTx/>
-                <a:uFillTx/>
-                <a:latin typeface="Exo 2 Medium" panose="00000600000000000000" pitchFamily="2" charset="-52"/>
-                <a:ea typeface="+mn-ea"/>
-                <a:cs typeface="+mn-cs"/>
-              </a:rPr>
-              <a:t>    </a:t>
-            </a:r>
-            <a:r>
-              <a:rPr kumimoji="0" lang="ru-RU" sz="2400" b="0" i="0" u="none" strike="noStrike" kern="1200" cap="none" spc="0" normalizeH="0" baseline="0" noProof="0" dirty="0">
-                <a:ln>
-                  <a:noFill/>
-                </a:ln>
-                <a:solidFill>
-                  <a:prstClr val="black">
-                    <a:lumMod val="75000"/>
-                    <a:lumOff val="25000"/>
-                  </a:prstClr>
-                </a:solidFill>
-                <a:effectLst/>
-                <a:uLnTx/>
-                <a:uFillTx/>
-                <a:latin typeface="Exo 2 Medium" panose="00000600000000000000" pitchFamily="2" charset="-52"/>
-                <a:ea typeface="+mn-ea"/>
-                <a:cs typeface="+mn-cs"/>
-              </a:rPr>
-              <a:t>	</a:t>
-            </a:r>
-            <a:r>
-              <a:rPr kumimoji="0" lang="en-US" sz="2400" b="0" i="0" u="none" strike="noStrike" kern="1200" cap="none" spc="0" normalizeH="0" baseline="0" noProof="0" dirty="0">
-                <a:ln>
-                  <a:noFill/>
-                </a:ln>
-                <a:solidFill>
-                  <a:prstClr val="black">
-                    <a:lumMod val="75000"/>
-                    <a:lumOff val="25000"/>
-                  </a:prstClr>
-                </a:solidFill>
-                <a:effectLst/>
-                <a:uLnTx/>
-                <a:uFillTx/>
-                <a:latin typeface="Exo 2 Medium" panose="00000600000000000000" pitchFamily="2" charset="-52"/>
-                <a:ea typeface="+mn-ea"/>
-                <a:cs typeface="+mn-cs"/>
-              </a:rPr>
-              <a:t>}</a:t>
-            </a:r>
-          </a:p>
-          <a:p>
-            <a:pPr marL="0" marR="0" lvl="0" indent="0" algn="just" defTabSz="914400" rtl="0" eaLnBrk="1" fontAlgn="auto" latinLnBrk="0" hangingPunct="1">
-              <a:lnSpc>
-                <a:spcPct val="100000"/>
-              </a:lnSpc>
-              <a:spcBef>
-                <a:spcPct val="20000"/>
-              </a:spcBef>
-              <a:spcAft>
-                <a:spcPts val="0"/>
-              </a:spcAft>
-              <a:buClr>
-                <a:srgbClr val="002A4F"/>
-              </a:buClr>
-              <a:buSzTx/>
-              <a:buNone/>
-              <a:tabLst/>
-              <a:defRPr/>
-            </a:pPr>
-            <a:r>
-              <a:rPr kumimoji="0" lang="en-US" sz="2400" b="0" i="0" u="none" strike="noStrike" kern="1200" cap="none" spc="0" normalizeH="0" baseline="0" noProof="0" dirty="0">
-                <a:ln>
-                  <a:noFill/>
-                </a:ln>
-                <a:solidFill>
-                  <a:prstClr val="black">
-                    <a:lumMod val="75000"/>
-                    <a:lumOff val="25000"/>
-                  </a:prstClr>
-                </a:solidFill>
-                <a:effectLst/>
-                <a:uLnTx/>
-                <a:uFillTx/>
-                <a:latin typeface="Exo 2 Medium" panose="00000600000000000000" pitchFamily="2" charset="-52"/>
-                <a:ea typeface="+mn-ea"/>
-                <a:cs typeface="+mn-cs"/>
-              </a:rPr>
-              <a:t>}</a:t>
-            </a:r>
-          </a:p>
         </p:txBody>
       </p:sp>
       <p:sp>
@@ -12207,7 +12837,7 @@
           <p:cNvPr id="6" name="Текст 3">
             <a:extLst>
               <a:ext uri="{FF2B5EF4-FFF2-40B4-BE49-F238E27FC236}">
-                <a16:creationId xmlns:a16="http://schemas.microsoft.com/office/drawing/2014/main" id="{E7DA88EB-B077-47AE-A2F1-912A3794DCC0}"/>
+                <a16:creationId xmlns:a16="http://schemas.microsoft.com/office/drawing/2014/main" id="{08165B23-74DB-416B-ABC0-B0EAD4996969}"/>
               </a:ext>
             </a:extLst>
           </p:cNvPr>
@@ -12261,7 +12891,7 @@
     </p:spTree>
     <p:extLst>
       <p:ext uri="{BB962C8B-B14F-4D97-AF65-F5344CB8AC3E}">
-        <p14:creationId xmlns:p14="http://schemas.microsoft.com/office/powerpoint/2010/main" val="4155972044"/>
+        <p14:creationId xmlns:p14="http://schemas.microsoft.com/office/powerpoint/2010/main" val="340045762"/>
       </p:ext>
     </p:extLst>
   </p:cSld>
@@ -12341,7 +12971,7 @@
           <a:p>
             <a:r>
               <a:rPr lang="ru-RU" dirty="0"/>
-              <a:t>11</a:t>
+              <a:t>12</a:t>
             </a:r>
           </a:p>
         </p:txBody>
@@ -12405,28 +13035,28 @@
                 <a:ea typeface="+mn-ea"/>
                 <a:cs typeface="+mn-cs"/>
               </a:rPr>
-              <a:t>class Program{</a:t>
-            </a:r>
-          </a:p>
-          <a:p>
-            <a:pPr marL="0" marR="0" lvl="0" indent="0" algn="just" defTabSz="914400" rtl="0" eaLnBrk="1" fontAlgn="auto" latinLnBrk="0" hangingPunct="1">
-              <a:lnSpc>
-                <a:spcPct val="100000"/>
-              </a:lnSpc>
-              <a:spcBef>
-                <a:spcPct val="20000"/>
-              </a:spcBef>
-              <a:spcAft>
-                <a:spcPts val="0"/>
-              </a:spcAft>
-              <a:buClr>
-                <a:srgbClr val="002A4F"/>
-              </a:buClr>
-              <a:buSzTx/>
-              <a:buNone/>
-              <a:tabLst/>
-              <a:defRPr/>
-            </a:pPr>
+              <a:t>class </a:t>
+            </a:r>
+            <a:r>
+              <a:rPr kumimoji="0" lang="en-US" sz="2400" b="0" i="0" u="none" strike="noStrike" kern="1200" cap="none" spc="0" normalizeH="0" baseline="0" noProof="0" dirty="0" err="1">
+                <a:ln>
+                  <a:noFill/>
+                </a:ln>
+                <a:solidFill>
+                  <a:prstClr val="black">
+                    <a:lumMod val="75000"/>
+                    <a:lumOff val="25000"/>
+                  </a:prstClr>
+                </a:solidFill>
+                <a:effectLst/>
+                <a:uLnTx/>
+                <a:uFillTx/>
+                <a:latin typeface="Exo 2 Medium" panose="00000600000000000000" pitchFamily="2" charset="-52"/>
+                <a:ea typeface="+mn-ea"/>
+                <a:cs typeface="+mn-cs"/>
+              </a:rPr>
+              <a:t>SuperUser</a:t>
+            </a:r>
             <a:r>
               <a:rPr kumimoji="0" lang="en-US" sz="2400" b="0" i="0" u="none" strike="noStrike" kern="1200" cap="none" spc="0" normalizeH="0" baseline="0" noProof="0" dirty="0">
                 <a:ln>
@@ -12445,7 +13075,47 @@
                 <a:ea typeface="+mn-ea"/>
                 <a:cs typeface="+mn-cs"/>
               </a:rPr>
-              <a:t>static void Main(){</a:t>
+              <a:t>: </a:t>
+            </a:r>
+            <a:r>
+              <a:rPr kumimoji="0" lang="en-US" sz="2400" b="0" i="0" u="none" strike="noStrike" kern="1200" cap="none" spc="0" normalizeH="0" baseline="0" noProof="0" dirty="0" err="1">
+                <a:ln>
+                  <a:noFill/>
+                </a:ln>
+                <a:solidFill>
+                  <a:prstClr val="black">
+                    <a:lumMod val="75000"/>
+                    <a:lumOff val="25000"/>
+                  </a:prstClr>
+                </a:solidFill>
+                <a:effectLst/>
+                <a:uLnTx/>
+                <a:uFillTx/>
+                <a:latin typeface="Exo 2 Medium" panose="00000600000000000000" pitchFamily="2" charset="-52"/>
+                <a:ea typeface="+mn-ea"/>
+                <a:cs typeface="+mn-cs"/>
+              </a:rPr>
+              <a:t>BaseUser</a:t>
+            </a:r>
+            <a:r>
+              <a:rPr kumimoji="0" lang="en-US" sz="2400" b="0" i="0" u="none" strike="noStrike" kern="1200" cap="none" spc="0" normalizeH="0" baseline="0" noProof="0" dirty="0">
+                <a:ln>
+                  <a:noFill/>
+                </a:ln>
+                <a:solidFill>
+                  <a:prstClr val="black">
+                    <a:lumMod val="75000"/>
+                    <a:lumOff val="25000"/>
+                  </a:prstClr>
+                </a:solidFill>
+                <a:effectLst/>
+                <a:uLnTx/>
+                <a:uFillTx/>
+                <a:latin typeface="Exo 2 Medium" panose="00000600000000000000" pitchFamily="2" charset="-52"/>
+                <a:ea typeface="+mn-ea"/>
+                <a:cs typeface="+mn-cs"/>
+              </a:rPr>
+              <a:t>{</a:t>
             </a:r>
             <a:endParaRPr kumimoji="0" lang="ru-RU" sz="2400" b="0" i="0" u="none" strike="noStrike" kern="1200" cap="none" spc="0" normalizeH="0" baseline="0" noProof="0" dirty="0">
               <a:ln>
@@ -12502,7 +13172,7 @@
                 <a:ea typeface="+mn-ea"/>
                 <a:cs typeface="+mn-cs"/>
               </a:rPr>
-              <a:t>        </a:t>
+              <a:t>	</a:t>
             </a:r>
             <a:r>
               <a:rPr kumimoji="0" lang="en-US" sz="2400" b="0" i="0" u="none" strike="noStrike" kern="1200" cap="none" spc="0" normalizeH="0" baseline="0" noProof="0" dirty="0">
@@ -12522,10 +13192,10 @@
                 <a:ea typeface="+mn-ea"/>
                 <a:cs typeface="+mn-cs"/>
               </a:rPr>
-              <a:t>	YouTube platform = new YouTube(); // </a:t>
-            </a:r>
-            <a:r>
-              <a:rPr kumimoji="0" lang="ru-RU" sz="2400" b="0" i="0" u="none" strike="noStrike" kern="1200" cap="none" spc="0" normalizeH="0" baseline="0" noProof="0" dirty="0">
+              <a:t>public </a:t>
+            </a:r>
+            <a:r>
+              <a:rPr kumimoji="0" lang="en-US" sz="2400" b="0" i="0" u="none" strike="noStrike" kern="1200" cap="none" spc="0" normalizeH="0" baseline="0" noProof="0" dirty="0" err="1">
                 <a:ln>
                   <a:noFill/>
                 </a:ln>
@@ -12542,45 +13212,8 @@
                 <a:ea typeface="+mn-ea"/>
                 <a:cs typeface="+mn-cs"/>
               </a:rPr>
-              <a:t>Создаем объект-платформу</a:t>
-            </a:r>
-            <a:endParaRPr kumimoji="0" lang="en-US" sz="2400" b="0" i="0" u="none" strike="noStrike" kern="1200" cap="none" spc="0" normalizeH="0" baseline="0" noProof="0" dirty="0">
-              <a:ln>
-                <a:noFill/>
-              </a:ln>
-              <a:solidFill>
-                <a:prstClr val="black">
-                  <a:lumMod val="75000"/>
-                  <a:lumOff val="25000"/>
-                </a:prstClr>
-              </a:solidFill>
-              <a:effectLst/>
-              <a:uLnTx/>
-              <a:uFillTx/>
-              <a:latin typeface="Exo 2 Medium" panose="00000600000000000000" pitchFamily="2" charset="-52"/>
-              <a:ea typeface="+mn-ea"/>
-              <a:cs typeface="+mn-cs"/>
-            </a:endParaRPr>
-          </a:p>
-          <a:p>
-            <a:pPr marL="0" marR="0" lvl="0" indent="0" algn="just" defTabSz="914400" rtl="0" eaLnBrk="1" fontAlgn="auto" latinLnBrk="0" hangingPunct="1">
-              <a:lnSpc>
-                <a:spcPct val="100000"/>
-              </a:lnSpc>
-              <a:spcBef>
-                <a:spcPct val="20000"/>
-              </a:spcBef>
-              <a:spcAft>
-                <a:spcPts val="0"/>
-              </a:spcAft>
-              <a:buClr>
-                <a:srgbClr val="002A4F"/>
-              </a:buClr>
-              <a:buSzTx/>
-              <a:buNone/>
-              <a:tabLst/>
-              <a:defRPr/>
-            </a:pPr>
+              <a:t>SuperUser</a:t>
+            </a:r>
             <a:r>
               <a:rPr kumimoji="0" lang="en-US" sz="2400" b="0" i="0" u="none" strike="noStrike" kern="1200" cap="none" spc="0" normalizeH="0" baseline="0" noProof="0" dirty="0">
                 <a:ln>
@@ -12599,10 +13232,10 @@
                 <a:ea typeface="+mn-ea"/>
                 <a:cs typeface="+mn-cs"/>
               </a:rPr>
-              <a:t>        	// </a:t>
-            </a:r>
-            <a:r>
-              <a:rPr kumimoji="0" lang="ru-RU" sz="2400" b="0" i="0" u="none" strike="noStrike" kern="1200" cap="none" spc="0" normalizeH="0" baseline="0" noProof="0" dirty="0">
+              <a:t>(</a:t>
+            </a:r>
+            <a:r>
+              <a:rPr kumimoji="0" lang="en-US" sz="2400" b="0" i="0" u="none" strike="noStrike" kern="1200" cap="none" spc="0" normalizeH="0" baseline="0" noProof="0" dirty="0" err="1">
                 <a:ln>
                   <a:noFill/>
                 </a:ln>
@@ -12619,47 +13252,7 @@
                 <a:ea typeface="+mn-ea"/>
                 <a:cs typeface="+mn-cs"/>
               </a:rPr>
-              <a:t>Создаем объект-интерфейс </a:t>
-            </a:r>
-          </a:p>
-          <a:p>
-            <a:pPr marL="0" marR="0" lvl="0" indent="0" algn="just" defTabSz="914400" rtl="0" eaLnBrk="1" fontAlgn="auto" latinLnBrk="0" hangingPunct="1">
-              <a:lnSpc>
-                <a:spcPct val="100000"/>
-              </a:lnSpc>
-              <a:spcBef>
-                <a:spcPct val="20000"/>
-              </a:spcBef>
-              <a:spcAft>
-                <a:spcPts val="0"/>
-              </a:spcAft>
-              <a:buClr>
-                <a:srgbClr val="002A4F"/>
-              </a:buClr>
-              <a:buSzTx/>
-              <a:buNone/>
-              <a:tabLst/>
-              <a:defRPr/>
-            </a:pPr>
-            <a:r>
-              <a:rPr kumimoji="0" lang="ru-RU" sz="2400" b="0" i="0" u="none" strike="noStrike" kern="1200" cap="none" spc="0" normalizeH="0" baseline="0" noProof="0" dirty="0">
-                <a:ln>
-                  <a:noFill/>
-                </a:ln>
-                <a:solidFill>
-                  <a:prstClr val="black">
-                    <a:lumMod val="75000"/>
-                    <a:lumOff val="25000"/>
-                  </a:prstClr>
-                </a:solidFill>
-                <a:effectLst/>
-                <a:uLnTx/>
-                <a:uFillTx/>
-                <a:latin typeface="Exo 2 Medium" panose="00000600000000000000" pitchFamily="2" charset="-52"/>
-                <a:ea typeface="+mn-ea"/>
-                <a:cs typeface="+mn-cs"/>
-              </a:rPr>
-              <a:t>        </a:t>
+              <a:t>IPlatform</a:t>
             </a:r>
             <a:r>
               <a:rPr kumimoji="0" lang="en-US" sz="2400" b="0" i="0" u="none" strike="noStrike" kern="1200" cap="none" spc="0" normalizeH="0" baseline="0" noProof="0" dirty="0">
@@ -12679,684 +13272,7 @@
                 <a:ea typeface="+mn-ea"/>
                 <a:cs typeface="+mn-cs"/>
               </a:rPr>
-              <a:t>	</a:t>
-            </a:r>
-            <a:r>
-              <a:rPr kumimoji="0" lang="en-US" sz="2400" b="0" i="0" u="none" strike="noStrike" kern="1200" cap="none" spc="0" normalizeH="0" baseline="0" noProof="0" dirty="0" err="1">
-                <a:ln>
-                  <a:noFill/>
-                </a:ln>
-                <a:solidFill>
-                  <a:prstClr val="black">
-                    <a:lumMod val="75000"/>
-                    <a:lumOff val="25000"/>
-                  </a:prstClr>
-                </a:solidFill>
-                <a:effectLst/>
-                <a:uLnTx/>
-                <a:uFillTx/>
-                <a:latin typeface="Exo 2 Medium" panose="00000600000000000000" pitchFamily="2" charset="-52"/>
-                <a:ea typeface="+mn-ea"/>
-                <a:cs typeface="+mn-cs"/>
-              </a:rPr>
-              <a:t>BaseUser</a:t>
-            </a:r>
-            <a:r>
-              <a:rPr kumimoji="0" lang="en-US" sz="2400" b="0" i="0" u="none" strike="noStrike" kern="1200" cap="none" spc="0" normalizeH="0" baseline="0" noProof="0" dirty="0">
-                <a:ln>
-                  <a:noFill/>
-                </a:ln>
-                <a:solidFill>
-                  <a:prstClr val="black">
-                    <a:lumMod val="75000"/>
-                    <a:lumOff val="25000"/>
-                  </a:prstClr>
-                </a:solidFill>
-                <a:effectLst/>
-                <a:uLnTx/>
-                <a:uFillTx/>
-                <a:latin typeface="Exo 2 Medium" panose="00000600000000000000" pitchFamily="2" charset="-52"/>
-                <a:ea typeface="+mn-ea"/>
-                <a:cs typeface="+mn-cs"/>
-              </a:rPr>
-              <a:t> inter = new </a:t>
-            </a:r>
-            <a:r>
-              <a:rPr kumimoji="0" lang="en-US" sz="2400" b="0" i="0" u="none" strike="noStrike" kern="1200" cap="none" spc="0" normalizeH="0" baseline="0" noProof="0" dirty="0" err="1">
-                <a:ln>
-                  <a:noFill/>
-                </a:ln>
-                <a:solidFill>
-                  <a:prstClr val="black">
-                    <a:lumMod val="75000"/>
-                    <a:lumOff val="25000"/>
-                  </a:prstClr>
-                </a:solidFill>
-                <a:effectLst/>
-                <a:uLnTx/>
-                <a:uFillTx/>
-                <a:latin typeface="Exo 2 Medium" panose="00000600000000000000" pitchFamily="2" charset="-52"/>
-                <a:ea typeface="+mn-ea"/>
-                <a:cs typeface="+mn-cs"/>
-              </a:rPr>
-              <a:t>BaseUser</a:t>
-            </a:r>
-            <a:r>
-              <a:rPr kumimoji="0" lang="en-US" sz="2400" b="0" i="0" u="none" strike="noStrike" kern="1200" cap="none" spc="0" normalizeH="0" baseline="0" noProof="0" dirty="0">
-                <a:ln>
-                  <a:noFill/>
-                </a:ln>
-                <a:solidFill>
-                  <a:prstClr val="black">
-                    <a:lumMod val="75000"/>
-                    <a:lumOff val="25000"/>
-                  </a:prstClr>
-                </a:solidFill>
-                <a:effectLst/>
-                <a:uLnTx/>
-                <a:uFillTx/>
-                <a:latin typeface="Exo 2 Medium" panose="00000600000000000000" pitchFamily="2" charset="-52"/>
-                <a:ea typeface="+mn-ea"/>
-                <a:cs typeface="+mn-cs"/>
-              </a:rPr>
-              <a:t>(platform);</a:t>
-            </a:r>
-            <a:r>
-              <a:rPr kumimoji="0" lang="ru-RU" sz="2400" b="0" i="0" u="none" strike="noStrike" kern="1200" cap="none" spc="0" normalizeH="0" baseline="0" noProof="0" dirty="0">
-                <a:ln>
-                  <a:noFill/>
-                </a:ln>
-                <a:solidFill>
-                  <a:prstClr val="black">
-                    <a:lumMod val="75000"/>
-                    <a:lumOff val="25000"/>
-                  </a:prstClr>
-                </a:solidFill>
-                <a:effectLst/>
-                <a:uLnTx/>
-                <a:uFillTx/>
-                <a:latin typeface="Exo 2 Medium" panose="00000600000000000000" pitchFamily="2" charset="-52"/>
-                <a:ea typeface="+mn-ea"/>
-                <a:cs typeface="+mn-cs"/>
-              </a:rPr>
-              <a:t> //(в конструктор передаем платформу) </a:t>
-            </a:r>
-            <a:endParaRPr kumimoji="0" lang="en-US" sz="2400" b="0" i="0" u="none" strike="noStrike" kern="1200" cap="none" spc="0" normalizeH="0" baseline="0" noProof="0" dirty="0">
-              <a:ln>
-                <a:noFill/>
-              </a:ln>
-              <a:solidFill>
-                <a:prstClr val="black">
-                  <a:lumMod val="75000"/>
-                  <a:lumOff val="25000"/>
-                </a:prstClr>
-              </a:solidFill>
-              <a:effectLst/>
-              <a:uLnTx/>
-              <a:uFillTx/>
-              <a:latin typeface="Exo 2 Medium" panose="00000600000000000000" pitchFamily="2" charset="-52"/>
-              <a:ea typeface="+mn-ea"/>
-              <a:cs typeface="+mn-cs"/>
-            </a:endParaRPr>
-          </a:p>
-          <a:p>
-            <a:pPr marL="0" marR="0" lvl="0" indent="0" algn="just" defTabSz="914400" rtl="0" eaLnBrk="1" fontAlgn="auto" latinLnBrk="0" hangingPunct="1">
-              <a:lnSpc>
-                <a:spcPct val="100000"/>
-              </a:lnSpc>
-              <a:spcBef>
-                <a:spcPct val="20000"/>
-              </a:spcBef>
-              <a:spcAft>
-                <a:spcPts val="0"/>
-              </a:spcAft>
-              <a:buClr>
-                <a:srgbClr val="002A4F"/>
-              </a:buClr>
-              <a:buSzTx/>
-              <a:buNone/>
-              <a:tabLst/>
-              <a:defRPr/>
-            </a:pPr>
-            <a:r>
-              <a:rPr kumimoji="0" lang="en-US" sz="2400" b="0" i="0" u="none" strike="noStrike" kern="1200" cap="none" spc="0" normalizeH="0" baseline="0" noProof="0" dirty="0">
-                <a:ln>
-                  <a:noFill/>
-                </a:ln>
-                <a:solidFill>
-                  <a:prstClr val="black">
-                    <a:lumMod val="75000"/>
-                    <a:lumOff val="25000"/>
-                  </a:prstClr>
-                </a:solidFill>
-                <a:effectLst/>
-                <a:uLnTx/>
-                <a:uFillTx/>
-                <a:latin typeface="Exo 2 Medium" panose="00000600000000000000" pitchFamily="2" charset="-52"/>
-                <a:ea typeface="+mn-ea"/>
-                <a:cs typeface="+mn-cs"/>
-              </a:rPr>
-              <a:t>        	// </a:t>
-            </a:r>
-            <a:r>
-              <a:rPr kumimoji="0" lang="ru-RU" sz="2400" b="0" i="0" u="none" strike="noStrike" kern="1200" cap="none" spc="0" normalizeH="0" baseline="0" noProof="0" dirty="0">
-                <a:ln>
-                  <a:noFill/>
-                </a:ln>
-                <a:solidFill>
-                  <a:prstClr val="black">
-                    <a:lumMod val="75000"/>
-                    <a:lumOff val="25000"/>
-                  </a:prstClr>
-                </a:solidFill>
-                <a:effectLst/>
-                <a:uLnTx/>
-                <a:uFillTx/>
-                <a:latin typeface="Exo 2 Medium" panose="00000600000000000000" pitchFamily="2" charset="-52"/>
-                <a:ea typeface="+mn-ea"/>
-                <a:cs typeface="+mn-cs"/>
-              </a:rPr>
-              <a:t>Работаем с платформой через интерфейс</a:t>
-            </a:r>
-          </a:p>
-          <a:p>
-            <a:pPr marL="0" marR="0" lvl="0" indent="0" algn="just" defTabSz="914400" rtl="0" eaLnBrk="1" fontAlgn="auto" latinLnBrk="0" hangingPunct="1">
-              <a:lnSpc>
-                <a:spcPct val="100000"/>
-              </a:lnSpc>
-              <a:spcBef>
-                <a:spcPct val="20000"/>
-              </a:spcBef>
-              <a:spcAft>
-                <a:spcPts val="0"/>
-              </a:spcAft>
-              <a:buClr>
-                <a:srgbClr val="002A4F"/>
-              </a:buClr>
-              <a:buSzTx/>
-              <a:buNone/>
-              <a:tabLst/>
-              <a:defRPr/>
-            </a:pPr>
-            <a:r>
-              <a:rPr kumimoji="0" lang="ru-RU" sz="2400" b="0" i="0" u="none" strike="noStrike" kern="1200" cap="none" spc="0" normalizeH="0" baseline="0" noProof="0" dirty="0">
-                <a:ln>
-                  <a:noFill/>
-                </a:ln>
-                <a:solidFill>
-                  <a:prstClr val="black">
-                    <a:lumMod val="75000"/>
-                    <a:lumOff val="25000"/>
-                  </a:prstClr>
-                </a:solidFill>
-                <a:effectLst/>
-                <a:uLnTx/>
-                <a:uFillTx/>
-                <a:latin typeface="Exo 2 Medium" panose="00000600000000000000" pitchFamily="2" charset="-52"/>
-                <a:ea typeface="+mn-ea"/>
-                <a:cs typeface="+mn-cs"/>
-              </a:rPr>
-              <a:t>        </a:t>
-            </a:r>
-            <a:r>
-              <a:rPr kumimoji="0" lang="en-US" sz="2400" b="0" i="0" u="none" strike="noStrike" kern="1200" cap="none" spc="0" normalizeH="0" baseline="0" noProof="0" dirty="0">
-                <a:ln>
-                  <a:noFill/>
-                </a:ln>
-                <a:solidFill>
-                  <a:prstClr val="black">
-                    <a:lumMod val="75000"/>
-                    <a:lumOff val="25000"/>
-                  </a:prstClr>
-                </a:solidFill>
-                <a:effectLst/>
-                <a:uLnTx/>
-                <a:uFillTx/>
-                <a:latin typeface="Exo 2 Medium" panose="00000600000000000000" pitchFamily="2" charset="-52"/>
-                <a:ea typeface="+mn-ea"/>
-                <a:cs typeface="+mn-cs"/>
-              </a:rPr>
-              <a:t>	string res;</a:t>
-            </a:r>
-          </a:p>
-          <a:p>
-            <a:pPr marL="0" marR="0" lvl="0" indent="0" algn="just" defTabSz="914400" rtl="0" eaLnBrk="1" fontAlgn="auto" latinLnBrk="0" hangingPunct="1">
-              <a:lnSpc>
-                <a:spcPct val="100000"/>
-              </a:lnSpc>
-              <a:spcBef>
-                <a:spcPct val="20000"/>
-              </a:spcBef>
-              <a:spcAft>
-                <a:spcPts val="0"/>
-              </a:spcAft>
-              <a:buClr>
-                <a:srgbClr val="002A4F"/>
-              </a:buClr>
-              <a:buSzTx/>
-              <a:buNone/>
-              <a:tabLst/>
-              <a:defRPr/>
-            </a:pPr>
-            <a:r>
-              <a:rPr kumimoji="0" lang="en-US" sz="2400" b="0" i="0" u="none" strike="noStrike" kern="1200" cap="none" spc="0" normalizeH="0" baseline="0" noProof="0" dirty="0">
-                <a:ln>
-                  <a:noFill/>
-                </a:ln>
-                <a:solidFill>
-                  <a:prstClr val="black">
-                    <a:lumMod val="75000"/>
-                    <a:lumOff val="25000"/>
-                  </a:prstClr>
-                </a:solidFill>
-                <a:effectLst/>
-                <a:uLnTx/>
-                <a:uFillTx/>
-                <a:latin typeface="Exo 2 Medium" panose="00000600000000000000" pitchFamily="2" charset="-52"/>
-                <a:ea typeface="+mn-ea"/>
-                <a:cs typeface="+mn-cs"/>
-              </a:rPr>
-              <a:t>        	res = </a:t>
-            </a:r>
-            <a:r>
-              <a:rPr kumimoji="0" lang="en-US" sz="2400" b="0" i="0" u="none" strike="noStrike" kern="1200" cap="none" spc="0" normalizeH="0" baseline="0" noProof="0" dirty="0" err="1">
-                <a:ln>
-                  <a:noFill/>
-                </a:ln>
-                <a:solidFill>
-                  <a:prstClr val="black">
-                    <a:lumMod val="75000"/>
-                    <a:lumOff val="25000"/>
-                  </a:prstClr>
-                </a:solidFill>
-                <a:effectLst/>
-                <a:uLnTx/>
-                <a:uFillTx/>
-                <a:latin typeface="Exo 2 Medium" panose="00000600000000000000" pitchFamily="2" charset="-52"/>
-                <a:ea typeface="+mn-ea"/>
-                <a:cs typeface="+mn-cs"/>
-              </a:rPr>
-              <a:t>inter.description</a:t>
-            </a:r>
-            <a:r>
-              <a:rPr kumimoji="0" lang="en-US" sz="2400" b="0" i="0" u="none" strike="noStrike" kern="1200" cap="none" spc="0" normalizeH="0" baseline="0" noProof="0" dirty="0">
-                <a:ln>
-                  <a:noFill/>
-                </a:ln>
-                <a:solidFill>
-                  <a:prstClr val="black">
-                    <a:lumMod val="75000"/>
-                    <a:lumOff val="25000"/>
-                  </a:prstClr>
-                </a:solidFill>
-                <a:effectLst/>
-                <a:uLnTx/>
-                <a:uFillTx/>
-                <a:latin typeface="Exo 2 Medium" panose="00000600000000000000" pitchFamily="2" charset="-52"/>
-                <a:ea typeface="+mn-ea"/>
-                <a:cs typeface="+mn-cs"/>
-              </a:rPr>
-              <a:t>("https..."); // </a:t>
-            </a:r>
-            <a:r>
-              <a:rPr kumimoji="0" lang="ru-RU" sz="2400" b="0" i="0" u="none" strike="noStrike" kern="1200" cap="none" spc="0" normalizeH="0" baseline="0" noProof="0" dirty="0">
-                <a:ln>
-                  <a:noFill/>
-                </a:ln>
-                <a:solidFill>
-                  <a:prstClr val="black">
-                    <a:lumMod val="75000"/>
-                    <a:lumOff val="25000"/>
-                  </a:prstClr>
-                </a:solidFill>
-                <a:effectLst/>
-                <a:uLnTx/>
-                <a:uFillTx/>
-                <a:latin typeface="Exo 2 Medium" panose="00000600000000000000" pitchFamily="2" charset="-52"/>
-                <a:ea typeface="+mn-ea"/>
-                <a:cs typeface="+mn-cs"/>
-              </a:rPr>
-              <a:t>Получаем описание каково-то видео</a:t>
-            </a:r>
-          </a:p>
-          <a:p>
-            <a:pPr marL="0" marR="0" lvl="0" indent="0" algn="just" defTabSz="914400" rtl="0" eaLnBrk="1" fontAlgn="auto" latinLnBrk="0" hangingPunct="1">
-              <a:lnSpc>
-                <a:spcPct val="100000"/>
-              </a:lnSpc>
-              <a:spcBef>
-                <a:spcPct val="20000"/>
-              </a:spcBef>
-              <a:spcAft>
-                <a:spcPts val="0"/>
-              </a:spcAft>
-              <a:buClr>
-                <a:srgbClr val="002A4F"/>
-              </a:buClr>
-              <a:buSzTx/>
-              <a:buNone/>
-              <a:tabLst/>
-              <a:defRPr/>
-            </a:pPr>
-            <a:r>
-              <a:rPr kumimoji="0" lang="ru-RU" sz="2400" b="0" i="0" u="none" strike="noStrike" kern="1200" cap="none" spc="0" normalizeH="0" baseline="0" noProof="0" dirty="0">
-                <a:ln>
-                  <a:noFill/>
-                </a:ln>
-                <a:solidFill>
-                  <a:prstClr val="black">
-                    <a:lumMod val="75000"/>
-                    <a:lumOff val="25000"/>
-                  </a:prstClr>
-                </a:solidFill>
-                <a:effectLst/>
-                <a:uLnTx/>
-                <a:uFillTx/>
-                <a:latin typeface="Exo 2 Medium" panose="00000600000000000000" pitchFamily="2" charset="-52"/>
-                <a:ea typeface="+mn-ea"/>
-                <a:cs typeface="+mn-cs"/>
-              </a:rPr>
-              <a:t>        </a:t>
-            </a:r>
-            <a:r>
-              <a:rPr kumimoji="0" lang="en-US" sz="2400" b="0" i="0" u="none" strike="noStrike" kern="1200" cap="none" spc="0" normalizeH="0" baseline="0" noProof="0" dirty="0">
-                <a:ln>
-                  <a:noFill/>
-                </a:ln>
-                <a:solidFill>
-                  <a:prstClr val="black">
-                    <a:lumMod val="75000"/>
-                    <a:lumOff val="25000"/>
-                  </a:prstClr>
-                </a:solidFill>
-                <a:effectLst/>
-                <a:uLnTx/>
-                <a:uFillTx/>
-                <a:latin typeface="Exo 2 Medium" panose="00000600000000000000" pitchFamily="2" charset="-52"/>
-                <a:ea typeface="+mn-ea"/>
-                <a:cs typeface="+mn-cs"/>
-              </a:rPr>
-              <a:t>	</a:t>
-            </a:r>
-            <a:r>
-              <a:rPr kumimoji="0" lang="en-US" sz="2400" b="0" i="0" u="none" strike="noStrike" kern="1200" cap="none" spc="0" normalizeH="0" baseline="0" noProof="0" dirty="0" err="1">
-                <a:ln>
-                  <a:noFill/>
-                </a:ln>
-                <a:solidFill>
-                  <a:prstClr val="black">
-                    <a:lumMod val="75000"/>
-                    <a:lumOff val="25000"/>
-                  </a:prstClr>
-                </a:solidFill>
-                <a:effectLst/>
-                <a:uLnTx/>
-                <a:uFillTx/>
-                <a:latin typeface="Exo 2 Medium" panose="00000600000000000000" pitchFamily="2" charset="-52"/>
-                <a:ea typeface="+mn-ea"/>
-                <a:cs typeface="+mn-cs"/>
-              </a:rPr>
-              <a:t>Console.WriteLine</a:t>
-            </a:r>
-            <a:r>
-              <a:rPr kumimoji="0" lang="en-US" sz="2400" b="0" i="0" u="none" strike="noStrike" kern="1200" cap="none" spc="0" normalizeH="0" baseline="0" noProof="0" dirty="0">
-                <a:ln>
-                  <a:noFill/>
-                </a:ln>
-                <a:solidFill>
-                  <a:prstClr val="black">
-                    <a:lumMod val="75000"/>
-                    <a:lumOff val="25000"/>
-                  </a:prstClr>
-                </a:solidFill>
-                <a:effectLst/>
-                <a:uLnTx/>
-                <a:uFillTx/>
-                <a:latin typeface="Exo 2 Medium" panose="00000600000000000000" pitchFamily="2" charset="-52"/>
-                <a:ea typeface="+mn-ea"/>
-                <a:cs typeface="+mn-cs"/>
-              </a:rPr>
-              <a:t>($"Description: {res}");</a:t>
-            </a:r>
-          </a:p>
-          <a:p>
-            <a:pPr marL="0" marR="0" lvl="0" indent="0" algn="just" defTabSz="914400" rtl="0" eaLnBrk="1" fontAlgn="auto" latinLnBrk="0" hangingPunct="1">
-              <a:lnSpc>
-                <a:spcPct val="100000"/>
-              </a:lnSpc>
-              <a:spcBef>
-                <a:spcPct val="20000"/>
-              </a:spcBef>
-              <a:spcAft>
-                <a:spcPts val="0"/>
-              </a:spcAft>
-              <a:buClr>
-                <a:srgbClr val="002A4F"/>
-              </a:buClr>
-              <a:buSzTx/>
-              <a:buNone/>
-              <a:tabLst/>
-              <a:defRPr/>
-            </a:pPr>
-            <a:r>
-              <a:rPr kumimoji="0" lang="en-US" sz="2400" b="0" i="0" u="none" strike="noStrike" kern="1200" cap="none" spc="0" normalizeH="0" baseline="0" noProof="0" dirty="0">
-                <a:ln>
-                  <a:noFill/>
-                </a:ln>
-                <a:solidFill>
-                  <a:prstClr val="black">
-                    <a:lumMod val="75000"/>
-                    <a:lumOff val="25000"/>
-                  </a:prstClr>
-                </a:solidFill>
-                <a:effectLst/>
-                <a:uLnTx/>
-                <a:uFillTx/>
-                <a:latin typeface="Exo 2 Medium" panose="00000600000000000000" pitchFamily="2" charset="-52"/>
-                <a:ea typeface="+mn-ea"/>
-                <a:cs typeface="+mn-cs"/>
-              </a:rPr>
-              <a:t>        	res = </a:t>
-            </a:r>
-            <a:r>
-              <a:rPr kumimoji="0" lang="en-US" sz="2400" b="0" i="0" u="none" strike="noStrike" kern="1200" cap="none" spc="0" normalizeH="0" baseline="0" noProof="0" dirty="0" err="1">
-                <a:ln>
-                  <a:noFill/>
-                </a:ln>
-                <a:solidFill>
-                  <a:prstClr val="black">
-                    <a:lumMod val="75000"/>
-                    <a:lumOff val="25000"/>
-                  </a:prstClr>
-                </a:solidFill>
-                <a:effectLst/>
-                <a:uLnTx/>
-                <a:uFillTx/>
-                <a:latin typeface="Exo 2 Medium" panose="00000600000000000000" pitchFamily="2" charset="-52"/>
-                <a:ea typeface="+mn-ea"/>
-                <a:cs typeface="+mn-cs"/>
-              </a:rPr>
-              <a:t>inter.video</a:t>
-            </a:r>
-            <a:r>
-              <a:rPr kumimoji="0" lang="en-US" sz="2400" b="0" i="0" u="none" strike="noStrike" kern="1200" cap="none" spc="0" normalizeH="0" baseline="0" noProof="0" dirty="0">
-                <a:ln>
-                  <a:noFill/>
-                </a:ln>
-                <a:solidFill>
-                  <a:prstClr val="black">
-                    <a:lumMod val="75000"/>
-                    <a:lumOff val="25000"/>
-                  </a:prstClr>
-                </a:solidFill>
-                <a:effectLst/>
-                <a:uLnTx/>
-                <a:uFillTx/>
-                <a:latin typeface="Exo 2 Medium" panose="00000600000000000000" pitchFamily="2" charset="-52"/>
-                <a:ea typeface="+mn-ea"/>
-                <a:cs typeface="+mn-cs"/>
-              </a:rPr>
-              <a:t>("https://www.youtube...");// </a:t>
-            </a:r>
-            <a:r>
-              <a:rPr kumimoji="0" lang="ru-RU" sz="2400" b="0" i="0" u="none" strike="noStrike" kern="1200" cap="none" spc="0" normalizeH="0" baseline="0" noProof="0" dirty="0">
-                <a:ln>
-                  <a:noFill/>
-                </a:ln>
-                <a:solidFill>
-                  <a:prstClr val="black">
-                    <a:lumMod val="75000"/>
-                    <a:lumOff val="25000"/>
-                  </a:prstClr>
-                </a:solidFill>
-                <a:effectLst/>
-                <a:uLnTx/>
-                <a:uFillTx/>
-                <a:latin typeface="Exo 2 Medium" panose="00000600000000000000" pitchFamily="2" charset="-52"/>
-                <a:ea typeface="+mn-ea"/>
-                <a:cs typeface="+mn-cs"/>
-              </a:rPr>
-              <a:t>Скачиваем какое-то видео</a:t>
-            </a:r>
-          </a:p>
-          <a:p>
-            <a:pPr marL="0" marR="0" lvl="0" indent="0" algn="just" defTabSz="914400" rtl="0" eaLnBrk="1" fontAlgn="auto" latinLnBrk="0" hangingPunct="1">
-              <a:lnSpc>
-                <a:spcPct val="100000"/>
-              </a:lnSpc>
-              <a:spcBef>
-                <a:spcPct val="20000"/>
-              </a:spcBef>
-              <a:spcAft>
-                <a:spcPts val="0"/>
-              </a:spcAft>
-              <a:buClr>
-                <a:srgbClr val="002A4F"/>
-              </a:buClr>
-              <a:buSzTx/>
-              <a:buNone/>
-              <a:tabLst/>
-              <a:defRPr/>
-            </a:pPr>
-            <a:r>
-              <a:rPr kumimoji="0" lang="ru-RU" sz="2400" b="0" i="0" u="none" strike="noStrike" kern="1200" cap="none" spc="0" normalizeH="0" baseline="0" noProof="0" dirty="0">
-                <a:ln>
-                  <a:noFill/>
-                </a:ln>
-                <a:solidFill>
-                  <a:prstClr val="black">
-                    <a:lumMod val="75000"/>
-                    <a:lumOff val="25000"/>
-                  </a:prstClr>
-                </a:solidFill>
-                <a:effectLst/>
-                <a:uLnTx/>
-                <a:uFillTx/>
-                <a:latin typeface="Exo 2 Medium" panose="00000600000000000000" pitchFamily="2" charset="-52"/>
-                <a:ea typeface="+mn-ea"/>
-                <a:cs typeface="+mn-cs"/>
-              </a:rPr>
-              <a:t>        </a:t>
-            </a:r>
-            <a:r>
-              <a:rPr kumimoji="0" lang="en-US" sz="2400" b="0" i="0" u="none" strike="noStrike" kern="1200" cap="none" spc="0" normalizeH="0" baseline="0" noProof="0" dirty="0">
-                <a:ln>
-                  <a:noFill/>
-                </a:ln>
-                <a:solidFill>
-                  <a:prstClr val="black">
-                    <a:lumMod val="75000"/>
-                    <a:lumOff val="25000"/>
-                  </a:prstClr>
-                </a:solidFill>
-                <a:effectLst/>
-                <a:uLnTx/>
-                <a:uFillTx/>
-                <a:latin typeface="Exo 2 Medium" panose="00000600000000000000" pitchFamily="2" charset="-52"/>
-                <a:ea typeface="+mn-ea"/>
-                <a:cs typeface="+mn-cs"/>
-              </a:rPr>
-              <a:t>	</a:t>
-            </a:r>
-            <a:r>
-              <a:rPr kumimoji="0" lang="en-US" sz="2400" b="0" i="0" u="none" strike="noStrike" kern="1200" cap="none" spc="0" normalizeH="0" baseline="0" noProof="0" dirty="0" err="1">
-                <a:ln>
-                  <a:noFill/>
-                </a:ln>
-                <a:solidFill>
-                  <a:prstClr val="black">
-                    <a:lumMod val="75000"/>
-                    <a:lumOff val="25000"/>
-                  </a:prstClr>
-                </a:solidFill>
-                <a:effectLst/>
-                <a:uLnTx/>
-                <a:uFillTx/>
-                <a:latin typeface="Exo 2 Medium" panose="00000600000000000000" pitchFamily="2" charset="-52"/>
-                <a:ea typeface="+mn-ea"/>
-                <a:cs typeface="+mn-cs"/>
-              </a:rPr>
-              <a:t>Console.WriteLine</a:t>
-            </a:r>
-            <a:r>
-              <a:rPr kumimoji="0" lang="en-US" sz="2400" b="0" i="0" u="none" strike="noStrike" kern="1200" cap="none" spc="0" normalizeH="0" baseline="0" noProof="0" dirty="0">
-                <a:ln>
-                  <a:noFill/>
-                </a:ln>
-                <a:solidFill>
-                  <a:prstClr val="black">
-                    <a:lumMod val="75000"/>
-                    <a:lumOff val="25000"/>
-                  </a:prstClr>
-                </a:solidFill>
-                <a:effectLst/>
-                <a:uLnTx/>
-                <a:uFillTx/>
-                <a:latin typeface="Exo 2 Medium" panose="00000600000000000000" pitchFamily="2" charset="-52"/>
-                <a:ea typeface="+mn-ea"/>
-                <a:cs typeface="+mn-cs"/>
-              </a:rPr>
-              <a:t>($"Downloaded video: {res}");</a:t>
-            </a:r>
-          </a:p>
-          <a:p>
-            <a:pPr marL="0" marR="0" lvl="0" indent="0" algn="just" defTabSz="914400" rtl="0" eaLnBrk="1" fontAlgn="auto" latinLnBrk="0" hangingPunct="1">
-              <a:lnSpc>
-                <a:spcPct val="100000"/>
-              </a:lnSpc>
-              <a:spcBef>
-                <a:spcPct val="20000"/>
-              </a:spcBef>
-              <a:spcAft>
-                <a:spcPts val="0"/>
-              </a:spcAft>
-              <a:buClr>
-                <a:srgbClr val="002A4F"/>
-              </a:buClr>
-              <a:buSzTx/>
-              <a:buNone/>
-              <a:tabLst/>
-              <a:defRPr/>
-            </a:pPr>
-            <a:r>
-              <a:rPr kumimoji="0" lang="en-US" sz="2400" b="0" i="0" u="none" strike="noStrike" kern="1200" cap="none" spc="0" normalizeH="0" baseline="0" noProof="0" dirty="0">
-                <a:ln>
-                  <a:noFill/>
-                </a:ln>
-                <a:solidFill>
-                  <a:prstClr val="black">
-                    <a:lumMod val="75000"/>
-                    <a:lumOff val="25000"/>
-                  </a:prstClr>
-                </a:solidFill>
-                <a:effectLst/>
-                <a:uLnTx/>
-                <a:uFillTx/>
-                <a:latin typeface="Exo 2 Medium" panose="00000600000000000000" pitchFamily="2" charset="-52"/>
-                <a:ea typeface="+mn-ea"/>
-                <a:cs typeface="+mn-cs"/>
-              </a:rPr>
-              <a:t>}}</a:t>
+              <a:t> platform): base(platform){}</a:t>
             </a:r>
             <a:endParaRPr kumimoji="0" lang="ru-RU" sz="2400" b="0" i="0" u="none" strike="noStrike" kern="1200" cap="none" spc="0" normalizeH="0" baseline="0" noProof="0" dirty="0">
               <a:ln>
@@ -13376,6 +13292,861 @@
               <a:cs typeface="+mn-cs"/>
             </a:endParaRPr>
           </a:p>
+          <a:p>
+            <a:pPr marL="0" marR="0" lvl="0" indent="0" algn="just" defTabSz="914400" rtl="0" eaLnBrk="1" fontAlgn="auto" latinLnBrk="0" hangingPunct="1">
+              <a:lnSpc>
+                <a:spcPct val="100000"/>
+              </a:lnSpc>
+              <a:spcBef>
+                <a:spcPct val="20000"/>
+              </a:spcBef>
+              <a:spcAft>
+                <a:spcPts val="0"/>
+              </a:spcAft>
+              <a:buClr>
+                <a:srgbClr val="002A4F"/>
+              </a:buClr>
+              <a:buSzTx/>
+              <a:buNone/>
+              <a:tabLst/>
+              <a:defRPr/>
+            </a:pPr>
+            <a:r>
+              <a:rPr kumimoji="0" lang="ru-RU" sz="2400" b="0" i="0" u="none" strike="noStrike" kern="1200" cap="none" spc="0" normalizeH="0" baseline="0" noProof="0" dirty="0">
+                <a:ln>
+                  <a:noFill/>
+                </a:ln>
+                <a:solidFill>
+                  <a:prstClr val="black">
+                    <a:lumMod val="75000"/>
+                    <a:lumOff val="25000"/>
+                  </a:prstClr>
+                </a:solidFill>
+                <a:effectLst/>
+                <a:uLnTx/>
+                <a:uFillTx/>
+                <a:latin typeface="Exo 2 Medium" panose="00000600000000000000" pitchFamily="2" charset="-52"/>
+                <a:ea typeface="+mn-ea"/>
+                <a:cs typeface="+mn-cs"/>
+              </a:rPr>
+              <a:t>	/// Функция для выдачи автора видео</a:t>
+            </a:r>
+          </a:p>
+          <a:p>
+            <a:pPr marL="0" marR="0" lvl="0" indent="0" algn="just" defTabSz="914400" rtl="0" eaLnBrk="1" fontAlgn="auto" latinLnBrk="0" hangingPunct="1">
+              <a:lnSpc>
+                <a:spcPct val="100000"/>
+              </a:lnSpc>
+              <a:spcBef>
+                <a:spcPct val="20000"/>
+              </a:spcBef>
+              <a:spcAft>
+                <a:spcPts val="0"/>
+              </a:spcAft>
+              <a:buClr>
+                <a:srgbClr val="002A4F"/>
+              </a:buClr>
+              <a:buSzTx/>
+              <a:buNone/>
+              <a:tabLst/>
+              <a:defRPr/>
+            </a:pPr>
+            <a:r>
+              <a:rPr lang="ru-RU" sz="2400" dirty="0">
+                <a:solidFill>
+                  <a:prstClr val="black">
+                    <a:lumMod val="75000"/>
+                    <a:lumOff val="25000"/>
+                  </a:prstClr>
+                </a:solidFill>
+                <a:latin typeface="Exo 2 Medium" panose="00000600000000000000" pitchFamily="2" charset="-52"/>
+              </a:rPr>
+              <a:t>	</a:t>
+            </a:r>
+            <a:r>
+              <a:rPr kumimoji="0" lang="en-US" sz="2400" b="0" i="0" u="none" strike="noStrike" kern="1200" cap="none" spc="0" normalizeH="0" baseline="0" noProof="0" dirty="0">
+                <a:ln>
+                  <a:noFill/>
+                </a:ln>
+                <a:solidFill>
+                  <a:prstClr val="black">
+                    <a:lumMod val="75000"/>
+                    <a:lumOff val="25000"/>
+                  </a:prstClr>
+                </a:solidFill>
+                <a:effectLst/>
+                <a:uLnTx/>
+                <a:uFillTx/>
+                <a:latin typeface="Exo 2 Medium" panose="00000600000000000000" pitchFamily="2" charset="-52"/>
+                <a:ea typeface="+mn-ea"/>
+                <a:cs typeface="+mn-cs"/>
+              </a:rPr>
+              <a:t>public string author(string </a:t>
+            </a:r>
+            <a:r>
+              <a:rPr kumimoji="0" lang="en-US" sz="2400" b="0" i="0" u="none" strike="noStrike" kern="1200" cap="none" spc="0" normalizeH="0" baseline="0" noProof="0" dirty="0" err="1">
+                <a:ln>
+                  <a:noFill/>
+                </a:ln>
+                <a:solidFill>
+                  <a:prstClr val="black">
+                    <a:lumMod val="75000"/>
+                    <a:lumOff val="25000"/>
+                  </a:prstClr>
+                </a:solidFill>
+                <a:effectLst/>
+                <a:uLnTx/>
+                <a:uFillTx/>
+                <a:latin typeface="Exo 2 Medium" panose="00000600000000000000" pitchFamily="2" charset="-52"/>
+                <a:ea typeface="+mn-ea"/>
+                <a:cs typeface="+mn-cs"/>
+              </a:rPr>
+              <a:t>linck</a:t>
+            </a:r>
+            <a:r>
+              <a:rPr kumimoji="0" lang="en-US" sz="2400" b="0" i="0" u="none" strike="noStrike" kern="1200" cap="none" spc="0" normalizeH="0" baseline="0" noProof="0" dirty="0">
+                <a:ln>
+                  <a:noFill/>
+                </a:ln>
+                <a:solidFill>
+                  <a:prstClr val="black">
+                    <a:lumMod val="75000"/>
+                    <a:lumOff val="25000"/>
+                  </a:prstClr>
+                </a:solidFill>
+                <a:effectLst/>
+                <a:uLnTx/>
+                <a:uFillTx/>
+                <a:latin typeface="Exo 2 Medium" panose="00000600000000000000" pitchFamily="2" charset="-52"/>
+                <a:ea typeface="+mn-ea"/>
+                <a:cs typeface="+mn-cs"/>
+              </a:rPr>
+              <a:t>){</a:t>
+            </a:r>
+            <a:endParaRPr kumimoji="0" lang="ru-RU" sz="2400" b="0" i="0" u="none" strike="noStrike" kern="1200" cap="none" spc="0" normalizeH="0" baseline="0" noProof="0" dirty="0">
+              <a:ln>
+                <a:noFill/>
+              </a:ln>
+              <a:solidFill>
+                <a:prstClr val="black">
+                  <a:lumMod val="75000"/>
+                  <a:lumOff val="25000"/>
+                </a:prstClr>
+              </a:solidFill>
+              <a:effectLst/>
+              <a:uLnTx/>
+              <a:uFillTx/>
+              <a:latin typeface="Exo 2 Medium" panose="00000600000000000000" pitchFamily="2" charset="-52"/>
+              <a:ea typeface="+mn-ea"/>
+              <a:cs typeface="+mn-cs"/>
+            </a:endParaRPr>
+          </a:p>
+          <a:p>
+            <a:pPr marL="0" marR="0" lvl="0" indent="0" algn="just" defTabSz="914400" rtl="0" eaLnBrk="1" fontAlgn="auto" latinLnBrk="0" hangingPunct="1">
+              <a:lnSpc>
+                <a:spcPct val="100000"/>
+              </a:lnSpc>
+              <a:spcBef>
+                <a:spcPct val="20000"/>
+              </a:spcBef>
+              <a:spcAft>
+                <a:spcPts val="0"/>
+              </a:spcAft>
+              <a:buClr>
+                <a:srgbClr val="002A4F"/>
+              </a:buClr>
+              <a:buSzTx/>
+              <a:buNone/>
+              <a:tabLst/>
+              <a:defRPr/>
+            </a:pPr>
+            <a:r>
+              <a:rPr kumimoji="0" lang="ru-RU" sz="2400" b="0" i="0" u="none" strike="noStrike" kern="1200" cap="none" spc="0" normalizeH="0" baseline="0" noProof="0" dirty="0">
+                <a:ln>
+                  <a:noFill/>
+                </a:ln>
+                <a:solidFill>
+                  <a:prstClr val="black">
+                    <a:lumMod val="75000"/>
+                    <a:lumOff val="25000"/>
+                  </a:prstClr>
+                </a:solidFill>
+                <a:effectLst/>
+                <a:uLnTx/>
+                <a:uFillTx/>
+                <a:latin typeface="Exo 2 Medium" panose="00000600000000000000" pitchFamily="2" charset="-52"/>
+                <a:ea typeface="+mn-ea"/>
+                <a:cs typeface="+mn-cs"/>
+              </a:rPr>
+              <a:t>		</a:t>
+            </a:r>
+            <a:r>
+              <a:rPr kumimoji="0" lang="en-US" sz="2400" b="0" i="0" u="none" strike="noStrike" kern="1200" cap="none" spc="0" normalizeH="0" baseline="0" noProof="0" dirty="0">
+                <a:ln>
+                  <a:noFill/>
+                </a:ln>
+                <a:solidFill>
+                  <a:prstClr val="black">
+                    <a:lumMod val="75000"/>
+                    <a:lumOff val="25000"/>
+                  </a:prstClr>
+                </a:solidFill>
+                <a:effectLst/>
+                <a:uLnTx/>
+                <a:uFillTx/>
+                <a:latin typeface="Exo 2 Medium" panose="00000600000000000000" pitchFamily="2" charset="-52"/>
+                <a:ea typeface="+mn-ea"/>
+                <a:cs typeface="+mn-cs"/>
+              </a:rPr>
+              <a:t>return </a:t>
+            </a:r>
+            <a:r>
+              <a:rPr kumimoji="0" lang="en-US" sz="2400" b="0" i="0" u="none" strike="noStrike" kern="1200" cap="none" spc="0" normalizeH="0" baseline="0" noProof="0" dirty="0" err="1">
+                <a:ln>
+                  <a:noFill/>
+                </a:ln>
+                <a:solidFill>
+                  <a:prstClr val="black">
+                    <a:lumMod val="75000"/>
+                    <a:lumOff val="25000"/>
+                  </a:prstClr>
+                </a:solidFill>
+                <a:effectLst/>
+                <a:uLnTx/>
+                <a:uFillTx/>
+                <a:latin typeface="Exo 2 Medium" panose="00000600000000000000" pitchFamily="2" charset="-52"/>
+                <a:ea typeface="+mn-ea"/>
+                <a:cs typeface="+mn-cs"/>
+              </a:rPr>
+              <a:t>platform.get_author</a:t>
+            </a:r>
+            <a:r>
+              <a:rPr kumimoji="0" lang="en-US" sz="2400" b="0" i="0" u="none" strike="noStrike" kern="1200" cap="none" spc="0" normalizeH="0" baseline="0" noProof="0" dirty="0">
+                <a:ln>
+                  <a:noFill/>
+                </a:ln>
+                <a:solidFill>
+                  <a:prstClr val="black">
+                    <a:lumMod val="75000"/>
+                    <a:lumOff val="25000"/>
+                  </a:prstClr>
+                </a:solidFill>
+                <a:effectLst/>
+                <a:uLnTx/>
+                <a:uFillTx/>
+                <a:latin typeface="Exo 2 Medium" panose="00000600000000000000" pitchFamily="2" charset="-52"/>
+                <a:ea typeface="+mn-ea"/>
+                <a:cs typeface="+mn-cs"/>
+              </a:rPr>
+              <a:t>(</a:t>
+            </a:r>
+            <a:r>
+              <a:rPr kumimoji="0" lang="en-US" sz="2400" b="0" i="0" u="none" strike="noStrike" kern="1200" cap="none" spc="0" normalizeH="0" baseline="0" noProof="0" dirty="0" err="1">
+                <a:ln>
+                  <a:noFill/>
+                </a:ln>
+                <a:solidFill>
+                  <a:prstClr val="black">
+                    <a:lumMod val="75000"/>
+                    <a:lumOff val="25000"/>
+                  </a:prstClr>
+                </a:solidFill>
+                <a:effectLst/>
+                <a:uLnTx/>
+                <a:uFillTx/>
+                <a:latin typeface="Exo 2 Medium" panose="00000600000000000000" pitchFamily="2" charset="-52"/>
+                <a:ea typeface="+mn-ea"/>
+                <a:cs typeface="+mn-cs"/>
+              </a:rPr>
+              <a:t>linck</a:t>
+            </a:r>
+            <a:r>
+              <a:rPr kumimoji="0" lang="en-US" sz="2400" b="0" i="0" u="none" strike="noStrike" kern="1200" cap="none" spc="0" normalizeH="0" baseline="0" noProof="0" dirty="0">
+                <a:ln>
+                  <a:noFill/>
+                </a:ln>
+                <a:solidFill>
+                  <a:prstClr val="black">
+                    <a:lumMod val="75000"/>
+                    <a:lumOff val="25000"/>
+                  </a:prstClr>
+                </a:solidFill>
+                <a:effectLst/>
+                <a:uLnTx/>
+                <a:uFillTx/>
+                <a:latin typeface="Exo 2 Medium" panose="00000600000000000000" pitchFamily="2" charset="-52"/>
+                <a:ea typeface="+mn-ea"/>
+                <a:cs typeface="+mn-cs"/>
+              </a:rPr>
+              <a:t>);</a:t>
+            </a:r>
+            <a:endParaRPr kumimoji="0" lang="ru-RU" sz="2400" b="0" i="0" u="none" strike="noStrike" kern="1200" cap="none" spc="0" normalizeH="0" baseline="0" noProof="0" dirty="0">
+              <a:ln>
+                <a:noFill/>
+              </a:ln>
+              <a:solidFill>
+                <a:prstClr val="black">
+                  <a:lumMod val="75000"/>
+                  <a:lumOff val="25000"/>
+                </a:prstClr>
+              </a:solidFill>
+              <a:effectLst/>
+              <a:uLnTx/>
+              <a:uFillTx/>
+              <a:latin typeface="Exo 2 Medium" panose="00000600000000000000" pitchFamily="2" charset="-52"/>
+              <a:ea typeface="+mn-ea"/>
+              <a:cs typeface="+mn-cs"/>
+            </a:endParaRPr>
+          </a:p>
+          <a:p>
+            <a:pPr marL="0" marR="0" lvl="0" indent="0" algn="just" defTabSz="914400" rtl="0" eaLnBrk="1" fontAlgn="auto" latinLnBrk="0" hangingPunct="1">
+              <a:lnSpc>
+                <a:spcPct val="100000"/>
+              </a:lnSpc>
+              <a:spcBef>
+                <a:spcPct val="20000"/>
+              </a:spcBef>
+              <a:spcAft>
+                <a:spcPts val="0"/>
+              </a:spcAft>
+              <a:buClr>
+                <a:srgbClr val="002A4F"/>
+              </a:buClr>
+              <a:buSzTx/>
+              <a:buNone/>
+              <a:tabLst/>
+              <a:defRPr/>
+            </a:pPr>
+            <a:r>
+              <a:rPr lang="ru-RU" sz="2400" dirty="0">
+                <a:solidFill>
+                  <a:prstClr val="black">
+                    <a:lumMod val="75000"/>
+                    <a:lumOff val="25000"/>
+                  </a:prstClr>
+                </a:solidFill>
+                <a:latin typeface="Exo 2 Medium" panose="00000600000000000000" pitchFamily="2" charset="-52"/>
+              </a:rPr>
+              <a:t>	</a:t>
+            </a:r>
+            <a:r>
+              <a:rPr kumimoji="0" lang="en-US" sz="2400" b="0" i="0" u="none" strike="noStrike" kern="1200" cap="none" spc="0" normalizeH="0" baseline="0" noProof="0" dirty="0">
+                <a:ln>
+                  <a:noFill/>
+                </a:ln>
+                <a:solidFill>
+                  <a:prstClr val="black">
+                    <a:lumMod val="75000"/>
+                    <a:lumOff val="25000"/>
+                  </a:prstClr>
+                </a:solidFill>
+                <a:effectLst/>
+                <a:uLnTx/>
+                <a:uFillTx/>
+                <a:latin typeface="Exo 2 Medium" panose="00000600000000000000" pitchFamily="2" charset="-52"/>
+                <a:ea typeface="+mn-ea"/>
+                <a:cs typeface="+mn-cs"/>
+              </a:rPr>
+              <a:t>}</a:t>
+            </a:r>
+            <a:endParaRPr kumimoji="0" lang="ru-RU" sz="2400" b="0" i="0" u="none" strike="noStrike" kern="1200" cap="none" spc="0" normalizeH="0" baseline="0" noProof="0" dirty="0">
+              <a:ln>
+                <a:noFill/>
+              </a:ln>
+              <a:solidFill>
+                <a:prstClr val="black">
+                  <a:lumMod val="75000"/>
+                  <a:lumOff val="25000"/>
+                </a:prstClr>
+              </a:solidFill>
+              <a:effectLst/>
+              <a:uLnTx/>
+              <a:uFillTx/>
+              <a:latin typeface="Exo 2 Medium" panose="00000600000000000000" pitchFamily="2" charset="-52"/>
+              <a:ea typeface="+mn-ea"/>
+              <a:cs typeface="+mn-cs"/>
+            </a:endParaRPr>
+          </a:p>
+          <a:p>
+            <a:pPr marL="0" marR="0" lvl="0" indent="0" algn="just" defTabSz="914400" rtl="0" eaLnBrk="1" fontAlgn="auto" latinLnBrk="0" hangingPunct="1">
+              <a:lnSpc>
+                <a:spcPct val="100000"/>
+              </a:lnSpc>
+              <a:spcBef>
+                <a:spcPct val="20000"/>
+              </a:spcBef>
+              <a:spcAft>
+                <a:spcPts val="0"/>
+              </a:spcAft>
+              <a:buClr>
+                <a:srgbClr val="002A4F"/>
+              </a:buClr>
+              <a:buSzTx/>
+              <a:buNone/>
+              <a:tabLst/>
+              <a:defRPr/>
+            </a:pPr>
+            <a:r>
+              <a:rPr lang="ru-RU" sz="2400" dirty="0">
+                <a:solidFill>
+                  <a:prstClr val="black">
+                    <a:lumMod val="75000"/>
+                    <a:lumOff val="25000"/>
+                  </a:prstClr>
+                </a:solidFill>
+                <a:latin typeface="Exo 2 Medium" panose="00000600000000000000" pitchFamily="2" charset="-52"/>
+              </a:rPr>
+              <a:t>	/// Функция для выдачи количества просмотров у видео</a:t>
+            </a:r>
+          </a:p>
+          <a:p>
+            <a:pPr marL="0" marR="0" lvl="0" indent="0" algn="just" defTabSz="914400" rtl="0" eaLnBrk="1" fontAlgn="auto" latinLnBrk="0" hangingPunct="1">
+              <a:lnSpc>
+                <a:spcPct val="100000"/>
+              </a:lnSpc>
+              <a:spcBef>
+                <a:spcPct val="20000"/>
+              </a:spcBef>
+              <a:spcAft>
+                <a:spcPts val="0"/>
+              </a:spcAft>
+              <a:buClr>
+                <a:srgbClr val="002A4F"/>
+              </a:buClr>
+              <a:buSzTx/>
+              <a:buNone/>
+              <a:tabLst/>
+              <a:defRPr/>
+            </a:pPr>
+            <a:r>
+              <a:rPr kumimoji="0" lang="ru-RU" sz="2400" b="0" i="0" u="none" strike="noStrike" kern="1200" cap="none" spc="0" normalizeH="0" baseline="0" noProof="0" dirty="0">
+                <a:ln>
+                  <a:noFill/>
+                </a:ln>
+                <a:solidFill>
+                  <a:prstClr val="black">
+                    <a:lumMod val="75000"/>
+                    <a:lumOff val="25000"/>
+                  </a:prstClr>
+                </a:solidFill>
+                <a:effectLst/>
+                <a:uLnTx/>
+                <a:uFillTx/>
+                <a:latin typeface="Exo 2 Medium" panose="00000600000000000000" pitchFamily="2" charset="-52"/>
+                <a:ea typeface="+mn-ea"/>
+                <a:cs typeface="+mn-cs"/>
+              </a:rPr>
+              <a:t>	</a:t>
+            </a:r>
+            <a:r>
+              <a:rPr kumimoji="0" lang="en-US" sz="2400" b="0" i="0" u="none" strike="noStrike" kern="1200" cap="none" spc="0" normalizeH="0" baseline="0" noProof="0" dirty="0">
+                <a:ln>
+                  <a:noFill/>
+                </a:ln>
+                <a:solidFill>
+                  <a:prstClr val="black">
+                    <a:lumMod val="75000"/>
+                    <a:lumOff val="25000"/>
+                  </a:prstClr>
+                </a:solidFill>
+                <a:effectLst/>
+                <a:uLnTx/>
+                <a:uFillTx/>
+                <a:latin typeface="Exo 2 Medium" panose="00000600000000000000" pitchFamily="2" charset="-52"/>
+                <a:ea typeface="+mn-ea"/>
+                <a:cs typeface="+mn-cs"/>
+              </a:rPr>
+              <a:t>public int showers(string </a:t>
+            </a:r>
+            <a:r>
+              <a:rPr kumimoji="0" lang="en-US" sz="2400" b="0" i="0" u="none" strike="noStrike" kern="1200" cap="none" spc="0" normalizeH="0" baseline="0" noProof="0" dirty="0" err="1">
+                <a:ln>
+                  <a:noFill/>
+                </a:ln>
+                <a:solidFill>
+                  <a:prstClr val="black">
+                    <a:lumMod val="75000"/>
+                    <a:lumOff val="25000"/>
+                  </a:prstClr>
+                </a:solidFill>
+                <a:effectLst/>
+                <a:uLnTx/>
+                <a:uFillTx/>
+                <a:latin typeface="Exo 2 Medium" panose="00000600000000000000" pitchFamily="2" charset="-52"/>
+                <a:ea typeface="+mn-ea"/>
+                <a:cs typeface="+mn-cs"/>
+              </a:rPr>
+              <a:t>linck</a:t>
+            </a:r>
+            <a:r>
+              <a:rPr kumimoji="0" lang="en-US" sz="2400" b="0" i="0" u="none" strike="noStrike" kern="1200" cap="none" spc="0" normalizeH="0" baseline="0" noProof="0" dirty="0">
+                <a:ln>
+                  <a:noFill/>
+                </a:ln>
+                <a:solidFill>
+                  <a:prstClr val="black">
+                    <a:lumMod val="75000"/>
+                    <a:lumOff val="25000"/>
+                  </a:prstClr>
+                </a:solidFill>
+                <a:effectLst/>
+                <a:uLnTx/>
+                <a:uFillTx/>
+                <a:latin typeface="Exo 2 Medium" panose="00000600000000000000" pitchFamily="2" charset="-52"/>
+                <a:ea typeface="+mn-ea"/>
+                <a:cs typeface="+mn-cs"/>
+              </a:rPr>
+              <a:t>){</a:t>
+            </a:r>
+            <a:endParaRPr kumimoji="0" lang="ru-RU" sz="2400" b="0" i="0" u="none" strike="noStrike" kern="1200" cap="none" spc="0" normalizeH="0" baseline="0" noProof="0" dirty="0">
+              <a:ln>
+                <a:noFill/>
+              </a:ln>
+              <a:solidFill>
+                <a:prstClr val="black">
+                  <a:lumMod val="75000"/>
+                  <a:lumOff val="25000"/>
+                </a:prstClr>
+              </a:solidFill>
+              <a:effectLst/>
+              <a:uLnTx/>
+              <a:uFillTx/>
+              <a:latin typeface="Exo 2 Medium" panose="00000600000000000000" pitchFamily="2" charset="-52"/>
+              <a:ea typeface="+mn-ea"/>
+              <a:cs typeface="+mn-cs"/>
+            </a:endParaRPr>
+          </a:p>
+          <a:p>
+            <a:pPr marL="0" marR="0" lvl="0" indent="0" algn="just" defTabSz="914400" rtl="0" eaLnBrk="1" fontAlgn="auto" latinLnBrk="0" hangingPunct="1">
+              <a:lnSpc>
+                <a:spcPct val="100000"/>
+              </a:lnSpc>
+              <a:spcBef>
+                <a:spcPct val="20000"/>
+              </a:spcBef>
+              <a:spcAft>
+                <a:spcPts val="0"/>
+              </a:spcAft>
+              <a:buClr>
+                <a:srgbClr val="002A4F"/>
+              </a:buClr>
+              <a:buSzTx/>
+              <a:buNone/>
+              <a:tabLst/>
+              <a:defRPr/>
+            </a:pPr>
+            <a:r>
+              <a:rPr kumimoji="0" lang="ru-RU" sz="2400" b="0" i="0" u="none" strike="noStrike" kern="1200" cap="none" spc="0" normalizeH="0" baseline="0" noProof="0" dirty="0">
+                <a:ln>
+                  <a:noFill/>
+                </a:ln>
+                <a:solidFill>
+                  <a:prstClr val="black">
+                    <a:lumMod val="75000"/>
+                    <a:lumOff val="25000"/>
+                  </a:prstClr>
+                </a:solidFill>
+                <a:effectLst/>
+                <a:uLnTx/>
+                <a:uFillTx/>
+                <a:latin typeface="Exo 2 Medium" panose="00000600000000000000" pitchFamily="2" charset="-52"/>
+                <a:ea typeface="+mn-ea"/>
+                <a:cs typeface="+mn-cs"/>
+              </a:rPr>
+              <a:t>		</a:t>
+            </a:r>
+            <a:r>
+              <a:rPr kumimoji="0" lang="en-US" sz="2400" b="0" i="0" u="none" strike="noStrike" kern="1200" cap="none" spc="0" normalizeH="0" baseline="0" noProof="0" dirty="0">
+                <a:ln>
+                  <a:noFill/>
+                </a:ln>
+                <a:solidFill>
+                  <a:prstClr val="black">
+                    <a:lumMod val="75000"/>
+                    <a:lumOff val="25000"/>
+                  </a:prstClr>
+                </a:solidFill>
+                <a:effectLst/>
+                <a:uLnTx/>
+                <a:uFillTx/>
+                <a:latin typeface="Exo 2 Medium" panose="00000600000000000000" pitchFamily="2" charset="-52"/>
+                <a:ea typeface="+mn-ea"/>
+                <a:cs typeface="+mn-cs"/>
+              </a:rPr>
+              <a:t>return </a:t>
+            </a:r>
+            <a:r>
+              <a:rPr kumimoji="0" lang="en-US" sz="2400" b="0" i="0" u="none" strike="noStrike" kern="1200" cap="none" spc="0" normalizeH="0" baseline="0" noProof="0" dirty="0" err="1">
+                <a:ln>
+                  <a:noFill/>
+                </a:ln>
+                <a:solidFill>
+                  <a:prstClr val="black">
+                    <a:lumMod val="75000"/>
+                    <a:lumOff val="25000"/>
+                  </a:prstClr>
+                </a:solidFill>
+                <a:effectLst/>
+                <a:uLnTx/>
+                <a:uFillTx/>
+                <a:latin typeface="Exo 2 Medium" panose="00000600000000000000" pitchFamily="2" charset="-52"/>
+                <a:ea typeface="+mn-ea"/>
+                <a:cs typeface="+mn-cs"/>
+              </a:rPr>
+              <a:t>platform.get_showers</a:t>
+            </a:r>
+            <a:r>
+              <a:rPr kumimoji="0" lang="en-US" sz="2400" b="0" i="0" u="none" strike="noStrike" kern="1200" cap="none" spc="0" normalizeH="0" baseline="0" noProof="0" dirty="0">
+                <a:ln>
+                  <a:noFill/>
+                </a:ln>
+                <a:solidFill>
+                  <a:prstClr val="black">
+                    <a:lumMod val="75000"/>
+                    <a:lumOff val="25000"/>
+                  </a:prstClr>
+                </a:solidFill>
+                <a:effectLst/>
+                <a:uLnTx/>
+                <a:uFillTx/>
+                <a:latin typeface="Exo 2 Medium" panose="00000600000000000000" pitchFamily="2" charset="-52"/>
+                <a:ea typeface="+mn-ea"/>
+                <a:cs typeface="+mn-cs"/>
+              </a:rPr>
+              <a:t>(</a:t>
+            </a:r>
+            <a:r>
+              <a:rPr kumimoji="0" lang="en-US" sz="2400" b="0" i="0" u="none" strike="noStrike" kern="1200" cap="none" spc="0" normalizeH="0" baseline="0" noProof="0" dirty="0" err="1">
+                <a:ln>
+                  <a:noFill/>
+                </a:ln>
+                <a:solidFill>
+                  <a:prstClr val="black">
+                    <a:lumMod val="75000"/>
+                    <a:lumOff val="25000"/>
+                  </a:prstClr>
+                </a:solidFill>
+                <a:effectLst/>
+                <a:uLnTx/>
+                <a:uFillTx/>
+                <a:latin typeface="Exo 2 Medium" panose="00000600000000000000" pitchFamily="2" charset="-52"/>
+                <a:ea typeface="+mn-ea"/>
+                <a:cs typeface="+mn-cs"/>
+              </a:rPr>
+              <a:t>linck</a:t>
+            </a:r>
+            <a:r>
+              <a:rPr kumimoji="0" lang="en-US" sz="2400" b="0" i="0" u="none" strike="noStrike" kern="1200" cap="none" spc="0" normalizeH="0" baseline="0" noProof="0" dirty="0">
+                <a:ln>
+                  <a:noFill/>
+                </a:ln>
+                <a:solidFill>
+                  <a:prstClr val="black">
+                    <a:lumMod val="75000"/>
+                    <a:lumOff val="25000"/>
+                  </a:prstClr>
+                </a:solidFill>
+                <a:effectLst/>
+                <a:uLnTx/>
+                <a:uFillTx/>
+                <a:latin typeface="Exo 2 Medium" panose="00000600000000000000" pitchFamily="2" charset="-52"/>
+                <a:ea typeface="+mn-ea"/>
+                <a:cs typeface="+mn-cs"/>
+              </a:rPr>
+              <a:t>); </a:t>
+            </a:r>
+            <a:endParaRPr kumimoji="0" lang="ru-RU" sz="2400" b="0" i="0" u="none" strike="noStrike" kern="1200" cap="none" spc="0" normalizeH="0" baseline="0" noProof="0" dirty="0">
+              <a:ln>
+                <a:noFill/>
+              </a:ln>
+              <a:solidFill>
+                <a:prstClr val="black">
+                  <a:lumMod val="75000"/>
+                  <a:lumOff val="25000"/>
+                </a:prstClr>
+              </a:solidFill>
+              <a:effectLst/>
+              <a:uLnTx/>
+              <a:uFillTx/>
+              <a:latin typeface="Exo 2 Medium" panose="00000600000000000000" pitchFamily="2" charset="-52"/>
+              <a:ea typeface="+mn-ea"/>
+              <a:cs typeface="+mn-cs"/>
+            </a:endParaRPr>
+          </a:p>
+          <a:p>
+            <a:pPr marL="0" marR="0" lvl="0" indent="0" algn="just" defTabSz="914400" rtl="0" eaLnBrk="1" fontAlgn="auto" latinLnBrk="0" hangingPunct="1">
+              <a:lnSpc>
+                <a:spcPct val="100000"/>
+              </a:lnSpc>
+              <a:spcBef>
+                <a:spcPct val="20000"/>
+              </a:spcBef>
+              <a:spcAft>
+                <a:spcPts val="0"/>
+              </a:spcAft>
+              <a:buClr>
+                <a:srgbClr val="002A4F"/>
+              </a:buClr>
+              <a:buSzTx/>
+              <a:buNone/>
+              <a:tabLst/>
+              <a:defRPr/>
+            </a:pPr>
+            <a:r>
+              <a:rPr kumimoji="0" lang="ru-RU" sz="2400" b="0" i="0" u="none" strike="noStrike" kern="1200" cap="none" spc="0" normalizeH="0" baseline="0" noProof="0" dirty="0">
+                <a:ln>
+                  <a:noFill/>
+                </a:ln>
+                <a:solidFill>
+                  <a:prstClr val="black">
+                    <a:lumMod val="75000"/>
+                    <a:lumOff val="25000"/>
+                  </a:prstClr>
+                </a:solidFill>
+                <a:effectLst/>
+                <a:uLnTx/>
+                <a:uFillTx/>
+                <a:latin typeface="Exo 2 Medium" panose="00000600000000000000" pitchFamily="2" charset="-52"/>
+                <a:ea typeface="+mn-ea"/>
+                <a:cs typeface="+mn-cs"/>
+              </a:rPr>
+              <a:t>	</a:t>
+            </a:r>
+            <a:r>
+              <a:rPr kumimoji="0" lang="en-US" sz="2400" b="0" i="0" u="none" strike="noStrike" kern="1200" cap="none" spc="0" normalizeH="0" baseline="0" noProof="0" dirty="0">
+                <a:ln>
+                  <a:noFill/>
+                </a:ln>
+                <a:solidFill>
+                  <a:prstClr val="black">
+                    <a:lumMod val="75000"/>
+                    <a:lumOff val="25000"/>
+                  </a:prstClr>
+                </a:solidFill>
+                <a:effectLst/>
+                <a:uLnTx/>
+                <a:uFillTx/>
+                <a:latin typeface="Exo 2 Medium" panose="00000600000000000000" pitchFamily="2" charset="-52"/>
+                <a:ea typeface="+mn-ea"/>
+                <a:cs typeface="+mn-cs"/>
+              </a:rPr>
+              <a:t>}</a:t>
+            </a:r>
+            <a:endParaRPr kumimoji="0" lang="ru-RU" sz="2400" b="0" i="0" u="none" strike="noStrike" kern="1200" cap="none" spc="0" normalizeH="0" baseline="0" noProof="0" dirty="0">
+              <a:ln>
+                <a:noFill/>
+              </a:ln>
+              <a:solidFill>
+                <a:prstClr val="black">
+                  <a:lumMod val="75000"/>
+                  <a:lumOff val="25000"/>
+                </a:prstClr>
+              </a:solidFill>
+              <a:effectLst/>
+              <a:uLnTx/>
+              <a:uFillTx/>
+              <a:latin typeface="Exo 2 Medium" panose="00000600000000000000" pitchFamily="2" charset="-52"/>
+              <a:ea typeface="+mn-ea"/>
+              <a:cs typeface="+mn-cs"/>
+            </a:endParaRPr>
+          </a:p>
+          <a:p>
+            <a:pPr marL="0" marR="0" lvl="0" indent="0" algn="just" defTabSz="914400" rtl="0" eaLnBrk="1" fontAlgn="auto" latinLnBrk="0" hangingPunct="1">
+              <a:lnSpc>
+                <a:spcPct val="100000"/>
+              </a:lnSpc>
+              <a:spcBef>
+                <a:spcPct val="20000"/>
+              </a:spcBef>
+              <a:spcAft>
+                <a:spcPts val="0"/>
+              </a:spcAft>
+              <a:buClr>
+                <a:srgbClr val="002A4F"/>
+              </a:buClr>
+              <a:buSzTx/>
+              <a:buNone/>
+              <a:tabLst/>
+              <a:defRPr/>
+            </a:pPr>
+            <a:r>
+              <a:rPr kumimoji="0" lang="ru-RU" sz="2400" b="0" i="0" u="none" strike="noStrike" kern="1200" cap="none" spc="0" normalizeH="0" baseline="0" noProof="0" dirty="0">
+                <a:ln>
+                  <a:noFill/>
+                </a:ln>
+                <a:solidFill>
+                  <a:prstClr val="black">
+                    <a:lumMod val="75000"/>
+                    <a:lumOff val="25000"/>
+                  </a:prstClr>
+                </a:solidFill>
+                <a:effectLst/>
+                <a:uLnTx/>
+                <a:uFillTx/>
+                <a:latin typeface="Exo 2 Medium" panose="00000600000000000000" pitchFamily="2" charset="-52"/>
+                <a:ea typeface="+mn-ea"/>
+                <a:cs typeface="+mn-cs"/>
+              </a:rPr>
+              <a:t>	///…</a:t>
+            </a:r>
+          </a:p>
+          <a:p>
+            <a:pPr marL="0" marR="0" lvl="0" indent="0" algn="just" defTabSz="914400" rtl="0" eaLnBrk="1" fontAlgn="auto" latinLnBrk="0" hangingPunct="1">
+              <a:lnSpc>
+                <a:spcPct val="100000"/>
+              </a:lnSpc>
+              <a:spcBef>
+                <a:spcPct val="20000"/>
+              </a:spcBef>
+              <a:spcAft>
+                <a:spcPts val="0"/>
+              </a:spcAft>
+              <a:buClr>
+                <a:srgbClr val="002A4F"/>
+              </a:buClr>
+              <a:buSzTx/>
+              <a:buNone/>
+              <a:tabLst/>
+              <a:defRPr/>
+            </a:pPr>
+            <a:r>
+              <a:rPr kumimoji="0" lang="en-US" sz="2400" b="0" i="0" u="none" strike="noStrike" kern="1200" cap="none" spc="0" normalizeH="0" baseline="0" noProof="0" dirty="0">
+                <a:ln>
+                  <a:noFill/>
+                </a:ln>
+                <a:solidFill>
+                  <a:prstClr val="black">
+                    <a:lumMod val="75000"/>
+                    <a:lumOff val="25000"/>
+                  </a:prstClr>
+                </a:solidFill>
+                <a:effectLst/>
+                <a:uLnTx/>
+                <a:uFillTx/>
+                <a:latin typeface="Exo 2 Medium" panose="00000600000000000000" pitchFamily="2" charset="-52"/>
+                <a:ea typeface="+mn-ea"/>
+                <a:cs typeface="+mn-cs"/>
+              </a:rPr>
+              <a:t>}</a:t>
+            </a:r>
+            <a:endParaRPr kumimoji="0" lang="ru-RU" sz="2400" b="0" i="0" u="none" strike="noStrike" kern="1200" cap="none" spc="0" normalizeH="0" baseline="0" noProof="0" dirty="0">
+              <a:ln>
+                <a:noFill/>
+              </a:ln>
+              <a:solidFill>
+                <a:prstClr val="black">
+                  <a:lumMod val="75000"/>
+                  <a:lumOff val="25000"/>
+                </a:prstClr>
+              </a:solidFill>
+              <a:effectLst/>
+              <a:uLnTx/>
+              <a:uFillTx/>
+              <a:latin typeface="Exo 2 Medium" panose="00000600000000000000" pitchFamily="2" charset="-52"/>
+              <a:ea typeface="+mn-ea"/>
+              <a:cs typeface="+mn-cs"/>
+            </a:endParaRPr>
+          </a:p>
         </p:txBody>
       </p:sp>
       <p:sp>
@@ -13383,7 +14154,7 @@
           <p:cNvPr id="6" name="Текст 3">
             <a:extLst>
               <a:ext uri="{FF2B5EF4-FFF2-40B4-BE49-F238E27FC236}">
-                <a16:creationId xmlns:a16="http://schemas.microsoft.com/office/drawing/2014/main" id="{08165B23-74DB-416B-ABC0-B0EAD4996969}"/>
+                <a16:creationId xmlns:a16="http://schemas.microsoft.com/office/drawing/2014/main" id="{CBA32AE0-DBCF-4977-B2D3-1FB78BF0C714}"/>
               </a:ext>
             </a:extLst>
           </p:cNvPr>
@@ -13437,7 +14208,7 @@
     </p:spTree>
     <p:extLst>
       <p:ext uri="{BB962C8B-B14F-4D97-AF65-F5344CB8AC3E}">
-        <p14:creationId xmlns:p14="http://schemas.microsoft.com/office/powerpoint/2010/main" val="340045762"/>
+        <p14:creationId xmlns:p14="http://schemas.microsoft.com/office/powerpoint/2010/main" val="1305640598"/>
       </p:ext>
     </p:extLst>
   </p:cSld>
@@ -13489,1323 +14260,6 @@
               <a:rPr lang="ru-RU" sz="3600" dirty="0">
                 <a:latin typeface="Exo 2 Medium" panose="00000600000000000000" pitchFamily="2" charset="-52"/>
               </a:rPr>
-              <a:t>Реализация паттерна</a:t>
-            </a:r>
-          </a:p>
-        </p:txBody>
-      </p:sp>
-      <p:sp>
-        <p:nvSpPr>
-          <p:cNvPr id="3" name="Текст 2">
-            <a:extLst>
-              <a:ext uri="{FF2B5EF4-FFF2-40B4-BE49-F238E27FC236}">
-                <a16:creationId xmlns:a16="http://schemas.microsoft.com/office/drawing/2014/main" id="{48C86EE4-ABC4-4DAA-AC79-70C97E2FAF04}"/>
-              </a:ext>
-            </a:extLst>
-          </p:cNvPr>
-          <p:cNvSpPr>
-            <a:spLocks noGrp="1"/>
-          </p:cNvSpPr>
-          <p:nvPr>
-            <p:ph type="body" sz="half" idx="10"/>
-          </p:nvPr>
-        </p:nvSpPr>
-        <p:spPr/>
-        <p:txBody>
-          <a:bodyPr/>
-          <a:lstStyle/>
-          <a:p>
-            <a:r>
-              <a:rPr lang="ru-RU" dirty="0"/>
-              <a:t>12</a:t>
-            </a:r>
-          </a:p>
-        </p:txBody>
-      </p:sp>
-      <p:sp>
-        <p:nvSpPr>
-          <p:cNvPr id="5" name="Объект 4">
-            <a:extLst>
-              <a:ext uri="{FF2B5EF4-FFF2-40B4-BE49-F238E27FC236}">
-                <a16:creationId xmlns:a16="http://schemas.microsoft.com/office/drawing/2014/main" id="{2AF83F8D-50AB-4291-814A-12B75266A1F2}"/>
-              </a:ext>
-            </a:extLst>
-          </p:cNvPr>
-          <p:cNvSpPr>
-            <a:spLocks noGrp="1"/>
-          </p:cNvSpPr>
-          <p:nvPr>
-            <p:ph sz="quarter" idx="13"/>
-          </p:nvPr>
-        </p:nvSpPr>
-        <p:spPr/>
-        <p:txBody>
-          <a:bodyPr>
-            <a:normAutofit fontScale="92500" lnSpcReduction="10000"/>
-          </a:bodyPr>
-          <a:lstStyle/>
-          <a:p>
-            <a:pPr marL="0" marR="0" lvl="0" indent="0" algn="just" defTabSz="914400" rtl="0" eaLnBrk="1" fontAlgn="auto" latinLnBrk="0" hangingPunct="1">
-              <a:lnSpc>
-                <a:spcPct val="100000"/>
-              </a:lnSpc>
-              <a:spcBef>
-                <a:spcPct val="20000"/>
-              </a:spcBef>
-              <a:spcAft>
-                <a:spcPts val="0"/>
-              </a:spcAft>
-              <a:buClr>
-                <a:srgbClr val="002A4F"/>
-              </a:buClr>
-              <a:buSzTx/>
-              <a:buNone/>
-              <a:tabLst/>
-              <a:defRPr/>
-            </a:pPr>
-            <a:r>
-              <a:rPr kumimoji="0" lang="en-US" sz="2400" b="0" i="0" u="none" strike="noStrike" kern="1200" cap="none" spc="0" normalizeH="0" baseline="0" noProof="0" dirty="0">
-                <a:ln>
-                  <a:noFill/>
-                </a:ln>
-                <a:solidFill>
-                  <a:prstClr val="black">
-                    <a:lumMod val="75000"/>
-                    <a:lumOff val="25000"/>
-                  </a:prstClr>
-                </a:solidFill>
-                <a:effectLst/>
-                <a:uLnTx/>
-                <a:uFillTx/>
-                <a:latin typeface="Exo 2 Medium" panose="00000600000000000000" pitchFamily="2" charset="-52"/>
-                <a:ea typeface="+mn-ea"/>
-                <a:cs typeface="+mn-cs"/>
-              </a:rPr>
-              <a:t>class </a:t>
-            </a:r>
-            <a:r>
-              <a:rPr kumimoji="0" lang="en-US" sz="2400" b="0" i="0" u="none" strike="noStrike" kern="1200" cap="none" spc="0" normalizeH="0" baseline="0" noProof="0" dirty="0" err="1">
-                <a:ln>
-                  <a:noFill/>
-                </a:ln>
-                <a:solidFill>
-                  <a:prstClr val="black">
-                    <a:lumMod val="75000"/>
-                    <a:lumOff val="25000"/>
-                  </a:prstClr>
-                </a:solidFill>
-                <a:effectLst/>
-                <a:uLnTx/>
-                <a:uFillTx/>
-                <a:latin typeface="Exo 2 Medium" panose="00000600000000000000" pitchFamily="2" charset="-52"/>
-                <a:ea typeface="+mn-ea"/>
-                <a:cs typeface="+mn-cs"/>
-              </a:rPr>
-              <a:t>SuperUser</a:t>
-            </a:r>
-            <a:r>
-              <a:rPr kumimoji="0" lang="en-US" sz="2400" b="0" i="0" u="none" strike="noStrike" kern="1200" cap="none" spc="0" normalizeH="0" baseline="0" noProof="0" dirty="0">
-                <a:ln>
-                  <a:noFill/>
-                </a:ln>
-                <a:solidFill>
-                  <a:prstClr val="black">
-                    <a:lumMod val="75000"/>
-                    <a:lumOff val="25000"/>
-                  </a:prstClr>
-                </a:solidFill>
-                <a:effectLst/>
-                <a:uLnTx/>
-                <a:uFillTx/>
-                <a:latin typeface="Exo 2 Medium" panose="00000600000000000000" pitchFamily="2" charset="-52"/>
-                <a:ea typeface="+mn-ea"/>
-                <a:cs typeface="+mn-cs"/>
-              </a:rPr>
-              <a:t>: </a:t>
-            </a:r>
-            <a:r>
-              <a:rPr kumimoji="0" lang="en-US" sz="2400" b="0" i="0" u="none" strike="noStrike" kern="1200" cap="none" spc="0" normalizeH="0" baseline="0" noProof="0" dirty="0" err="1">
-                <a:ln>
-                  <a:noFill/>
-                </a:ln>
-                <a:solidFill>
-                  <a:prstClr val="black">
-                    <a:lumMod val="75000"/>
-                    <a:lumOff val="25000"/>
-                  </a:prstClr>
-                </a:solidFill>
-                <a:effectLst/>
-                <a:uLnTx/>
-                <a:uFillTx/>
-                <a:latin typeface="Exo 2 Medium" panose="00000600000000000000" pitchFamily="2" charset="-52"/>
-                <a:ea typeface="+mn-ea"/>
-                <a:cs typeface="+mn-cs"/>
-              </a:rPr>
-              <a:t>BaseUser</a:t>
-            </a:r>
-            <a:r>
-              <a:rPr kumimoji="0" lang="en-US" sz="2400" b="0" i="0" u="none" strike="noStrike" kern="1200" cap="none" spc="0" normalizeH="0" baseline="0" noProof="0" dirty="0">
-                <a:ln>
-                  <a:noFill/>
-                </a:ln>
-                <a:solidFill>
-                  <a:prstClr val="black">
-                    <a:lumMod val="75000"/>
-                    <a:lumOff val="25000"/>
-                  </a:prstClr>
-                </a:solidFill>
-                <a:effectLst/>
-                <a:uLnTx/>
-                <a:uFillTx/>
-                <a:latin typeface="Exo 2 Medium" panose="00000600000000000000" pitchFamily="2" charset="-52"/>
-                <a:ea typeface="+mn-ea"/>
-                <a:cs typeface="+mn-cs"/>
-              </a:rPr>
-              <a:t>{</a:t>
-            </a:r>
-            <a:endParaRPr kumimoji="0" lang="ru-RU" sz="2400" b="0" i="0" u="none" strike="noStrike" kern="1200" cap="none" spc="0" normalizeH="0" baseline="0" noProof="0" dirty="0">
-              <a:ln>
-                <a:noFill/>
-              </a:ln>
-              <a:solidFill>
-                <a:prstClr val="black">
-                  <a:lumMod val="75000"/>
-                  <a:lumOff val="25000"/>
-                </a:prstClr>
-              </a:solidFill>
-              <a:effectLst/>
-              <a:uLnTx/>
-              <a:uFillTx/>
-              <a:latin typeface="Exo 2 Medium" panose="00000600000000000000" pitchFamily="2" charset="-52"/>
-              <a:ea typeface="+mn-ea"/>
-              <a:cs typeface="+mn-cs"/>
-            </a:endParaRPr>
-          </a:p>
-          <a:p>
-            <a:pPr marL="0" marR="0" lvl="0" indent="0" algn="just" defTabSz="914400" rtl="0" eaLnBrk="1" fontAlgn="auto" latinLnBrk="0" hangingPunct="1">
-              <a:lnSpc>
-                <a:spcPct val="100000"/>
-              </a:lnSpc>
-              <a:spcBef>
-                <a:spcPct val="20000"/>
-              </a:spcBef>
-              <a:spcAft>
-                <a:spcPts val="0"/>
-              </a:spcAft>
-              <a:buClr>
-                <a:srgbClr val="002A4F"/>
-              </a:buClr>
-              <a:buSzTx/>
-              <a:buNone/>
-              <a:tabLst/>
-              <a:defRPr/>
-            </a:pPr>
-            <a:r>
-              <a:rPr kumimoji="0" lang="ru-RU" sz="2400" b="0" i="0" u="none" strike="noStrike" kern="1200" cap="none" spc="0" normalizeH="0" baseline="0" noProof="0" dirty="0">
-                <a:ln>
-                  <a:noFill/>
-                </a:ln>
-                <a:solidFill>
-                  <a:prstClr val="black">
-                    <a:lumMod val="75000"/>
-                    <a:lumOff val="25000"/>
-                  </a:prstClr>
-                </a:solidFill>
-                <a:effectLst/>
-                <a:uLnTx/>
-                <a:uFillTx/>
-                <a:latin typeface="Exo 2 Medium" panose="00000600000000000000" pitchFamily="2" charset="-52"/>
-                <a:ea typeface="+mn-ea"/>
-                <a:cs typeface="+mn-cs"/>
-              </a:rPr>
-              <a:t>	</a:t>
-            </a:r>
-            <a:r>
-              <a:rPr kumimoji="0" lang="en-US" sz="2400" b="0" i="0" u="none" strike="noStrike" kern="1200" cap="none" spc="0" normalizeH="0" baseline="0" noProof="0" dirty="0">
-                <a:ln>
-                  <a:noFill/>
-                </a:ln>
-                <a:solidFill>
-                  <a:prstClr val="black">
-                    <a:lumMod val="75000"/>
-                    <a:lumOff val="25000"/>
-                  </a:prstClr>
-                </a:solidFill>
-                <a:effectLst/>
-                <a:uLnTx/>
-                <a:uFillTx/>
-                <a:latin typeface="Exo 2 Medium" panose="00000600000000000000" pitchFamily="2" charset="-52"/>
-                <a:ea typeface="+mn-ea"/>
-                <a:cs typeface="+mn-cs"/>
-              </a:rPr>
-              <a:t>public </a:t>
-            </a:r>
-            <a:r>
-              <a:rPr kumimoji="0" lang="en-US" sz="2400" b="0" i="0" u="none" strike="noStrike" kern="1200" cap="none" spc="0" normalizeH="0" baseline="0" noProof="0" dirty="0" err="1">
-                <a:ln>
-                  <a:noFill/>
-                </a:ln>
-                <a:solidFill>
-                  <a:prstClr val="black">
-                    <a:lumMod val="75000"/>
-                    <a:lumOff val="25000"/>
-                  </a:prstClr>
-                </a:solidFill>
-                <a:effectLst/>
-                <a:uLnTx/>
-                <a:uFillTx/>
-                <a:latin typeface="Exo 2 Medium" panose="00000600000000000000" pitchFamily="2" charset="-52"/>
-                <a:ea typeface="+mn-ea"/>
-                <a:cs typeface="+mn-cs"/>
-              </a:rPr>
-              <a:t>SuperUser</a:t>
-            </a:r>
-            <a:r>
-              <a:rPr kumimoji="0" lang="en-US" sz="2400" b="0" i="0" u="none" strike="noStrike" kern="1200" cap="none" spc="0" normalizeH="0" baseline="0" noProof="0" dirty="0">
-                <a:ln>
-                  <a:noFill/>
-                </a:ln>
-                <a:solidFill>
-                  <a:prstClr val="black">
-                    <a:lumMod val="75000"/>
-                    <a:lumOff val="25000"/>
-                  </a:prstClr>
-                </a:solidFill>
-                <a:effectLst/>
-                <a:uLnTx/>
-                <a:uFillTx/>
-                <a:latin typeface="Exo 2 Medium" panose="00000600000000000000" pitchFamily="2" charset="-52"/>
-                <a:ea typeface="+mn-ea"/>
-                <a:cs typeface="+mn-cs"/>
-              </a:rPr>
-              <a:t>(</a:t>
-            </a:r>
-            <a:r>
-              <a:rPr kumimoji="0" lang="en-US" sz="2400" b="0" i="0" u="none" strike="noStrike" kern="1200" cap="none" spc="0" normalizeH="0" baseline="0" noProof="0" dirty="0" err="1">
-                <a:ln>
-                  <a:noFill/>
-                </a:ln>
-                <a:solidFill>
-                  <a:prstClr val="black">
-                    <a:lumMod val="75000"/>
-                    <a:lumOff val="25000"/>
-                  </a:prstClr>
-                </a:solidFill>
-                <a:effectLst/>
-                <a:uLnTx/>
-                <a:uFillTx/>
-                <a:latin typeface="Exo 2 Medium" panose="00000600000000000000" pitchFamily="2" charset="-52"/>
-                <a:ea typeface="+mn-ea"/>
-                <a:cs typeface="+mn-cs"/>
-              </a:rPr>
-              <a:t>IPlatform</a:t>
-            </a:r>
-            <a:r>
-              <a:rPr kumimoji="0" lang="en-US" sz="2400" b="0" i="0" u="none" strike="noStrike" kern="1200" cap="none" spc="0" normalizeH="0" baseline="0" noProof="0" dirty="0">
-                <a:ln>
-                  <a:noFill/>
-                </a:ln>
-                <a:solidFill>
-                  <a:prstClr val="black">
-                    <a:lumMod val="75000"/>
-                    <a:lumOff val="25000"/>
-                  </a:prstClr>
-                </a:solidFill>
-                <a:effectLst/>
-                <a:uLnTx/>
-                <a:uFillTx/>
-                <a:latin typeface="Exo 2 Medium" panose="00000600000000000000" pitchFamily="2" charset="-52"/>
-                <a:ea typeface="+mn-ea"/>
-                <a:cs typeface="+mn-cs"/>
-              </a:rPr>
-              <a:t> platform): base(platform){}</a:t>
-            </a:r>
-            <a:endParaRPr kumimoji="0" lang="ru-RU" sz="2400" b="0" i="0" u="none" strike="noStrike" kern="1200" cap="none" spc="0" normalizeH="0" baseline="0" noProof="0" dirty="0">
-              <a:ln>
-                <a:noFill/>
-              </a:ln>
-              <a:solidFill>
-                <a:prstClr val="black">
-                  <a:lumMod val="75000"/>
-                  <a:lumOff val="25000"/>
-                </a:prstClr>
-              </a:solidFill>
-              <a:effectLst/>
-              <a:uLnTx/>
-              <a:uFillTx/>
-              <a:latin typeface="Exo 2 Medium" panose="00000600000000000000" pitchFamily="2" charset="-52"/>
-              <a:ea typeface="+mn-ea"/>
-              <a:cs typeface="+mn-cs"/>
-            </a:endParaRPr>
-          </a:p>
-          <a:p>
-            <a:pPr marL="0" marR="0" lvl="0" indent="0" algn="just" defTabSz="914400" rtl="0" eaLnBrk="1" fontAlgn="auto" latinLnBrk="0" hangingPunct="1">
-              <a:lnSpc>
-                <a:spcPct val="100000"/>
-              </a:lnSpc>
-              <a:spcBef>
-                <a:spcPct val="20000"/>
-              </a:spcBef>
-              <a:spcAft>
-                <a:spcPts val="0"/>
-              </a:spcAft>
-              <a:buClr>
-                <a:srgbClr val="002A4F"/>
-              </a:buClr>
-              <a:buSzTx/>
-              <a:buNone/>
-              <a:tabLst/>
-              <a:defRPr/>
-            </a:pPr>
-            <a:r>
-              <a:rPr kumimoji="0" lang="ru-RU" sz="2400" b="0" i="0" u="none" strike="noStrike" kern="1200" cap="none" spc="0" normalizeH="0" baseline="0" noProof="0" dirty="0">
-                <a:ln>
-                  <a:noFill/>
-                </a:ln>
-                <a:solidFill>
-                  <a:prstClr val="black">
-                    <a:lumMod val="75000"/>
-                    <a:lumOff val="25000"/>
-                  </a:prstClr>
-                </a:solidFill>
-                <a:effectLst/>
-                <a:uLnTx/>
-                <a:uFillTx/>
-                <a:latin typeface="Exo 2 Medium" panose="00000600000000000000" pitchFamily="2" charset="-52"/>
-                <a:ea typeface="+mn-ea"/>
-                <a:cs typeface="+mn-cs"/>
-              </a:rPr>
-              <a:t>	/// Функция для выдачи автора видео</a:t>
-            </a:r>
-          </a:p>
-          <a:p>
-            <a:pPr marL="0" marR="0" lvl="0" indent="0" algn="just" defTabSz="914400" rtl="0" eaLnBrk="1" fontAlgn="auto" latinLnBrk="0" hangingPunct="1">
-              <a:lnSpc>
-                <a:spcPct val="100000"/>
-              </a:lnSpc>
-              <a:spcBef>
-                <a:spcPct val="20000"/>
-              </a:spcBef>
-              <a:spcAft>
-                <a:spcPts val="0"/>
-              </a:spcAft>
-              <a:buClr>
-                <a:srgbClr val="002A4F"/>
-              </a:buClr>
-              <a:buSzTx/>
-              <a:buNone/>
-              <a:tabLst/>
-              <a:defRPr/>
-            </a:pPr>
-            <a:r>
-              <a:rPr lang="ru-RU" sz="2400" dirty="0">
-                <a:solidFill>
-                  <a:prstClr val="black">
-                    <a:lumMod val="75000"/>
-                    <a:lumOff val="25000"/>
-                  </a:prstClr>
-                </a:solidFill>
-                <a:latin typeface="Exo 2 Medium" panose="00000600000000000000" pitchFamily="2" charset="-52"/>
-              </a:rPr>
-              <a:t>	</a:t>
-            </a:r>
-            <a:r>
-              <a:rPr kumimoji="0" lang="en-US" sz="2400" b="0" i="0" u="none" strike="noStrike" kern="1200" cap="none" spc="0" normalizeH="0" baseline="0" noProof="0" dirty="0">
-                <a:ln>
-                  <a:noFill/>
-                </a:ln>
-                <a:solidFill>
-                  <a:prstClr val="black">
-                    <a:lumMod val="75000"/>
-                    <a:lumOff val="25000"/>
-                  </a:prstClr>
-                </a:solidFill>
-                <a:effectLst/>
-                <a:uLnTx/>
-                <a:uFillTx/>
-                <a:latin typeface="Exo 2 Medium" panose="00000600000000000000" pitchFamily="2" charset="-52"/>
-                <a:ea typeface="+mn-ea"/>
-                <a:cs typeface="+mn-cs"/>
-              </a:rPr>
-              <a:t>public string author(string </a:t>
-            </a:r>
-            <a:r>
-              <a:rPr kumimoji="0" lang="en-US" sz="2400" b="0" i="0" u="none" strike="noStrike" kern="1200" cap="none" spc="0" normalizeH="0" baseline="0" noProof="0" dirty="0" err="1">
-                <a:ln>
-                  <a:noFill/>
-                </a:ln>
-                <a:solidFill>
-                  <a:prstClr val="black">
-                    <a:lumMod val="75000"/>
-                    <a:lumOff val="25000"/>
-                  </a:prstClr>
-                </a:solidFill>
-                <a:effectLst/>
-                <a:uLnTx/>
-                <a:uFillTx/>
-                <a:latin typeface="Exo 2 Medium" panose="00000600000000000000" pitchFamily="2" charset="-52"/>
-                <a:ea typeface="+mn-ea"/>
-                <a:cs typeface="+mn-cs"/>
-              </a:rPr>
-              <a:t>linck</a:t>
-            </a:r>
-            <a:r>
-              <a:rPr kumimoji="0" lang="en-US" sz="2400" b="0" i="0" u="none" strike="noStrike" kern="1200" cap="none" spc="0" normalizeH="0" baseline="0" noProof="0" dirty="0">
-                <a:ln>
-                  <a:noFill/>
-                </a:ln>
-                <a:solidFill>
-                  <a:prstClr val="black">
-                    <a:lumMod val="75000"/>
-                    <a:lumOff val="25000"/>
-                  </a:prstClr>
-                </a:solidFill>
-                <a:effectLst/>
-                <a:uLnTx/>
-                <a:uFillTx/>
-                <a:latin typeface="Exo 2 Medium" panose="00000600000000000000" pitchFamily="2" charset="-52"/>
-                <a:ea typeface="+mn-ea"/>
-                <a:cs typeface="+mn-cs"/>
-              </a:rPr>
-              <a:t>){</a:t>
-            </a:r>
-            <a:endParaRPr kumimoji="0" lang="ru-RU" sz="2400" b="0" i="0" u="none" strike="noStrike" kern="1200" cap="none" spc="0" normalizeH="0" baseline="0" noProof="0" dirty="0">
-              <a:ln>
-                <a:noFill/>
-              </a:ln>
-              <a:solidFill>
-                <a:prstClr val="black">
-                  <a:lumMod val="75000"/>
-                  <a:lumOff val="25000"/>
-                </a:prstClr>
-              </a:solidFill>
-              <a:effectLst/>
-              <a:uLnTx/>
-              <a:uFillTx/>
-              <a:latin typeface="Exo 2 Medium" panose="00000600000000000000" pitchFamily="2" charset="-52"/>
-              <a:ea typeface="+mn-ea"/>
-              <a:cs typeface="+mn-cs"/>
-            </a:endParaRPr>
-          </a:p>
-          <a:p>
-            <a:pPr marL="0" marR="0" lvl="0" indent="0" algn="just" defTabSz="914400" rtl="0" eaLnBrk="1" fontAlgn="auto" latinLnBrk="0" hangingPunct="1">
-              <a:lnSpc>
-                <a:spcPct val="100000"/>
-              </a:lnSpc>
-              <a:spcBef>
-                <a:spcPct val="20000"/>
-              </a:spcBef>
-              <a:spcAft>
-                <a:spcPts val="0"/>
-              </a:spcAft>
-              <a:buClr>
-                <a:srgbClr val="002A4F"/>
-              </a:buClr>
-              <a:buSzTx/>
-              <a:buNone/>
-              <a:tabLst/>
-              <a:defRPr/>
-            </a:pPr>
-            <a:r>
-              <a:rPr kumimoji="0" lang="ru-RU" sz="2400" b="0" i="0" u="none" strike="noStrike" kern="1200" cap="none" spc="0" normalizeH="0" baseline="0" noProof="0" dirty="0">
-                <a:ln>
-                  <a:noFill/>
-                </a:ln>
-                <a:solidFill>
-                  <a:prstClr val="black">
-                    <a:lumMod val="75000"/>
-                    <a:lumOff val="25000"/>
-                  </a:prstClr>
-                </a:solidFill>
-                <a:effectLst/>
-                <a:uLnTx/>
-                <a:uFillTx/>
-                <a:latin typeface="Exo 2 Medium" panose="00000600000000000000" pitchFamily="2" charset="-52"/>
-                <a:ea typeface="+mn-ea"/>
-                <a:cs typeface="+mn-cs"/>
-              </a:rPr>
-              <a:t>		</a:t>
-            </a:r>
-            <a:r>
-              <a:rPr kumimoji="0" lang="en-US" sz="2400" b="0" i="0" u="none" strike="noStrike" kern="1200" cap="none" spc="0" normalizeH="0" baseline="0" noProof="0" dirty="0">
-                <a:ln>
-                  <a:noFill/>
-                </a:ln>
-                <a:solidFill>
-                  <a:prstClr val="black">
-                    <a:lumMod val="75000"/>
-                    <a:lumOff val="25000"/>
-                  </a:prstClr>
-                </a:solidFill>
-                <a:effectLst/>
-                <a:uLnTx/>
-                <a:uFillTx/>
-                <a:latin typeface="Exo 2 Medium" panose="00000600000000000000" pitchFamily="2" charset="-52"/>
-                <a:ea typeface="+mn-ea"/>
-                <a:cs typeface="+mn-cs"/>
-              </a:rPr>
-              <a:t>return </a:t>
-            </a:r>
-            <a:r>
-              <a:rPr kumimoji="0" lang="en-US" sz="2400" b="0" i="0" u="none" strike="noStrike" kern="1200" cap="none" spc="0" normalizeH="0" baseline="0" noProof="0" dirty="0" err="1">
-                <a:ln>
-                  <a:noFill/>
-                </a:ln>
-                <a:solidFill>
-                  <a:prstClr val="black">
-                    <a:lumMod val="75000"/>
-                    <a:lumOff val="25000"/>
-                  </a:prstClr>
-                </a:solidFill>
-                <a:effectLst/>
-                <a:uLnTx/>
-                <a:uFillTx/>
-                <a:latin typeface="Exo 2 Medium" panose="00000600000000000000" pitchFamily="2" charset="-52"/>
-                <a:ea typeface="+mn-ea"/>
-                <a:cs typeface="+mn-cs"/>
-              </a:rPr>
-              <a:t>platform.get_author</a:t>
-            </a:r>
-            <a:r>
-              <a:rPr kumimoji="0" lang="en-US" sz="2400" b="0" i="0" u="none" strike="noStrike" kern="1200" cap="none" spc="0" normalizeH="0" baseline="0" noProof="0" dirty="0">
-                <a:ln>
-                  <a:noFill/>
-                </a:ln>
-                <a:solidFill>
-                  <a:prstClr val="black">
-                    <a:lumMod val="75000"/>
-                    <a:lumOff val="25000"/>
-                  </a:prstClr>
-                </a:solidFill>
-                <a:effectLst/>
-                <a:uLnTx/>
-                <a:uFillTx/>
-                <a:latin typeface="Exo 2 Medium" panose="00000600000000000000" pitchFamily="2" charset="-52"/>
-                <a:ea typeface="+mn-ea"/>
-                <a:cs typeface="+mn-cs"/>
-              </a:rPr>
-              <a:t>(</a:t>
-            </a:r>
-            <a:r>
-              <a:rPr kumimoji="0" lang="en-US" sz="2400" b="0" i="0" u="none" strike="noStrike" kern="1200" cap="none" spc="0" normalizeH="0" baseline="0" noProof="0" dirty="0" err="1">
-                <a:ln>
-                  <a:noFill/>
-                </a:ln>
-                <a:solidFill>
-                  <a:prstClr val="black">
-                    <a:lumMod val="75000"/>
-                    <a:lumOff val="25000"/>
-                  </a:prstClr>
-                </a:solidFill>
-                <a:effectLst/>
-                <a:uLnTx/>
-                <a:uFillTx/>
-                <a:latin typeface="Exo 2 Medium" panose="00000600000000000000" pitchFamily="2" charset="-52"/>
-                <a:ea typeface="+mn-ea"/>
-                <a:cs typeface="+mn-cs"/>
-              </a:rPr>
-              <a:t>linck</a:t>
-            </a:r>
-            <a:r>
-              <a:rPr kumimoji="0" lang="en-US" sz="2400" b="0" i="0" u="none" strike="noStrike" kern="1200" cap="none" spc="0" normalizeH="0" baseline="0" noProof="0" dirty="0">
-                <a:ln>
-                  <a:noFill/>
-                </a:ln>
-                <a:solidFill>
-                  <a:prstClr val="black">
-                    <a:lumMod val="75000"/>
-                    <a:lumOff val="25000"/>
-                  </a:prstClr>
-                </a:solidFill>
-                <a:effectLst/>
-                <a:uLnTx/>
-                <a:uFillTx/>
-                <a:latin typeface="Exo 2 Medium" panose="00000600000000000000" pitchFamily="2" charset="-52"/>
-                <a:ea typeface="+mn-ea"/>
-                <a:cs typeface="+mn-cs"/>
-              </a:rPr>
-              <a:t>);</a:t>
-            </a:r>
-            <a:endParaRPr kumimoji="0" lang="ru-RU" sz="2400" b="0" i="0" u="none" strike="noStrike" kern="1200" cap="none" spc="0" normalizeH="0" baseline="0" noProof="0" dirty="0">
-              <a:ln>
-                <a:noFill/>
-              </a:ln>
-              <a:solidFill>
-                <a:prstClr val="black">
-                  <a:lumMod val="75000"/>
-                  <a:lumOff val="25000"/>
-                </a:prstClr>
-              </a:solidFill>
-              <a:effectLst/>
-              <a:uLnTx/>
-              <a:uFillTx/>
-              <a:latin typeface="Exo 2 Medium" panose="00000600000000000000" pitchFamily="2" charset="-52"/>
-              <a:ea typeface="+mn-ea"/>
-              <a:cs typeface="+mn-cs"/>
-            </a:endParaRPr>
-          </a:p>
-          <a:p>
-            <a:pPr marL="0" marR="0" lvl="0" indent="0" algn="just" defTabSz="914400" rtl="0" eaLnBrk="1" fontAlgn="auto" latinLnBrk="0" hangingPunct="1">
-              <a:lnSpc>
-                <a:spcPct val="100000"/>
-              </a:lnSpc>
-              <a:spcBef>
-                <a:spcPct val="20000"/>
-              </a:spcBef>
-              <a:spcAft>
-                <a:spcPts val="0"/>
-              </a:spcAft>
-              <a:buClr>
-                <a:srgbClr val="002A4F"/>
-              </a:buClr>
-              <a:buSzTx/>
-              <a:buNone/>
-              <a:tabLst/>
-              <a:defRPr/>
-            </a:pPr>
-            <a:r>
-              <a:rPr lang="ru-RU" sz="2400" dirty="0">
-                <a:solidFill>
-                  <a:prstClr val="black">
-                    <a:lumMod val="75000"/>
-                    <a:lumOff val="25000"/>
-                  </a:prstClr>
-                </a:solidFill>
-                <a:latin typeface="Exo 2 Medium" panose="00000600000000000000" pitchFamily="2" charset="-52"/>
-              </a:rPr>
-              <a:t>	</a:t>
-            </a:r>
-            <a:r>
-              <a:rPr kumimoji="0" lang="en-US" sz="2400" b="0" i="0" u="none" strike="noStrike" kern="1200" cap="none" spc="0" normalizeH="0" baseline="0" noProof="0" dirty="0">
-                <a:ln>
-                  <a:noFill/>
-                </a:ln>
-                <a:solidFill>
-                  <a:prstClr val="black">
-                    <a:lumMod val="75000"/>
-                    <a:lumOff val="25000"/>
-                  </a:prstClr>
-                </a:solidFill>
-                <a:effectLst/>
-                <a:uLnTx/>
-                <a:uFillTx/>
-                <a:latin typeface="Exo 2 Medium" panose="00000600000000000000" pitchFamily="2" charset="-52"/>
-                <a:ea typeface="+mn-ea"/>
-                <a:cs typeface="+mn-cs"/>
-              </a:rPr>
-              <a:t>}</a:t>
-            </a:r>
-            <a:endParaRPr kumimoji="0" lang="ru-RU" sz="2400" b="0" i="0" u="none" strike="noStrike" kern="1200" cap="none" spc="0" normalizeH="0" baseline="0" noProof="0" dirty="0">
-              <a:ln>
-                <a:noFill/>
-              </a:ln>
-              <a:solidFill>
-                <a:prstClr val="black">
-                  <a:lumMod val="75000"/>
-                  <a:lumOff val="25000"/>
-                </a:prstClr>
-              </a:solidFill>
-              <a:effectLst/>
-              <a:uLnTx/>
-              <a:uFillTx/>
-              <a:latin typeface="Exo 2 Medium" panose="00000600000000000000" pitchFamily="2" charset="-52"/>
-              <a:ea typeface="+mn-ea"/>
-              <a:cs typeface="+mn-cs"/>
-            </a:endParaRPr>
-          </a:p>
-          <a:p>
-            <a:pPr marL="0" marR="0" lvl="0" indent="0" algn="just" defTabSz="914400" rtl="0" eaLnBrk="1" fontAlgn="auto" latinLnBrk="0" hangingPunct="1">
-              <a:lnSpc>
-                <a:spcPct val="100000"/>
-              </a:lnSpc>
-              <a:spcBef>
-                <a:spcPct val="20000"/>
-              </a:spcBef>
-              <a:spcAft>
-                <a:spcPts val="0"/>
-              </a:spcAft>
-              <a:buClr>
-                <a:srgbClr val="002A4F"/>
-              </a:buClr>
-              <a:buSzTx/>
-              <a:buNone/>
-              <a:tabLst/>
-              <a:defRPr/>
-            </a:pPr>
-            <a:r>
-              <a:rPr lang="ru-RU" sz="2400" dirty="0">
-                <a:solidFill>
-                  <a:prstClr val="black">
-                    <a:lumMod val="75000"/>
-                    <a:lumOff val="25000"/>
-                  </a:prstClr>
-                </a:solidFill>
-                <a:latin typeface="Exo 2 Medium" panose="00000600000000000000" pitchFamily="2" charset="-52"/>
-              </a:rPr>
-              <a:t>	/// Функция для выдачи количества просмотров у видео</a:t>
-            </a:r>
-          </a:p>
-          <a:p>
-            <a:pPr marL="0" marR="0" lvl="0" indent="0" algn="just" defTabSz="914400" rtl="0" eaLnBrk="1" fontAlgn="auto" latinLnBrk="0" hangingPunct="1">
-              <a:lnSpc>
-                <a:spcPct val="100000"/>
-              </a:lnSpc>
-              <a:spcBef>
-                <a:spcPct val="20000"/>
-              </a:spcBef>
-              <a:spcAft>
-                <a:spcPts val="0"/>
-              </a:spcAft>
-              <a:buClr>
-                <a:srgbClr val="002A4F"/>
-              </a:buClr>
-              <a:buSzTx/>
-              <a:buNone/>
-              <a:tabLst/>
-              <a:defRPr/>
-            </a:pPr>
-            <a:r>
-              <a:rPr kumimoji="0" lang="ru-RU" sz="2400" b="0" i="0" u="none" strike="noStrike" kern="1200" cap="none" spc="0" normalizeH="0" baseline="0" noProof="0" dirty="0">
-                <a:ln>
-                  <a:noFill/>
-                </a:ln>
-                <a:solidFill>
-                  <a:prstClr val="black">
-                    <a:lumMod val="75000"/>
-                    <a:lumOff val="25000"/>
-                  </a:prstClr>
-                </a:solidFill>
-                <a:effectLst/>
-                <a:uLnTx/>
-                <a:uFillTx/>
-                <a:latin typeface="Exo 2 Medium" panose="00000600000000000000" pitchFamily="2" charset="-52"/>
-                <a:ea typeface="+mn-ea"/>
-                <a:cs typeface="+mn-cs"/>
-              </a:rPr>
-              <a:t>	</a:t>
-            </a:r>
-            <a:r>
-              <a:rPr kumimoji="0" lang="en-US" sz="2400" b="0" i="0" u="none" strike="noStrike" kern="1200" cap="none" spc="0" normalizeH="0" baseline="0" noProof="0" dirty="0">
-                <a:ln>
-                  <a:noFill/>
-                </a:ln>
-                <a:solidFill>
-                  <a:prstClr val="black">
-                    <a:lumMod val="75000"/>
-                    <a:lumOff val="25000"/>
-                  </a:prstClr>
-                </a:solidFill>
-                <a:effectLst/>
-                <a:uLnTx/>
-                <a:uFillTx/>
-                <a:latin typeface="Exo 2 Medium" panose="00000600000000000000" pitchFamily="2" charset="-52"/>
-                <a:ea typeface="+mn-ea"/>
-                <a:cs typeface="+mn-cs"/>
-              </a:rPr>
-              <a:t>public int showers(string </a:t>
-            </a:r>
-            <a:r>
-              <a:rPr kumimoji="0" lang="en-US" sz="2400" b="0" i="0" u="none" strike="noStrike" kern="1200" cap="none" spc="0" normalizeH="0" baseline="0" noProof="0" dirty="0" err="1">
-                <a:ln>
-                  <a:noFill/>
-                </a:ln>
-                <a:solidFill>
-                  <a:prstClr val="black">
-                    <a:lumMod val="75000"/>
-                    <a:lumOff val="25000"/>
-                  </a:prstClr>
-                </a:solidFill>
-                <a:effectLst/>
-                <a:uLnTx/>
-                <a:uFillTx/>
-                <a:latin typeface="Exo 2 Medium" panose="00000600000000000000" pitchFamily="2" charset="-52"/>
-                <a:ea typeface="+mn-ea"/>
-                <a:cs typeface="+mn-cs"/>
-              </a:rPr>
-              <a:t>linck</a:t>
-            </a:r>
-            <a:r>
-              <a:rPr kumimoji="0" lang="en-US" sz="2400" b="0" i="0" u="none" strike="noStrike" kern="1200" cap="none" spc="0" normalizeH="0" baseline="0" noProof="0" dirty="0">
-                <a:ln>
-                  <a:noFill/>
-                </a:ln>
-                <a:solidFill>
-                  <a:prstClr val="black">
-                    <a:lumMod val="75000"/>
-                    <a:lumOff val="25000"/>
-                  </a:prstClr>
-                </a:solidFill>
-                <a:effectLst/>
-                <a:uLnTx/>
-                <a:uFillTx/>
-                <a:latin typeface="Exo 2 Medium" panose="00000600000000000000" pitchFamily="2" charset="-52"/>
-                <a:ea typeface="+mn-ea"/>
-                <a:cs typeface="+mn-cs"/>
-              </a:rPr>
-              <a:t>){</a:t>
-            </a:r>
-            <a:endParaRPr kumimoji="0" lang="ru-RU" sz="2400" b="0" i="0" u="none" strike="noStrike" kern="1200" cap="none" spc="0" normalizeH="0" baseline="0" noProof="0" dirty="0">
-              <a:ln>
-                <a:noFill/>
-              </a:ln>
-              <a:solidFill>
-                <a:prstClr val="black">
-                  <a:lumMod val="75000"/>
-                  <a:lumOff val="25000"/>
-                </a:prstClr>
-              </a:solidFill>
-              <a:effectLst/>
-              <a:uLnTx/>
-              <a:uFillTx/>
-              <a:latin typeface="Exo 2 Medium" panose="00000600000000000000" pitchFamily="2" charset="-52"/>
-              <a:ea typeface="+mn-ea"/>
-              <a:cs typeface="+mn-cs"/>
-            </a:endParaRPr>
-          </a:p>
-          <a:p>
-            <a:pPr marL="0" marR="0" lvl="0" indent="0" algn="just" defTabSz="914400" rtl="0" eaLnBrk="1" fontAlgn="auto" latinLnBrk="0" hangingPunct="1">
-              <a:lnSpc>
-                <a:spcPct val="100000"/>
-              </a:lnSpc>
-              <a:spcBef>
-                <a:spcPct val="20000"/>
-              </a:spcBef>
-              <a:spcAft>
-                <a:spcPts val="0"/>
-              </a:spcAft>
-              <a:buClr>
-                <a:srgbClr val="002A4F"/>
-              </a:buClr>
-              <a:buSzTx/>
-              <a:buNone/>
-              <a:tabLst/>
-              <a:defRPr/>
-            </a:pPr>
-            <a:r>
-              <a:rPr kumimoji="0" lang="ru-RU" sz="2400" b="0" i="0" u="none" strike="noStrike" kern="1200" cap="none" spc="0" normalizeH="0" baseline="0" noProof="0" dirty="0">
-                <a:ln>
-                  <a:noFill/>
-                </a:ln>
-                <a:solidFill>
-                  <a:prstClr val="black">
-                    <a:lumMod val="75000"/>
-                    <a:lumOff val="25000"/>
-                  </a:prstClr>
-                </a:solidFill>
-                <a:effectLst/>
-                <a:uLnTx/>
-                <a:uFillTx/>
-                <a:latin typeface="Exo 2 Medium" panose="00000600000000000000" pitchFamily="2" charset="-52"/>
-                <a:ea typeface="+mn-ea"/>
-                <a:cs typeface="+mn-cs"/>
-              </a:rPr>
-              <a:t>		</a:t>
-            </a:r>
-            <a:r>
-              <a:rPr kumimoji="0" lang="en-US" sz="2400" b="0" i="0" u="none" strike="noStrike" kern="1200" cap="none" spc="0" normalizeH="0" baseline="0" noProof="0" dirty="0">
-                <a:ln>
-                  <a:noFill/>
-                </a:ln>
-                <a:solidFill>
-                  <a:prstClr val="black">
-                    <a:lumMod val="75000"/>
-                    <a:lumOff val="25000"/>
-                  </a:prstClr>
-                </a:solidFill>
-                <a:effectLst/>
-                <a:uLnTx/>
-                <a:uFillTx/>
-                <a:latin typeface="Exo 2 Medium" panose="00000600000000000000" pitchFamily="2" charset="-52"/>
-                <a:ea typeface="+mn-ea"/>
-                <a:cs typeface="+mn-cs"/>
-              </a:rPr>
-              <a:t>return </a:t>
-            </a:r>
-            <a:r>
-              <a:rPr kumimoji="0" lang="en-US" sz="2400" b="0" i="0" u="none" strike="noStrike" kern="1200" cap="none" spc="0" normalizeH="0" baseline="0" noProof="0" dirty="0" err="1">
-                <a:ln>
-                  <a:noFill/>
-                </a:ln>
-                <a:solidFill>
-                  <a:prstClr val="black">
-                    <a:lumMod val="75000"/>
-                    <a:lumOff val="25000"/>
-                  </a:prstClr>
-                </a:solidFill>
-                <a:effectLst/>
-                <a:uLnTx/>
-                <a:uFillTx/>
-                <a:latin typeface="Exo 2 Medium" panose="00000600000000000000" pitchFamily="2" charset="-52"/>
-                <a:ea typeface="+mn-ea"/>
-                <a:cs typeface="+mn-cs"/>
-              </a:rPr>
-              <a:t>platform.get_showers</a:t>
-            </a:r>
-            <a:r>
-              <a:rPr kumimoji="0" lang="en-US" sz="2400" b="0" i="0" u="none" strike="noStrike" kern="1200" cap="none" spc="0" normalizeH="0" baseline="0" noProof="0" dirty="0">
-                <a:ln>
-                  <a:noFill/>
-                </a:ln>
-                <a:solidFill>
-                  <a:prstClr val="black">
-                    <a:lumMod val="75000"/>
-                    <a:lumOff val="25000"/>
-                  </a:prstClr>
-                </a:solidFill>
-                <a:effectLst/>
-                <a:uLnTx/>
-                <a:uFillTx/>
-                <a:latin typeface="Exo 2 Medium" panose="00000600000000000000" pitchFamily="2" charset="-52"/>
-                <a:ea typeface="+mn-ea"/>
-                <a:cs typeface="+mn-cs"/>
-              </a:rPr>
-              <a:t>(</a:t>
-            </a:r>
-            <a:r>
-              <a:rPr kumimoji="0" lang="en-US" sz="2400" b="0" i="0" u="none" strike="noStrike" kern="1200" cap="none" spc="0" normalizeH="0" baseline="0" noProof="0" dirty="0" err="1">
-                <a:ln>
-                  <a:noFill/>
-                </a:ln>
-                <a:solidFill>
-                  <a:prstClr val="black">
-                    <a:lumMod val="75000"/>
-                    <a:lumOff val="25000"/>
-                  </a:prstClr>
-                </a:solidFill>
-                <a:effectLst/>
-                <a:uLnTx/>
-                <a:uFillTx/>
-                <a:latin typeface="Exo 2 Medium" panose="00000600000000000000" pitchFamily="2" charset="-52"/>
-                <a:ea typeface="+mn-ea"/>
-                <a:cs typeface="+mn-cs"/>
-              </a:rPr>
-              <a:t>linck</a:t>
-            </a:r>
-            <a:r>
-              <a:rPr kumimoji="0" lang="en-US" sz="2400" b="0" i="0" u="none" strike="noStrike" kern="1200" cap="none" spc="0" normalizeH="0" baseline="0" noProof="0" dirty="0">
-                <a:ln>
-                  <a:noFill/>
-                </a:ln>
-                <a:solidFill>
-                  <a:prstClr val="black">
-                    <a:lumMod val="75000"/>
-                    <a:lumOff val="25000"/>
-                  </a:prstClr>
-                </a:solidFill>
-                <a:effectLst/>
-                <a:uLnTx/>
-                <a:uFillTx/>
-                <a:latin typeface="Exo 2 Medium" panose="00000600000000000000" pitchFamily="2" charset="-52"/>
-                <a:ea typeface="+mn-ea"/>
-                <a:cs typeface="+mn-cs"/>
-              </a:rPr>
-              <a:t>); </a:t>
-            </a:r>
-            <a:endParaRPr kumimoji="0" lang="ru-RU" sz="2400" b="0" i="0" u="none" strike="noStrike" kern="1200" cap="none" spc="0" normalizeH="0" baseline="0" noProof="0" dirty="0">
-              <a:ln>
-                <a:noFill/>
-              </a:ln>
-              <a:solidFill>
-                <a:prstClr val="black">
-                  <a:lumMod val="75000"/>
-                  <a:lumOff val="25000"/>
-                </a:prstClr>
-              </a:solidFill>
-              <a:effectLst/>
-              <a:uLnTx/>
-              <a:uFillTx/>
-              <a:latin typeface="Exo 2 Medium" panose="00000600000000000000" pitchFamily="2" charset="-52"/>
-              <a:ea typeface="+mn-ea"/>
-              <a:cs typeface="+mn-cs"/>
-            </a:endParaRPr>
-          </a:p>
-          <a:p>
-            <a:pPr marL="0" marR="0" lvl="0" indent="0" algn="just" defTabSz="914400" rtl="0" eaLnBrk="1" fontAlgn="auto" latinLnBrk="0" hangingPunct="1">
-              <a:lnSpc>
-                <a:spcPct val="100000"/>
-              </a:lnSpc>
-              <a:spcBef>
-                <a:spcPct val="20000"/>
-              </a:spcBef>
-              <a:spcAft>
-                <a:spcPts val="0"/>
-              </a:spcAft>
-              <a:buClr>
-                <a:srgbClr val="002A4F"/>
-              </a:buClr>
-              <a:buSzTx/>
-              <a:buNone/>
-              <a:tabLst/>
-              <a:defRPr/>
-            </a:pPr>
-            <a:r>
-              <a:rPr kumimoji="0" lang="ru-RU" sz="2400" b="0" i="0" u="none" strike="noStrike" kern="1200" cap="none" spc="0" normalizeH="0" baseline="0" noProof="0" dirty="0">
-                <a:ln>
-                  <a:noFill/>
-                </a:ln>
-                <a:solidFill>
-                  <a:prstClr val="black">
-                    <a:lumMod val="75000"/>
-                    <a:lumOff val="25000"/>
-                  </a:prstClr>
-                </a:solidFill>
-                <a:effectLst/>
-                <a:uLnTx/>
-                <a:uFillTx/>
-                <a:latin typeface="Exo 2 Medium" panose="00000600000000000000" pitchFamily="2" charset="-52"/>
-                <a:ea typeface="+mn-ea"/>
-                <a:cs typeface="+mn-cs"/>
-              </a:rPr>
-              <a:t>	</a:t>
-            </a:r>
-            <a:r>
-              <a:rPr kumimoji="0" lang="en-US" sz="2400" b="0" i="0" u="none" strike="noStrike" kern="1200" cap="none" spc="0" normalizeH="0" baseline="0" noProof="0" dirty="0">
-                <a:ln>
-                  <a:noFill/>
-                </a:ln>
-                <a:solidFill>
-                  <a:prstClr val="black">
-                    <a:lumMod val="75000"/>
-                    <a:lumOff val="25000"/>
-                  </a:prstClr>
-                </a:solidFill>
-                <a:effectLst/>
-                <a:uLnTx/>
-                <a:uFillTx/>
-                <a:latin typeface="Exo 2 Medium" panose="00000600000000000000" pitchFamily="2" charset="-52"/>
-                <a:ea typeface="+mn-ea"/>
-                <a:cs typeface="+mn-cs"/>
-              </a:rPr>
-              <a:t>}</a:t>
-            </a:r>
-            <a:endParaRPr kumimoji="0" lang="ru-RU" sz="2400" b="0" i="0" u="none" strike="noStrike" kern="1200" cap="none" spc="0" normalizeH="0" baseline="0" noProof="0" dirty="0">
-              <a:ln>
-                <a:noFill/>
-              </a:ln>
-              <a:solidFill>
-                <a:prstClr val="black">
-                  <a:lumMod val="75000"/>
-                  <a:lumOff val="25000"/>
-                </a:prstClr>
-              </a:solidFill>
-              <a:effectLst/>
-              <a:uLnTx/>
-              <a:uFillTx/>
-              <a:latin typeface="Exo 2 Medium" panose="00000600000000000000" pitchFamily="2" charset="-52"/>
-              <a:ea typeface="+mn-ea"/>
-              <a:cs typeface="+mn-cs"/>
-            </a:endParaRPr>
-          </a:p>
-          <a:p>
-            <a:pPr marL="0" marR="0" lvl="0" indent="0" algn="just" defTabSz="914400" rtl="0" eaLnBrk="1" fontAlgn="auto" latinLnBrk="0" hangingPunct="1">
-              <a:lnSpc>
-                <a:spcPct val="100000"/>
-              </a:lnSpc>
-              <a:spcBef>
-                <a:spcPct val="20000"/>
-              </a:spcBef>
-              <a:spcAft>
-                <a:spcPts val="0"/>
-              </a:spcAft>
-              <a:buClr>
-                <a:srgbClr val="002A4F"/>
-              </a:buClr>
-              <a:buSzTx/>
-              <a:buNone/>
-              <a:tabLst/>
-              <a:defRPr/>
-            </a:pPr>
-            <a:r>
-              <a:rPr kumimoji="0" lang="ru-RU" sz="2400" b="0" i="0" u="none" strike="noStrike" kern="1200" cap="none" spc="0" normalizeH="0" baseline="0" noProof="0" dirty="0">
-                <a:ln>
-                  <a:noFill/>
-                </a:ln>
-                <a:solidFill>
-                  <a:prstClr val="black">
-                    <a:lumMod val="75000"/>
-                    <a:lumOff val="25000"/>
-                  </a:prstClr>
-                </a:solidFill>
-                <a:effectLst/>
-                <a:uLnTx/>
-                <a:uFillTx/>
-                <a:latin typeface="Exo 2 Medium" panose="00000600000000000000" pitchFamily="2" charset="-52"/>
-                <a:ea typeface="+mn-ea"/>
-                <a:cs typeface="+mn-cs"/>
-              </a:rPr>
-              <a:t>	///…</a:t>
-            </a:r>
-          </a:p>
-          <a:p>
-            <a:pPr marL="0" marR="0" lvl="0" indent="0" algn="just" defTabSz="914400" rtl="0" eaLnBrk="1" fontAlgn="auto" latinLnBrk="0" hangingPunct="1">
-              <a:lnSpc>
-                <a:spcPct val="100000"/>
-              </a:lnSpc>
-              <a:spcBef>
-                <a:spcPct val="20000"/>
-              </a:spcBef>
-              <a:spcAft>
-                <a:spcPts val="0"/>
-              </a:spcAft>
-              <a:buClr>
-                <a:srgbClr val="002A4F"/>
-              </a:buClr>
-              <a:buSzTx/>
-              <a:buNone/>
-              <a:tabLst/>
-              <a:defRPr/>
-            </a:pPr>
-            <a:r>
-              <a:rPr kumimoji="0" lang="en-US" sz="2400" b="0" i="0" u="none" strike="noStrike" kern="1200" cap="none" spc="0" normalizeH="0" baseline="0" noProof="0" dirty="0">
-                <a:ln>
-                  <a:noFill/>
-                </a:ln>
-                <a:solidFill>
-                  <a:prstClr val="black">
-                    <a:lumMod val="75000"/>
-                    <a:lumOff val="25000"/>
-                  </a:prstClr>
-                </a:solidFill>
-                <a:effectLst/>
-                <a:uLnTx/>
-                <a:uFillTx/>
-                <a:latin typeface="Exo 2 Medium" panose="00000600000000000000" pitchFamily="2" charset="-52"/>
-                <a:ea typeface="+mn-ea"/>
-                <a:cs typeface="+mn-cs"/>
-              </a:rPr>
-              <a:t>}</a:t>
-            </a:r>
-            <a:endParaRPr kumimoji="0" lang="ru-RU" sz="2400" b="0" i="0" u="none" strike="noStrike" kern="1200" cap="none" spc="0" normalizeH="0" baseline="0" noProof="0" dirty="0">
-              <a:ln>
-                <a:noFill/>
-              </a:ln>
-              <a:solidFill>
-                <a:prstClr val="black">
-                  <a:lumMod val="75000"/>
-                  <a:lumOff val="25000"/>
-                </a:prstClr>
-              </a:solidFill>
-              <a:effectLst/>
-              <a:uLnTx/>
-              <a:uFillTx/>
-              <a:latin typeface="Exo 2 Medium" panose="00000600000000000000" pitchFamily="2" charset="-52"/>
-              <a:ea typeface="+mn-ea"/>
-              <a:cs typeface="+mn-cs"/>
-            </a:endParaRPr>
-          </a:p>
-        </p:txBody>
-      </p:sp>
-      <p:sp>
-        <p:nvSpPr>
-          <p:cNvPr id="6" name="Текст 3">
-            <a:extLst>
-              <a:ext uri="{FF2B5EF4-FFF2-40B4-BE49-F238E27FC236}">
-                <a16:creationId xmlns:a16="http://schemas.microsoft.com/office/drawing/2014/main" id="{CBA32AE0-DBCF-4977-B2D3-1FB78BF0C714}"/>
-              </a:ext>
-            </a:extLst>
-          </p:cNvPr>
-          <p:cNvSpPr>
-            <a:spLocks noGrp="1"/>
-          </p:cNvSpPr>
-          <p:nvPr>
-            <p:ph type="body" sz="half" idx="12"/>
-          </p:nvPr>
-        </p:nvSpPr>
-        <p:spPr>
-          <a:xfrm>
-            <a:off x="405245" y="6461374"/>
-            <a:ext cx="2112235" cy="243976"/>
-          </a:xfrm>
-          <a:solidFill>
-            <a:schemeClr val="bg1"/>
-          </a:solidFill>
-        </p:spPr>
-        <p:txBody>
-          <a:bodyPr/>
-          <a:lstStyle/>
-          <a:p>
-            <a:r>
-              <a:rPr lang="ru-RU" dirty="0"/>
-              <a:t>12 ноября </a:t>
-            </a:r>
-            <a:r>
-              <a:rPr lang="en-US" dirty="0"/>
-              <a:t>202</a:t>
-            </a:r>
-            <a:r>
-              <a:rPr lang="ru-RU" dirty="0"/>
-              <a:t>4</a:t>
-            </a:r>
-            <a:r>
-              <a:rPr lang="en-US" dirty="0"/>
-              <a:t> </a:t>
-            </a:r>
-            <a:r>
-              <a:rPr lang="ru-RU" dirty="0"/>
-              <a:t>г</a:t>
-            </a:r>
-            <a:r>
-              <a:rPr lang="en-US" dirty="0"/>
-              <a:t>.</a:t>
-            </a:r>
-          </a:p>
-        </p:txBody>
-      </p:sp>
-    </p:spTree>
-    <p:extLst>
-      <p:ext uri="{BB962C8B-B14F-4D97-AF65-F5344CB8AC3E}">
-        <p14:creationId xmlns:p14="http://schemas.microsoft.com/office/powerpoint/2010/main" val="1305640598"/>
-      </p:ext>
-    </p:extLst>
-  </p:cSld>
-  <p:clrMapOvr>
-    <a:masterClrMapping/>
-  </p:clrMapOvr>
-</p:sld>
-</file>
-
-<file path=ppt/slides/slide15.xml><?xml version="1.0" encoding="utf-8"?>
-<p:sld xmlns:a="http://schemas.openxmlformats.org/drawingml/2006/main" xmlns:r="http://schemas.openxmlformats.org/officeDocument/2006/relationships" xmlns:p="http://schemas.openxmlformats.org/presentationml/2006/main">
-  <p:cSld>
-    <p:spTree>
-      <p:nvGrpSpPr>
-        <p:cNvPr id="1" name=""/>
-        <p:cNvGrpSpPr/>
-        <p:nvPr/>
-      </p:nvGrpSpPr>
-      <p:grpSpPr>
-        <a:xfrm>
-          <a:off x="0" y="0"/>
-          <a:ext cx="0" cy="0"/>
-          <a:chOff x="0" y="0"/>
-          <a:chExt cx="0" cy="0"/>
-        </a:xfrm>
-      </p:grpSpPr>
-      <p:sp>
-        <p:nvSpPr>
-          <p:cNvPr id="2" name="Заголовок 1">
-            <a:extLst>
-              <a:ext uri="{FF2B5EF4-FFF2-40B4-BE49-F238E27FC236}">
-                <a16:creationId xmlns:a16="http://schemas.microsoft.com/office/drawing/2014/main" id="{CEF97DB9-FAB9-4D25-8AC7-326EB1F06CBB}"/>
-              </a:ext>
-            </a:extLst>
-          </p:cNvPr>
-          <p:cNvSpPr>
-            <a:spLocks noGrp="1"/>
-          </p:cNvSpPr>
-          <p:nvPr>
-            <p:ph type="title"/>
-          </p:nvPr>
-        </p:nvSpPr>
-        <p:spPr/>
-        <p:txBody>
-          <a:bodyPr/>
-          <a:lstStyle/>
-          <a:p>
-            <a:r>
-              <a:rPr lang="ru-RU" sz="3600" dirty="0">
-                <a:latin typeface="Exo 2 Medium" panose="00000600000000000000" pitchFamily="2" charset="-52"/>
-              </a:rPr>
               <a:t>Преимущества и недостатки паттерна</a:t>
             </a:r>
           </a:p>
@@ -15006,7 +14460,7 @@
 </p:sld>
 </file>
 
-<file path=ppt/slides/slide16.xml><?xml version="1.0" encoding="utf-8"?>
+<file path=ppt/slides/slide15.xml><?xml version="1.0" encoding="utf-8"?>
 <p:sld xmlns:a="http://schemas.openxmlformats.org/drawingml/2006/main" xmlns:r="http://schemas.openxmlformats.org/officeDocument/2006/relationships" xmlns:p="http://schemas.openxmlformats.org/presentationml/2006/main">
   <p:cSld>
     <p:spTree>
@@ -15626,19 +15080,11 @@
             <a:pPr marL="0" indent="0" algn="just">
               <a:buNone/>
             </a:pPr>
-            <a:endParaRPr lang="ru-RU" sz="2400" dirty="0">
-              <a:latin typeface="Exo 2 Medium" panose="00000600000000000000" pitchFamily="2" charset="-52"/>
-            </a:endParaRPr>
-          </a:p>
-          <a:p>
-            <a:pPr marL="0" indent="0" algn="just">
-              <a:buNone/>
-            </a:pPr>
             <a:r>
               <a:rPr lang="ru-RU" sz="2400" dirty="0">
                 <a:latin typeface="Exo 2 Medium" panose="00000600000000000000" pitchFamily="2" charset="-52"/>
               </a:rPr>
-              <a:t>	Взаимодействие между слоями осуществляется через композицию в результате чего слои можно  изменять независимо друг от друга.</a:t>
+              <a:t>	Взаимодействие между слоями осуществляется через агрегацию в результате чего слои можно  изменять независимо друг от друга.</a:t>
             </a:r>
             <a:endParaRPr lang="en-US" sz="2400" dirty="0">
               <a:latin typeface="Exo 2 Medium" panose="00000600000000000000" pitchFamily="2" charset="-52"/>
@@ -16472,7 +15918,7 @@
               <a:rPr lang="ru-RU" sz="2400" dirty="0">
                 <a:latin typeface="Exo 2 Medium" panose="00000600000000000000" pitchFamily="2" charset="-52"/>
               </a:rPr>
-              <a:t>Определить, существует ли в классах два непересекающихся направлений (Например: фронт-энд и бэк-энд логика)</a:t>
+              <a:t>Определить, существует ли в классах два непересекающихся направлений (Например: фронт-энд и бэк-энд)</a:t>
             </a:r>
           </a:p>
           <a:p>

--- a/Presentation/Презентация.pptx
+++ b/Presentation/Презентация.pptx
@@ -224,7 +224,7 @@
           <a:p>
             <a:fld id="{92952BA5-CA89-4125-AF4D-3D35E6E81B73}" type="datetimeFigureOut">
               <a:rPr lang="ru-RU" smtClean="0"/>
-              <a:t>09.11.2024</a:t>
+              <a:t>11.11.2024</a:t>
             </a:fld>
             <a:endParaRPr lang="ru-RU"/>
           </a:p>
@@ -1010,7 +1010,7 @@
             <a:fld id="{9010AD6D-140B-4145-9237-9AB88B2B7E5A}" type="datetimeFigureOut">
               <a:rPr lang="ru-RU" smtClean="0"/>
               <a:pPr/>
-              <a:t>09.11.2024</a:t>
+              <a:t>11.11.2024</a:t>
             </a:fld>
             <a:endParaRPr lang="ru-RU"/>
           </a:p>
@@ -1287,7 +1287,7 @@
             <a:fld id="{9010AD6D-140B-4145-9237-9AB88B2B7E5A}" type="datetimeFigureOut">
               <a:rPr lang="ru-RU" smtClean="0"/>
               <a:pPr/>
-              <a:t>09.11.2024</a:t>
+              <a:t>11.11.2024</a:t>
             </a:fld>
             <a:endParaRPr lang="ru-RU"/>
           </a:p>
@@ -1554,7 +1554,7 @@
             <a:fld id="{9010AD6D-140B-4145-9237-9AB88B2B7E5A}" type="datetimeFigureOut">
               <a:rPr lang="ru-RU" smtClean="0"/>
               <a:pPr/>
-              <a:t>09.11.2024</a:t>
+              <a:t>11.11.2024</a:t>
             </a:fld>
             <a:endParaRPr lang="ru-RU"/>
           </a:p>
@@ -1968,7 +1968,7 @@
             <a:fld id="{9010AD6D-140B-4145-9237-9AB88B2B7E5A}" type="datetimeFigureOut">
               <a:rPr lang="ru-RU" smtClean="0"/>
               <a:pPr/>
-              <a:t>09.11.2024</a:t>
+              <a:t>11.11.2024</a:t>
             </a:fld>
             <a:endParaRPr lang="ru-RU"/>
           </a:p>
@@ -2111,7 +2111,7 @@
             <a:fld id="{9010AD6D-140B-4145-9237-9AB88B2B7E5A}" type="datetimeFigureOut">
               <a:rPr lang="ru-RU" smtClean="0"/>
               <a:pPr/>
-              <a:t>09.11.2024</a:t>
+              <a:t>11.11.2024</a:t>
             </a:fld>
             <a:endParaRPr lang="ru-RU"/>
           </a:p>
@@ -2226,7 +2226,7 @@
             <a:fld id="{9010AD6D-140B-4145-9237-9AB88B2B7E5A}" type="datetimeFigureOut">
               <a:rPr lang="ru-RU" smtClean="0"/>
               <a:pPr/>
-              <a:t>09.11.2024</a:t>
+              <a:t>11.11.2024</a:t>
             </a:fld>
             <a:endParaRPr lang="ru-RU"/>
           </a:p>
@@ -2539,7 +2539,7 @@
             <a:fld id="{9010AD6D-140B-4145-9237-9AB88B2B7E5A}" type="datetimeFigureOut">
               <a:rPr lang="ru-RU" smtClean="0"/>
               <a:pPr/>
-              <a:t>09.11.2024</a:t>
+              <a:t>11.11.2024</a:t>
             </a:fld>
             <a:endParaRPr lang="ru-RU"/>
           </a:p>
@@ -2832,7 +2832,7 @@
             <a:fld id="{9010AD6D-140B-4145-9237-9AB88B2B7E5A}" type="datetimeFigureOut">
               <a:rPr lang="ru-RU" smtClean="0"/>
               <a:pPr/>
-              <a:t>09.11.2024</a:t>
+              <a:t>11.11.2024</a:t>
             </a:fld>
             <a:endParaRPr lang="ru-RU"/>
           </a:p>
@@ -3032,7 +3032,7 @@
             <a:fld id="{9010AD6D-140B-4145-9237-9AB88B2B7E5A}" type="datetimeFigureOut">
               <a:rPr lang="ru-RU" smtClean="0"/>
               <a:pPr/>
-              <a:t>09.11.2024</a:t>
+              <a:t>11.11.2024</a:t>
             </a:fld>
             <a:endParaRPr lang="ru-RU"/>
           </a:p>
@@ -3242,7 +3242,7 @@
             <a:fld id="{9010AD6D-140B-4145-9237-9AB88B2B7E5A}" type="datetimeFigureOut">
               <a:rPr lang="ru-RU" smtClean="0"/>
               <a:pPr/>
-              <a:t>09.11.2024</a:t>
+              <a:t>11.11.2024</a:t>
             </a:fld>
             <a:endParaRPr lang="ru-RU"/>
           </a:p>
@@ -7060,7 +7060,7 @@
           <a:p>
             <a:fld id="{9F2B18E7-9061-4482-B2D4-C96C146C6FAB}" type="datetimeFigureOut">
               <a:rPr lang="en-US" smtClean="0"/>
-              <a:t>11/9/2024</a:t>
+              <a:t>11/11/2024</a:t>
             </a:fld>
             <a:endParaRPr lang="en-US"/>
           </a:p>
@@ -7281,7 +7281,7 @@
             <a:fld id="{9010AD6D-140B-4145-9237-9AB88B2B7E5A}" type="datetimeFigureOut">
               <a:rPr lang="ru-RU" smtClean="0"/>
               <a:pPr/>
-              <a:t>09.11.2024</a:t>
+              <a:t>11.11.2024</a:t>
             </a:fld>
             <a:endParaRPr lang="ru-RU"/>
           </a:p>
@@ -8452,7 +8452,7 @@
             <a:fld id="{9010AD6D-140B-4145-9237-9AB88B2B7E5A}" type="datetimeFigureOut">
               <a:rPr lang="ru-RU" smtClean="0"/>
               <a:pPr/>
-              <a:t>09.11.2024</a:t>
+              <a:t>11.11.2024</a:t>
             </a:fld>
             <a:endParaRPr lang="ru-RU"/>
           </a:p>
@@ -14359,7 +14359,7 @@
               <a:rPr lang="ru-RU" sz="2400" dirty="0">
                 <a:latin typeface="Exo 2 Medium" panose="00000600000000000000" pitchFamily="2" charset="-52"/>
               </a:rPr>
-              <a:t>Реализует принцип открытости/закрытости (завершенные классы открыты для расширения но закрыты для изменения)</a:t>
+              <a:t>Реализует принцип открытости/закрытости</a:t>
             </a:r>
           </a:p>
           <a:p>
@@ -16356,7 +16356,7 @@
                 <a:ea typeface="+mn-ea"/>
                 <a:cs typeface="+mn-cs"/>
               </a:rPr>
-              <a:t>	Давайте представим, что в один не очень хороший день перед вам поручили написать бота для скачивания видео с различных площадок. </a:t>
+              <a:t>	Давайте представим, что вам поручили написать бота для скачивания видео с различных площадок. </a:t>
             </a:r>
           </a:p>
           <a:p>

--- a/Presentation/Презентация.pptx
+++ b/Presentation/Презентация.pptx
@@ -14356,10 +14356,16 @@
           </a:p>
           <a:p>
             <a:r>
+              <a:rPr lang="ru-RU" sz="2400">
+                <a:latin typeface="Exo 2 Medium" panose="00000600000000000000" pitchFamily="2" charset="-52"/>
+              </a:rPr>
+              <a:t>Реализация принципа </a:t>
+            </a:r>
+            <a:r>
               <a:rPr lang="ru-RU" sz="2400" dirty="0">
                 <a:latin typeface="Exo 2 Medium" panose="00000600000000000000" pitchFamily="2" charset="-52"/>
               </a:rPr>
-              <a:t>Реализует принцип открытости/закрытости</a:t>
+              <a:t>открытости/закрытости</a:t>
             </a:r>
           </a:p>
           <a:p>
@@ -15918,7 +15924,7 @@
               <a:rPr lang="ru-RU" sz="2400" dirty="0">
                 <a:latin typeface="Exo 2 Medium" panose="00000600000000000000" pitchFamily="2" charset="-52"/>
               </a:rPr>
-              <a:t>Определить, существует ли в классах два непересекающихся направлений (Например: фронт-энд и бэк-энд)</a:t>
+              <a:t>Определить, существует ли в классах два непересекающихся направлений </a:t>
             </a:r>
           </a:p>
           <a:p>
